--- a/session3/B3-SQL_Filtering.pptx
+++ b/session3/B3-SQL_Filtering.pptx
@@ -5,10 +5,10 @@
     <p:sldMasterId id="2147483660" r:id="rId1"/>
   </p:sldMasterIdLst>
   <p:notesMasterIdLst>
-    <p:notesMasterId r:id="rId23"/>
+    <p:notesMasterId r:id="rId20"/>
   </p:notesMasterIdLst>
   <p:handoutMasterIdLst>
-    <p:handoutMasterId r:id="rId24"/>
+    <p:handoutMasterId r:id="rId21"/>
   </p:handoutMasterIdLst>
   <p:sldIdLst>
     <p:sldId id="256" r:id="rId2"/>
@@ -27,11 +27,8 @@
     <p:sldId id="303" r:id="rId15"/>
     <p:sldId id="335" r:id="rId16"/>
     <p:sldId id="366" r:id="rId17"/>
-    <p:sldId id="363" r:id="rId18"/>
-    <p:sldId id="261" r:id="rId19"/>
-    <p:sldId id="288" r:id="rId20"/>
-    <p:sldId id="368" r:id="rId21"/>
-    <p:sldId id="369" r:id="rId22"/>
+    <p:sldId id="288" r:id="rId18"/>
+    <p:sldId id="369" r:id="rId19"/>
   </p:sldIdLst>
   <p:sldSz cx="9144000" cy="6858000" type="screen4x3"/>
   <p:notesSz cx="7315200" cy="9601200"/>
@@ -324,7 +321,7 @@
             <a:fld id="{0F6AC800-BF99-41BB-8DE5-8FC7E09D6C23}" type="datetimeFigureOut">
               <a:rPr lang="en-US" smtClean="0"/>
               <a:pPr/>
-              <a:t>2/21/2020</a:t>
+              <a:t>3/29/2020</a:t>
             </a:fld>
             <a:endParaRPr lang="en-US" dirty="0"/>
           </a:p>
@@ -728,7 +725,7 @@
           <a:p>
             <a:fld id="{5F4C8C79-FAFE-4D56-A4D5-361B65C3B3FA}" type="datetimeFigureOut">
               <a:rPr lang="en-US" smtClean="0"/>
-              <a:t>2/21/2020</a:t>
+              <a:t>3/29/2020</a:t>
             </a:fld>
             <a:endParaRPr lang="en-US"/>
           </a:p>
@@ -898,7 +895,7 @@
           <a:p>
             <a:fld id="{5F4C8C79-FAFE-4D56-A4D5-361B65C3B3FA}" type="datetimeFigureOut">
               <a:rPr lang="en-US" smtClean="0"/>
-              <a:t>2/21/2020</a:t>
+              <a:t>3/29/2020</a:t>
             </a:fld>
             <a:endParaRPr lang="en-US"/>
           </a:p>
@@ -1078,7 +1075,7 @@
           <a:p>
             <a:fld id="{5F4C8C79-FAFE-4D56-A4D5-361B65C3B3FA}" type="datetimeFigureOut">
               <a:rPr lang="en-US" smtClean="0"/>
-              <a:t>2/21/2020</a:t>
+              <a:t>3/29/2020</a:t>
             </a:fld>
             <a:endParaRPr lang="en-US"/>
           </a:p>
@@ -1279,7 +1276,7 @@
           <a:p>
             <a:fld id="{5F4C8C79-FAFE-4D56-A4D5-361B65C3B3FA}" type="datetimeFigureOut">
               <a:rPr lang="en-US" smtClean="0"/>
-              <a:t>2/21/2020</a:t>
+              <a:t>3/29/2020</a:t>
             </a:fld>
             <a:endParaRPr lang="en-US"/>
           </a:p>
@@ -1523,7 +1520,7 @@
           <a:p>
             <a:fld id="{5F4C8C79-FAFE-4D56-A4D5-361B65C3B3FA}" type="datetimeFigureOut">
               <a:rPr lang="en-US" smtClean="0"/>
-              <a:t>2/21/2020</a:t>
+              <a:t>3/29/2020</a:t>
             </a:fld>
             <a:endParaRPr lang="en-US"/>
           </a:p>
@@ -1755,7 +1752,7 @@
           <a:p>
             <a:fld id="{5F4C8C79-FAFE-4D56-A4D5-361B65C3B3FA}" type="datetimeFigureOut">
               <a:rPr lang="en-US" smtClean="0"/>
-              <a:t>2/21/2020</a:t>
+              <a:t>3/29/2020</a:t>
             </a:fld>
             <a:endParaRPr lang="en-US"/>
           </a:p>
@@ -2122,7 +2119,7 @@
           <a:p>
             <a:fld id="{5F4C8C79-FAFE-4D56-A4D5-361B65C3B3FA}" type="datetimeFigureOut">
               <a:rPr lang="en-US" smtClean="0"/>
-              <a:t>2/21/2020</a:t>
+              <a:t>3/29/2020</a:t>
             </a:fld>
             <a:endParaRPr lang="en-US"/>
           </a:p>
@@ -2240,7 +2237,7 @@
           <a:p>
             <a:fld id="{5F4C8C79-FAFE-4D56-A4D5-361B65C3B3FA}" type="datetimeFigureOut">
               <a:rPr lang="en-US" smtClean="0"/>
-              <a:t>2/21/2020</a:t>
+              <a:t>3/29/2020</a:t>
             </a:fld>
             <a:endParaRPr lang="en-US"/>
           </a:p>
@@ -2335,7 +2332,7 @@
           <a:p>
             <a:fld id="{5F4C8C79-FAFE-4D56-A4D5-361B65C3B3FA}" type="datetimeFigureOut">
               <a:rPr lang="en-US" smtClean="0"/>
-              <a:t>2/21/2020</a:t>
+              <a:t>3/29/2020</a:t>
             </a:fld>
             <a:endParaRPr lang="en-US"/>
           </a:p>
@@ -2612,7 +2609,7 @@
           <a:p>
             <a:fld id="{5F4C8C79-FAFE-4D56-A4D5-361B65C3B3FA}" type="datetimeFigureOut">
               <a:rPr lang="en-US" smtClean="0"/>
-              <a:t>2/21/2020</a:t>
+              <a:t>3/29/2020</a:t>
             </a:fld>
             <a:endParaRPr lang="en-US"/>
           </a:p>
@@ -2869,7 +2866,7 @@
           <a:p>
             <a:fld id="{5F4C8C79-FAFE-4D56-A4D5-361B65C3B3FA}" type="datetimeFigureOut">
               <a:rPr lang="en-US" smtClean="0"/>
-              <a:t>2/21/2020</a:t>
+              <a:t>3/29/2020</a:t>
             </a:fld>
             <a:endParaRPr lang="en-US"/>
           </a:p>
@@ -3082,7 +3079,7 @@
             <a:fld id="{5F4C8C79-FAFE-4D56-A4D5-361B65C3B3FA}" type="datetimeFigureOut">
               <a:rPr lang="en-US" smtClean="0"/>
               <a:pPr/>
-              <a:t>2/21/2020</a:t>
+              <a:t>3/29/2020</a:t>
             </a:fld>
             <a:endParaRPr lang="en-US" dirty="0"/>
           </a:p>
@@ -3569,7 +3566,7 @@
           </a:ln>
           <a:extLst>
             <a:ext uri="{C572A759-6A51-4108-AA02-DFA0A04FC94B}">
-              <ma14:wrappingTextBoxFlag xmlns="" xmlns:ma14="http://schemas.microsoft.com/office/mac/drawingml/2011/main" val="1"/>
+              <ma14:wrappingTextBoxFlag xmlns:ma14="http://schemas.microsoft.com/office/mac/drawingml/2011/main" xmlns="" val="1"/>
             </a:ext>
           </a:extLst>
         </p:spPr>
@@ -3671,7 +3668,7 @@
           </a:ln>
           <a:extLst>
             <a:ext uri="{C572A759-6A51-4108-AA02-DFA0A04FC94B}">
-              <ma14:wrappingTextBoxFlag xmlns="" xmlns:ma14="http://schemas.microsoft.com/office/mac/drawingml/2011/main" val="1"/>
+              <ma14:wrappingTextBoxFlag xmlns:ma14="http://schemas.microsoft.com/office/mac/drawingml/2011/main" xmlns="" val="1"/>
             </a:ext>
           </a:extLst>
         </p:spPr>
@@ -4609,7 +4606,7 @@
           </a:ln>
           <a:extLst>
             <a:ext uri="{C572A759-6A51-4108-AA02-DFA0A04FC94B}">
-              <ma14:wrappingTextBoxFlag xmlns="" xmlns:ma14="http://schemas.microsoft.com/office/mac/drawingml/2011/main" val="1"/>
+              <ma14:wrappingTextBoxFlag xmlns:ma14="http://schemas.microsoft.com/office/mac/drawingml/2011/main" xmlns="" val="1"/>
             </a:ext>
           </a:extLst>
         </p:spPr>
@@ -4681,7 +4678,7 @@
           </a:ln>
           <a:extLst>
             <a:ext uri="{C572A759-6A51-4108-AA02-DFA0A04FC94B}">
-              <ma14:wrappingTextBoxFlag xmlns="" xmlns:ma14="http://schemas.microsoft.com/office/mac/drawingml/2011/main" val="1"/>
+              <ma14:wrappingTextBoxFlag xmlns:ma14="http://schemas.microsoft.com/office/mac/drawingml/2011/main" xmlns="" val="1"/>
             </a:ext>
           </a:extLst>
         </p:spPr>
@@ -5009,7 +5006,7 @@
           </a:ln>
           <a:extLst>
             <a:ext uri="{C572A759-6A51-4108-AA02-DFA0A04FC94B}">
-              <ma14:wrappingTextBoxFlag xmlns="" xmlns:ma14="http://schemas.microsoft.com/office/mac/drawingml/2011/main" val="1"/>
+              <ma14:wrappingTextBoxFlag xmlns:ma14="http://schemas.microsoft.com/office/mac/drawingml/2011/main" xmlns="" val="1"/>
             </a:ext>
           </a:extLst>
         </p:spPr>
@@ -5078,7 +5075,7 @@
           </a:ln>
           <a:extLst>
             <a:ext uri="{C572A759-6A51-4108-AA02-DFA0A04FC94B}">
-              <ma14:wrappingTextBoxFlag xmlns="" xmlns:ma14="http://schemas.microsoft.com/office/mac/drawingml/2011/main" val="1"/>
+              <ma14:wrappingTextBoxFlag xmlns:ma14="http://schemas.microsoft.com/office/mac/drawingml/2011/main" xmlns="" val="1"/>
             </a:ext>
           </a:extLst>
         </p:spPr>
@@ -5454,7 +5451,7 @@
           </a:ln>
           <a:extLst>
             <a:ext uri="{C572A759-6A51-4108-AA02-DFA0A04FC94B}">
-              <ma14:wrappingTextBoxFlag xmlns="" xmlns:ma14="http://schemas.microsoft.com/office/mac/drawingml/2011/main" val="1"/>
+              <ma14:wrappingTextBoxFlag xmlns:ma14="http://schemas.microsoft.com/office/mac/drawingml/2011/main" xmlns="" val="1"/>
             </a:ext>
           </a:extLst>
         </p:spPr>
@@ -5523,7 +5520,7 @@
           </a:ln>
           <a:extLst>
             <a:ext uri="{C572A759-6A51-4108-AA02-DFA0A04FC94B}">
-              <ma14:wrappingTextBoxFlag xmlns="" xmlns:ma14="http://schemas.microsoft.com/office/mac/drawingml/2011/main" val="1"/>
+              <ma14:wrappingTextBoxFlag xmlns:ma14="http://schemas.microsoft.com/office/mac/drawingml/2011/main" xmlns="" val="1"/>
             </a:ext>
           </a:extLst>
         </p:spPr>
@@ -5740,7 +5737,7 @@
           </a:ln>
           <a:extLst>
             <a:ext uri="{C572A759-6A51-4108-AA02-DFA0A04FC94B}">
-              <ma14:wrappingTextBoxFlag xmlns="" xmlns:ma14="http://schemas.microsoft.com/office/mac/drawingml/2011/main" val="1"/>
+              <ma14:wrappingTextBoxFlag xmlns:ma14="http://schemas.microsoft.com/office/mac/drawingml/2011/main" xmlns="" val="1"/>
             </a:ext>
           </a:extLst>
         </p:spPr>
@@ -5809,7 +5806,7 @@
           </a:ln>
           <a:extLst>
             <a:ext uri="{C572A759-6A51-4108-AA02-DFA0A04FC94B}">
-              <ma14:wrappingTextBoxFlag xmlns="" xmlns:ma14="http://schemas.microsoft.com/office/mac/drawingml/2011/main" val="1"/>
+              <ma14:wrappingTextBoxFlag xmlns:ma14="http://schemas.microsoft.com/office/mac/drawingml/2011/main" xmlns="" val="1"/>
             </a:ext>
           </a:extLst>
         </p:spPr>
@@ -6192,7 +6189,7 @@
           </a:ln>
           <a:extLst>
             <a:ext uri="{C572A759-6A51-4108-AA02-DFA0A04FC94B}">
-              <ma14:wrappingTextBoxFlag xmlns="" xmlns:ma14="http://schemas.microsoft.com/office/mac/drawingml/2011/main" val="1"/>
+              <ma14:wrappingTextBoxFlag xmlns:ma14="http://schemas.microsoft.com/office/mac/drawingml/2011/main" xmlns="" val="1"/>
             </a:ext>
           </a:extLst>
         </p:spPr>
@@ -6261,7 +6258,7 @@
           </a:ln>
           <a:extLst>
             <a:ext uri="{C572A759-6A51-4108-AA02-DFA0A04FC94B}">
-              <ma14:wrappingTextBoxFlag xmlns="" xmlns:ma14="http://schemas.microsoft.com/office/mac/drawingml/2011/main" val="1"/>
+              <ma14:wrappingTextBoxFlag xmlns:ma14="http://schemas.microsoft.com/office/mac/drawingml/2011/main" xmlns="" val="1"/>
             </a:ext>
           </a:extLst>
         </p:spPr>
@@ -6604,7 +6601,7 @@
           </a:ln>
           <a:extLst>
             <a:ext uri="{C572A759-6A51-4108-AA02-DFA0A04FC94B}">
-              <ma14:wrappingTextBoxFlag xmlns="" xmlns:ma14="http://schemas.microsoft.com/office/mac/drawingml/2011/main" val="1"/>
+              <ma14:wrappingTextBoxFlag xmlns:ma14="http://schemas.microsoft.com/office/mac/drawingml/2011/main" xmlns="" val="1"/>
             </a:ext>
           </a:extLst>
         </p:spPr>
@@ -6673,7 +6670,7 @@
           </a:ln>
           <a:extLst>
             <a:ext uri="{C572A759-6A51-4108-AA02-DFA0A04FC94B}">
-              <ma14:wrappingTextBoxFlag xmlns="" xmlns:ma14="http://schemas.microsoft.com/office/mac/drawingml/2011/main" val="1"/>
+              <ma14:wrappingTextBoxFlag xmlns:ma14="http://schemas.microsoft.com/office/mac/drawingml/2011/main" xmlns="" val="1"/>
             </a:ext>
           </a:extLst>
         </p:spPr>
@@ -7014,7 +7011,7 @@
           </a:ln>
           <a:extLst>
             <a:ext uri="{C572A759-6A51-4108-AA02-DFA0A04FC94B}">
-              <ma14:wrappingTextBoxFlag xmlns="" xmlns:ma14="http://schemas.microsoft.com/office/mac/drawingml/2011/main" val="1"/>
+              <ma14:wrappingTextBoxFlag xmlns:ma14="http://schemas.microsoft.com/office/mac/drawingml/2011/main" xmlns="" val="1"/>
             </a:ext>
           </a:extLst>
         </p:spPr>
@@ -7051,7 +7048,7 @@
                 </a:uFill>
                 <a:latin typeface="Arial Unicode MS" panose="020B0604020202020204" pitchFamily="34" charset="-128"/>
               </a:rPr>
-              <a:t>Practice queries</a:t>
+              <a:t>REGEXP</a:t>
             </a:r>
             <a:endParaRPr sz="3000" b="1" dirty="0">
               <a:uFill>
@@ -7072,8 +7069,8 @@
         </p:nvSpPr>
         <p:spPr>
           <a:xfrm>
-            <a:off x="179797" y="1324179"/>
-            <a:ext cx="8964203" cy="2695610"/>
+            <a:off x="469900" y="1324179"/>
+            <a:ext cx="8204200" cy="2387833"/>
           </a:xfrm>
           <a:prstGeom prst="rect">
             <a:avLst/>
@@ -7083,21 +7080,23 @@
           </a:ln>
           <a:extLst>
             <a:ext uri="{C572A759-6A51-4108-AA02-DFA0A04FC94B}">
-              <ma14:wrappingTextBoxFlag xmlns="" xmlns:ma14="http://schemas.microsoft.com/office/mac/drawingml/2011/main" val="1"/>
+              <ma14:wrappingTextBoxFlag xmlns:ma14="http://schemas.microsoft.com/office/mac/drawingml/2011/main" xmlns="" val="1"/>
             </a:ext>
           </a:extLst>
         </p:spPr>
         <p:txBody>
-          <a:bodyPr wrap="square" lIns="45719" rIns="45719">
+          <a:bodyPr lIns="45719" rIns="45719">
             <a:spAutoFit/>
           </a:bodyPr>
           <a:lstStyle/>
           <a:p>
-            <a:pPr lvl="0">
+            <a:pPr marL="342900" lvl="0" indent="-342900">
               <a:spcBef>
                 <a:spcPts val="700"/>
               </a:spcBef>
               <a:buSzPct val="100000"/>
+              <a:buFont typeface="Arial" panose="020B0604020202020204" pitchFamily="34" charset="0"/>
+              <a:buChar char="•"/>
               <a:defRPr sz="1800">
                 <a:solidFill>
                   <a:srgbClr val="000000"/>
@@ -7106,6 +7105,18 @@
               </a:defRPr>
             </a:pPr>
             <a:r>
+              <a:rPr lang="en-US" sz="2000" dirty="0">
+                <a:uFill>
+                  <a:solidFill/>
+                </a:uFill>
+                <a:latin typeface="Arial Unicode MS" panose="020B0604020202020204" pitchFamily="34" charset="-128"/>
+                <a:ea typeface="Arial Unicode MS" panose="020B0604020202020204" pitchFamily="34" charset="-128"/>
+                <a:cs typeface="Arial Unicode MS" panose="020B0604020202020204" pitchFamily="34" charset="-128"/>
+                <a:sym typeface="Iowan Old Style Roman"/>
+              </a:rPr>
+              <a:t>REGEXP allows a standard </a:t>
+            </a:r>
+            <a:r>
               <a:rPr lang="en-US" sz="2000" b="1" dirty="0">
                 <a:uFill>
                   <a:solidFill/>
@@ -7115,155 +7126,27 @@
                 <a:cs typeface="Arial Unicode MS" panose="020B0604020202020204" pitchFamily="34" charset="-128"/>
                 <a:sym typeface="Iowan Old Style Roman"/>
               </a:rPr>
-              <a:t>Facebook Queries</a:t>
-            </a:r>
-          </a:p>
-          <a:p>
-            <a:pPr marL="457200" indent="-457200">
+              <a:t>regular expression </a:t>
+            </a:r>
+            <a:r>
+              <a:rPr lang="en-US" sz="2000" dirty="0">
+                <a:uFill>
+                  <a:solidFill/>
+                </a:uFill>
+                <a:latin typeface="Arial Unicode MS" panose="020B0604020202020204" pitchFamily="34" charset="-128"/>
+                <a:ea typeface="Arial Unicode MS" panose="020B0604020202020204" pitchFamily="34" charset="-128"/>
+                <a:cs typeface="Arial Unicode MS" panose="020B0604020202020204" pitchFamily="34" charset="-128"/>
+                <a:sym typeface="Iowan Old Style Roman"/>
+              </a:rPr>
+              <a:t>query</a:t>
+            </a:r>
+          </a:p>
+          <a:p>
+            <a:pPr lvl="1">
               <a:spcBef>
                 <a:spcPts val="700"/>
               </a:spcBef>
               <a:buSzPct val="100000"/>
-              <a:buFont typeface="+mj-lt"/>
-              <a:buAutoNum type="arabicPeriod"/>
-              <a:defRPr sz="1800">
-                <a:solidFill>
-                  <a:srgbClr val="000000"/>
-                </a:solidFill>
-                <a:uFillTx/>
-              </a:defRPr>
-            </a:pPr>
-            <a:r>
-              <a:rPr lang="en-US" sz="2000" dirty="0">
-                <a:uFill>
-                  <a:solidFill/>
-                </a:uFill>
-                <a:latin typeface="Arial Unicode MS" panose="020B0604020202020204" pitchFamily="34" charset="-128"/>
-                <a:ea typeface="Arial Unicode MS" panose="020B0604020202020204" pitchFamily="34" charset="-128"/>
-                <a:cs typeface="Arial Unicode MS" panose="020B0604020202020204" pitchFamily="34" charset="-128"/>
-                <a:sym typeface="Iowan Old Style Roman"/>
-              </a:rPr>
-              <a:t>Find all students who live in “Weinstein Hall”</a:t>
-            </a:r>
-          </a:p>
-          <a:p>
-            <a:pPr marL="457200" indent="-457200">
-              <a:spcBef>
-                <a:spcPts val="700"/>
-              </a:spcBef>
-              <a:buSzPct val="100000"/>
-              <a:buFont typeface="+mj-lt"/>
-              <a:buAutoNum type="arabicPeriod"/>
-              <a:defRPr sz="1800">
-                <a:solidFill>
-                  <a:srgbClr val="000000"/>
-                </a:solidFill>
-                <a:uFillTx/>
-              </a:defRPr>
-            </a:pPr>
-            <a:r>
-              <a:rPr lang="en-US" sz="2000" dirty="0">
-                <a:uFill>
-                  <a:solidFill/>
-                </a:uFill>
-                <a:latin typeface="Arial Unicode MS" panose="020B0604020202020204" pitchFamily="34" charset="-128"/>
-                <a:ea typeface="Arial Unicode MS" panose="020B0604020202020204" pitchFamily="34" charset="-128"/>
-                <a:cs typeface="Arial Unicode MS" panose="020B0604020202020204" pitchFamily="34" charset="-128"/>
-                <a:sym typeface="Iowan Old Style Roman"/>
-              </a:rPr>
-              <a:t>Find all students with first name “Richard”</a:t>
-            </a:r>
-          </a:p>
-          <a:p>
-            <a:pPr marL="457200" indent="-457200">
-              <a:spcBef>
-                <a:spcPts val="700"/>
-              </a:spcBef>
-              <a:buSzPct val="100000"/>
-              <a:buFont typeface="+mj-lt"/>
-              <a:buAutoNum type="arabicPeriod"/>
-              <a:defRPr sz="1800">
-                <a:solidFill>
-                  <a:srgbClr val="000000"/>
-                </a:solidFill>
-                <a:uFillTx/>
-              </a:defRPr>
-            </a:pPr>
-            <a:r>
-              <a:rPr lang="en-US" sz="2000" dirty="0">
-                <a:uFill>
-                  <a:solidFill/>
-                </a:uFill>
-                <a:latin typeface="Arial Unicode MS" panose="020B0604020202020204" pitchFamily="34" charset="-128"/>
-                <a:ea typeface="Arial Unicode MS" panose="020B0604020202020204" pitchFamily="34" charset="-128"/>
-                <a:cs typeface="Arial Unicode MS" panose="020B0604020202020204" pitchFamily="34" charset="-128"/>
-                <a:sym typeface="Iowan Old Style Roman"/>
-              </a:rPr>
-              <a:t>Find all students with first names starting with P and last names starting with I (e.g. </a:t>
-            </a:r>
-            <a:r>
-              <a:rPr lang="en-US" sz="2000" b="1" dirty="0">
-                <a:solidFill>
-                  <a:srgbClr val="C00000"/>
-                </a:solidFill>
-                <a:uFill>
-                  <a:solidFill/>
-                </a:uFill>
-                <a:latin typeface="Arial Unicode MS" panose="020B0604020202020204" pitchFamily="34" charset="-128"/>
-                <a:ea typeface="Arial Unicode MS" panose="020B0604020202020204" pitchFamily="34" charset="-128"/>
-                <a:cs typeface="Arial Unicode MS" panose="020B0604020202020204" pitchFamily="34" charset="-128"/>
-                <a:sym typeface="Iowan Old Style Roman"/>
-              </a:rPr>
-              <a:t>P</a:t>
-            </a:r>
-            <a:r>
-              <a:rPr lang="en-US" sz="2000" dirty="0">
-                <a:uFill>
-                  <a:solidFill/>
-                </a:uFill>
-                <a:latin typeface="Arial Unicode MS" panose="020B0604020202020204" pitchFamily="34" charset="-128"/>
-                <a:ea typeface="Arial Unicode MS" panose="020B0604020202020204" pitchFamily="34" charset="-128"/>
-                <a:cs typeface="Arial Unicode MS" panose="020B0604020202020204" pitchFamily="34" charset="-128"/>
-                <a:sym typeface="Iowan Old Style Roman"/>
-              </a:rPr>
-              <a:t>anos </a:t>
-            </a:r>
-            <a:r>
-              <a:rPr lang="en-US" sz="2000" b="1" dirty="0">
-                <a:solidFill>
-                  <a:srgbClr val="C00000"/>
-                </a:solidFill>
-                <a:uFill>
-                  <a:solidFill/>
-                </a:uFill>
-                <a:latin typeface="Arial Unicode MS" panose="020B0604020202020204" pitchFamily="34" charset="-128"/>
-                <a:ea typeface="Arial Unicode MS" panose="020B0604020202020204" pitchFamily="34" charset="-128"/>
-                <a:cs typeface="Arial Unicode MS" panose="020B0604020202020204" pitchFamily="34" charset="-128"/>
-                <a:sym typeface="Iowan Old Style Roman"/>
-              </a:rPr>
-              <a:t>I</a:t>
-            </a:r>
-            <a:r>
-              <a:rPr lang="en-US" sz="2000" dirty="0">
-                <a:uFill>
-                  <a:solidFill/>
-                </a:uFill>
-                <a:latin typeface="Arial Unicode MS" panose="020B0604020202020204" pitchFamily="34" charset="-128"/>
-                <a:ea typeface="Arial Unicode MS" panose="020B0604020202020204" pitchFamily="34" charset="-128"/>
-                <a:cs typeface="Arial Unicode MS" panose="020B0604020202020204" pitchFamily="34" charset="-128"/>
-                <a:sym typeface="Iowan Old Style Roman"/>
-              </a:rPr>
-              <a:t>peirotis)</a:t>
-            </a:r>
-          </a:p>
-          <a:p>
-            <a:pPr marL="457200" indent="-457200">
-              <a:spcBef>
-                <a:spcPts val="700"/>
-              </a:spcBef>
-              <a:buSzPct val="100000"/>
-              <a:buFont typeface="+mj-lt"/>
-              <a:buAutoNum type="arabicPeriod"/>
               <a:defRPr sz="1800">
                 <a:solidFill>
                   <a:srgbClr val="000000"/>
@@ -7282,7 +7165,7 @@
             </a:endParaRPr>
           </a:p>
           <a:p>
-            <a:pPr>
+            <a:pPr lvl="1">
               <a:spcBef>
                 <a:spcPts val="700"/>
               </a:spcBef>
@@ -7294,22 +7177,103 @@
                 <a:uFillTx/>
               </a:defRPr>
             </a:pPr>
-            <a:endParaRPr lang="en-US" sz="2000" dirty="0">
-              <a:uFill>
-                <a:solidFill/>
-              </a:uFill>
-              <a:latin typeface="Arial Unicode MS" panose="020B0604020202020204" pitchFamily="34" charset="-128"/>
-              <a:ea typeface="Arial Unicode MS" panose="020B0604020202020204" pitchFamily="34" charset="-128"/>
-              <a:cs typeface="Arial Unicode MS" panose="020B0604020202020204" pitchFamily="34" charset="-128"/>
-              <a:sym typeface="Iowan Old Style Roman"/>
-            </a:endParaRPr>
+            <a:r>
+              <a:rPr lang="en-US" sz="2000" b="1" dirty="0">
+                <a:uFill>
+                  <a:solidFill/>
+                </a:uFill>
+                <a:latin typeface="Arial Unicode MS" panose="020B0604020202020204" pitchFamily="34" charset="-128"/>
+                <a:ea typeface="Arial Unicode MS" panose="020B0604020202020204" pitchFamily="34" charset="-128"/>
+                <a:cs typeface="Arial Unicode MS" panose="020B0604020202020204" pitchFamily="34" charset="-128"/>
+                <a:sym typeface="Iowan Old Style Roman"/>
+              </a:rPr>
+              <a:t>Example: Find all names that contain a digit</a:t>
+            </a:r>
+          </a:p>
+          <a:p>
+            <a:pPr lvl="1">
+              <a:spcBef>
+                <a:spcPts val="700"/>
+              </a:spcBef>
+              <a:buSzPct val="100000"/>
+              <a:defRPr sz="1800">
+                <a:solidFill>
+                  <a:srgbClr val="000000"/>
+                </a:solidFill>
+                <a:uFillTx/>
+              </a:defRPr>
+            </a:pPr>
+            <a:r>
+              <a:rPr lang="en-US" sz="2000" dirty="0">
+                <a:uFill>
+                  <a:solidFill/>
+                </a:uFill>
+                <a:latin typeface="Arial Unicode MS" panose="020B0604020202020204" pitchFamily="34" charset="-128"/>
+                <a:ea typeface="Arial Unicode MS" panose="020B0604020202020204" pitchFamily="34" charset="-128"/>
+                <a:cs typeface="Arial Unicode MS" panose="020B0604020202020204" pitchFamily="34" charset="-128"/>
+                <a:sym typeface="Iowan Old Style Roman"/>
+              </a:rPr>
+              <a:t>SELECT * </a:t>
+            </a:r>
+          </a:p>
+          <a:p>
+            <a:pPr lvl="1">
+              <a:spcBef>
+                <a:spcPts val="700"/>
+              </a:spcBef>
+              <a:buSzPct val="100000"/>
+              <a:defRPr sz="1800">
+                <a:solidFill>
+                  <a:srgbClr val="000000"/>
+                </a:solidFill>
+                <a:uFillTx/>
+              </a:defRPr>
+            </a:pPr>
+            <a:r>
+              <a:rPr lang="en-US" sz="2000" dirty="0">
+                <a:uFill>
+                  <a:solidFill/>
+                </a:uFill>
+                <a:latin typeface="Arial Unicode MS" panose="020B0604020202020204" pitchFamily="34" charset="-128"/>
+                <a:ea typeface="Arial Unicode MS" panose="020B0604020202020204" pitchFamily="34" charset="-128"/>
+                <a:cs typeface="Arial Unicode MS" panose="020B0604020202020204" pitchFamily="34" charset="-128"/>
+                <a:sym typeface="Iowan Old Style Roman"/>
+              </a:rPr>
+              <a:t>FROM Profiles </a:t>
+            </a:r>
+          </a:p>
+          <a:p>
+            <a:pPr lvl="1">
+              <a:spcBef>
+                <a:spcPts val="700"/>
+              </a:spcBef>
+              <a:buSzPct val="100000"/>
+              <a:defRPr sz="1800">
+                <a:solidFill>
+                  <a:srgbClr val="000000"/>
+                </a:solidFill>
+                <a:uFillTx/>
+              </a:defRPr>
+            </a:pPr>
+            <a:r>
+              <a:rPr lang="en-US" sz="2000" dirty="0">
+                <a:uFill>
+                  <a:solidFill/>
+                </a:uFill>
+                <a:latin typeface="Arial Unicode MS" panose="020B0604020202020204" pitchFamily="34" charset="-128"/>
+                <a:ea typeface="Arial Unicode MS" panose="020B0604020202020204" pitchFamily="34" charset="-128"/>
+                <a:cs typeface="Arial Unicode MS" panose="020B0604020202020204" pitchFamily="34" charset="-128"/>
+                <a:sym typeface="Iowan Old Style Roman"/>
+              </a:rPr>
+              <a:t>WHERE name REGEXP '[0-9]+'</a:t>
+            </a:r>
           </a:p>
         </p:txBody>
       </p:sp>
     </p:spTree>
     <p:extLst>
       <p:ext uri="{BB962C8B-B14F-4D97-AF65-F5344CB8AC3E}">
-        <p14:creationId xmlns:p14="http://schemas.microsoft.com/office/powerpoint/2010/main" val="2225769499"/>
+        <p14:creationId xmlns:p14="http://schemas.microsoft.com/office/powerpoint/2010/main" val="4128063083"/>
       </p:ext>
     </p:extLst>
   </p:cSld>
@@ -7339,534 +7303,68 @@
       </p:grpSpPr>
       <p:sp>
         <p:nvSpPr>
-          <p:cNvPr id="44" name="Shape 44"/>
+          <p:cNvPr id="2" name="Rectangle 1">
+            <a:extLst>
+              <a:ext uri="{FF2B5EF4-FFF2-40B4-BE49-F238E27FC236}">
+                <a16:creationId xmlns:a16="http://schemas.microsoft.com/office/drawing/2014/main" id="{7148B51A-A7D0-4EB3-97C5-23CDCE187BB7}"/>
+              </a:ext>
+            </a:extLst>
+          </p:cNvPr>
           <p:cNvSpPr/>
           <p:nvPr/>
         </p:nvSpPr>
         <p:spPr>
           <a:xfrm>
-            <a:off x="386308" y="147496"/>
-            <a:ext cx="7757379" cy="553998"/>
+            <a:off x="1025235" y="1277173"/>
+            <a:ext cx="7342909" cy="4031873"/>
           </a:xfrm>
           <a:prstGeom prst="rect">
             <a:avLst/>
           </a:prstGeom>
-          <a:ln w="12700">
-            <a:miter lim="400000"/>
-          </a:ln>
-          <a:extLst>
-            <a:ext uri="{C572A759-6A51-4108-AA02-DFA0A04FC94B}">
-              <ma14:wrappingTextBoxFlag xmlns="" xmlns:ma14="http://schemas.microsoft.com/office/mac/drawingml/2011/main" val="1"/>
-            </a:ext>
-          </a:extLst>
         </p:spPr>
         <p:txBody>
-          <a:bodyPr lIns="45719" rIns="45719">
-            <a:spAutoFit/>
-          </a:bodyPr>
-          <a:lstStyle>
-            <a:lvl1pPr>
-              <a:defRPr sz="3000" b="1">
-                <a:uFill>
-                  <a:solidFill>
-                    <a:srgbClr val="FFFFFF"/>
-                  </a:solidFill>
-                </a:uFill>
-              </a:defRPr>
-            </a:lvl1pPr>
-          </a:lstStyle>
-          <a:p>
-            <a:pPr lvl="0">
-              <a:defRPr sz="1800" b="0">
-                <a:solidFill>
-                  <a:srgbClr val="000000"/>
-                </a:solidFill>
-                <a:uFillTx/>
-              </a:defRPr>
-            </a:pPr>
-            <a:r>
-              <a:rPr sz="3000" b="1" dirty="0">
-                <a:uFill>
-                  <a:solidFill>
-                    <a:srgbClr val="FFFFFF"/>
-                  </a:solidFill>
-                </a:uFill>
-                <a:latin typeface="Arial Unicode MS" panose="020B0604020202020204" pitchFamily="34" charset="-128"/>
-              </a:rPr>
-              <a:t>Practice </a:t>
-            </a:r>
-            <a:r>
-              <a:rPr lang="en-US" sz="3000" b="1" dirty="0">
-                <a:uFill>
-                  <a:solidFill>
-                    <a:srgbClr val="FFFFFF"/>
-                  </a:solidFill>
-                </a:uFill>
-                <a:latin typeface="Arial Unicode MS" panose="020B0604020202020204" pitchFamily="34" charset="-128"/>
-              </a:rPr>
-              <a:t>q</a:t>
-            </a:r>
-            <a:r>
-              <a:rPr sz="3000" b="1" dirty="0">
-                <a:uFill>
-                  <a:solidFill>
-                    <a:srgbClr val="FFFFFF"/>
-                  </a:solidFill>
-                </a:uFill>
-                <a:latin typeface="Arial Unicode MS" panose="020B0604020202020204" pitchFamily="34" charset="-128"/>
-              </a:rPr>
-              <a:t>ueries</a:t>
-            </a:r>
-          </a:p>
-        </p:txBody>
-      </p:sp>
-      <p:sp>
-        <p:nvSpPr>
-          <p:cNvPr id="45" name="Shape 45"/>
-          <p:cNvSpPr/>
-          <p:nvPr/>
-        </p:nvSpPr>
-        <p:spPr>
-          <a:xfrm>
-            <a:off x="469899" y="1324179"/>
-            <a:ext cx="8432657" cy="2516073"/>
-          </a:xfrm>
-          <a:prstGeom prst="rect">
-            <a:avLst/>
-          </a:prstGeom>
-          <a:ln w="12700">
-            <a:miter lim="400000"/>
-          </a:ln>
-          <a:extLst>
-            <a:ext uri="{C572A759-6A51-4108-AA02-DFA0A04FC94B}">
-              <ma14:wrappingTextBoxFlag xmlns="" xmlns:ma14="http://schemas.microsoft.com/office/mac/drawingml/2011/main" val="1"/>
-            </a:ext>
-          </a:extLst>
-        </p:spPr>
-        <p:txBody>
-          <a:bodyPr wrap="square" lIns="45719" rIns="45719">
+          <a:bodyPr wrap="square">
             <a:spAutoFit/>
           </a:bodyPr>
           <a:lstStyle/>
           <a:p>
-            <a:pPr marL="267368" lvl="0" indent="-267368">
-              <a:spcBef>
-                <a:spcPts val="700"/>
-              </a:spcBef>
-              <a:buSzPct val="100000"/>
-              <a:buAutoNum type="arabicPeriod"/>
-              <a:defRPr sz="1800">
-                <a:solidFill>
-                  <a:srgbClr val="000000"/>
-                </a:solidFill>
-                <a:uFillTx/>
-              </a:defRPr>
-            </a:pPr>
-            <a:r>
-              <a:rPr lang="en-US" sz="2000" dirty="0">
-                <a:uFill>
-                  <a:solidFill/>
-                </a:uFill>
-                <a:latin typeface="Arial Unicode MS" panose="020B0604020202020204" pitchFamily="34" charset="-128"/>
-                <a:ea typeface="Arial Unicode MS" panose="020B0604020202020204" pitchFamily="34" charset="-128"/>
-                <a:cs typeface="Arial Unicode MS" panose="020B0604020202020204" pitchFamily="34" charset="-128"/>
-                <a:sym typeface="Iowan Old Style Roman"/>
-              </a:rPr>
-              <a:t>Get the names and sex of all liberal students</a:t>
-            </a:r>
-          </a:p>
-          <a:p>
-            <a:pPr marL="267368" lvl="0" indent="-267368">
-              <a:spcBef>
-                <a:spcPts val="700"/>
-              </a:spcBef>
-              <a:buSzPct val="100000"/>
-              <a:buAutoNum type="arabicPeriod"/>
-              <a:defRPr sz="1800">
-                <a:solidFill>
-                  <a:srgbClr val="000000"/>
-                </a:solidFill>
-                <a:uFillTx/>
-              </a:defRPr>
-            </a:pPr>
-            <a:r>
-              <a:rPr lang="en-US" sz="2000" dirty="0">
-                <a:uFill>
-                  <a:solidFill/>
-                </a:uFill>
-                <a:latin typeface="Arial Unicode MS" panose="020B0604020202020204" pitchFamily="34" charset="-128"/>
-                <a:ea typeface="Arial Unicode MS" panose="020B0604020202020204" pitchFamily="34" charset="-128"/>
-                <a:cs typeface="Arial Unicode MS" panose="020B0604020202020204" pitchFamily="34" charset="-128"/>
-                <a:sym typeface="Iowan Old Style Roman"/>
-              </a:rPr>
-              <a:t>Get the names, sex, and political views of liberal and very liberal students</a:t>
-            </a:r>
-          </a:p>
-          <a:p>
-            <a:pPr marL="267368" lvl="0" indent="-267368">
-              <a:spcBef>
-                <a:spcPts val="700"/>
-              </a:spcBef>
-              <a:buSzPct val="100000"/>
-              <a:buAutoNum type="arabicPeriod"/>
-              <a:defRPr sz="1800">
-                <a:solidFill>
-                  <a:srgbClr val="000000"/>
-                </a:solidFill>
-                <a:uFillTx/>
-              </a:defRPr>
-            </a:pPr>
-            <a:r>
-              <a:rPr lang="en-US" sz="2000" dirty="0">
-                <a:uFill>
-                  <a:solidFill/>
-                </a:uFill>
-                <a:latin typeface="Arial Unicode MS" panose="020B0604020202020204" pitchFamily="34" charset="-128"/>
-                <a:ea typeface="Arial Unicode MS" panose="020B0604020202020204" pitchFamily="34" charset="-128"/>
-                <a:cs typeface="Arial Unicode MS" panose="020B0604020202020204" pitchFamily="34" charset="-128"/>
-                <a:sym typeface="Iowan Old Style Roman"/>
-              </a:rPr>
-              <a:t>Find all possible values for the “Residence” attribute in Profiles, eliminating duplicates. Make the limit 10,000 so that you can see all entries</a:t>
-            </a:r>
-          </a:p>
-          <a:p>
-            <a:pPr lvl="0">
-              <a:spcBef>
-                <a:spcPts val="700"/>
-              </a:spcBef>
-              <a:buSzPct val="100000"/>
-              <a:defRPr sz="1800">
-                <a:solidFill>
-                  <a:srgbClr val="000000"/>
-                </a:solidFill>
-                <a:uFillTx/>
-              </a:defRPr>
-            </a:pPr>
-            <a:endParaRPr lang="en-US" sz="2000" dirty="0">
-              <a:uFill>
-                <a:solidFill/>
-              </a:uFill>
-              <a:latin typeface="Arial Unicode MS" panose="020B0604020202020204" pitchFamily="34" charset="-128"/>
-              <a:ea typeface="Arial Unicode MS" panose="020B0604020202020204" pitchFamily="34" charset="-128"/>
-              <a:cs typeface="Arial Unicode MS" panose="020B0604020202020204" pitchFamily="34" charset="-128"/>
-              <a:sym typeface="Iowan Old Style Roman"/>
-            </a:endParaRPr>
+            <a:r>
+              <a:rPr lang="en-US" sz="3200" dirty="0"/>
+              <a:t>Go to the Facebook database</a:t>
+            </a:r>
+          </a:p>
+          <a:p>
+            <a:endParaRPr lang="en-US" sz="3200" dirty="0"/>
+          </a:p>
+          <a:p>
+            <a:r>
+              <a:rPr lang="en-US" sz="3200" dirty="0"/>
+              <a:t>Find all the students that have New York as the home state. </a:t>
+            </a:r>
+          </a:p>
+          <a:p>
+            <a:endParaRPr lang="en-US" sz="3200" dirty="0"/>
+          </a:p>
+          <a:p>
+            <a:r>
+              <a:rPr lang="en-US" sz="3200" dirty="0"/>
+              <a:t>Deal with all the different ways that students have written New York in the “</a:t>
+            </a:r>
+            <a:r>
+              <a:rPr lang="en-US" sz="3200" dirty="0" err="1"/>
+              <a:t>HomeState</a:t>
+            </a:r>
+            <a:r>
+              <a:rPr lang="en-US" sz="3200" dirty="0"/>
+              <a:t>” attribute</a:t>
+            </a:r>
           </a:p>
         </p:txBody>
       </p:sp>
     </p:spTree>
     <p:extLst>
       <p:ext uri="{BB962C8B-B14F-4D97-AF65-F5344CB8AC3E}">
-        <p14:creationId xmlns:p14="http://schemas.microsoft.com/office/powerpoint/2010/main" val="1707215419"/>
-      </p:ext>
-    </p:extLst>
-  </p:cSld>
-  <p:clrMapOvr>
-    <a:masterClrMapping/>
-  </p:clrMapOvr>
-  <p:transition spd="med"/>
-</p:sld>
-</file>
-
-<file path=ppt/slides/slide19.xml><?xml version="1.0" encoding="utf-8"?>
-<p:sld xmlns:a="http://schemas.openxmlformats.org/drawingml/2006/main" xmlns:r="http://schemas.openxmlformats.org/officeDocument/2006/relationships" xmlns:p="http://schemas.openxmlformats.org/presentationml/2006/main">
-  <p:cSld>
-    <p:spTree>
-      <p:nvGrpSpPr>
-        <p:cNvPr id="1" name=""/>
-        <p:cNvGrpSpPr/>
-        <p:nvPr/>
-      </p:nvGrpSpPr>
-      <p:grpSpPr>
-        <a:xfrm>
-          <a:off x="0" y="0"/>
-          <a:ext cx="0" cy="0"/>
-          <a:chOff x="0" y="0"/>
-          <a:chExt cx="0" cy="0"/>
-        </a:xfrm>
-      </p:grpSpPr>
-      <p:sp>
-        <p:nvSpPr>
-          <p:cNvPr id="44" name="Shape 44"/>
-          <p:cNvSpPr/>
-          <p:nvPr/>
-        </p:nvSpPr>
-        <p:spPr>
-          <a:xfrm>
-            <a:off x="386308" y="147496"/>
-            <a:ext cx="7757379" cy="553998"/>
-          </a:xfrm>
-          <a:prstGeom prst="rect">
-            <a:avLst/>
-          </a:prstGeom>
-          <a:ln w="12700">
-            <a:miter lim="400000"/>
-          </a:ln>
-          <a:extLst>
-            <a:ext uri="{C572A759-6A51-4108-AA02-DFA0A04FC94B}">
-              <ma14:wrappingTextBoxFlag xmlns="" xmlns:ma14="http://schemas.microsoft.com/office/mac/drawingml/2011/main" val="1"/>
-            </a:ext>
-          </a:extLst>
-        </p:spPr>
-        <p:txBody>
-          <a:bodyPr lIns="45719" rIns="45719">
-            <a:spAutoFit/>
-          </a:bodyPr>
-          <a:lstStyle>
-            <a:lvl1pPr>
-              <a:defRPr sz="3000" b="1">
-                <a:uFill>
-                  <a:solidFill>
-                    <a:srgbClr val="FFFFFF"/>
-                  </a:solidFill>
-                </a:uFill>
-              </a:defRPr>
-            </a:lvl1pPr>
-          </a:lstStyle>
-          <a:p>
-            <a:pPr lvl="0">
-              <a:defRPr sz="1800" b="0">
-                <a:solidFill>
-                  <a:srgbClr val="000000"/>
-                </a:solidFill>
-                <a:uFillTx/>
-              </a:defRPr>
-            </a:pPr>
-            <a:r>
-              <a:rPr lang="en-US" sz="3000" b="1" dirty="0">
-                <a:uFill>
-                  <a:solidFill>
-                    <a:srgbClr val="FFFFFF"/>
-                  </a:solidFill>
-                </a:uFill>
-                <a:latin typeface="Arial Unicode MS" panose="020B0604020202020204" pitchFamily="34" charset="-128"/>
-              </a:rPr>
-              <a:t>REGEXP</a:t>
-            </a:r>
-            <a:endParaRPr sz="3000" b="1" dirty="0">
-              <a:uFill>
-                <a:solidFill>
-                  <a:srgbClr val="FFFFFF"/>
-                </a:solidFill>
-              </a:uFill>
-              <a:latin typeface="Arial Unicode MS" panose="020B0604020202020204" pitchFamily="34" charset="-128"/>
-            </a:endParaRPr>
-          </a:p>
-        </p:txBody>
-      </p:sp>
-      <p:sp>
-        <p:nvSpPr>
-          <p:cNvPr id="45" name="Shape 45"/>
-          <p:cNvSpPr/>
-          <p:nvPr/>
-        </p:nvSpPr>
-        <p:spPr>
-          <a:xfrm>
-            <a:off x="469900" y="1324179"/>
-            <a:ext cx="8204200" cy="2387833"/>
-          </a:xfrm>
-          <a:prstGeom prst="rect">
-            <a:avLst/>
-          </a:prstGeom>
-          <a:ln w="12700">
-            <a:miter lim="400000"/>
-          </a:ln>
-          <a:extLst>
-            <a:ext uri="{C572A759-6A51-4108-AA02-DFA0A04FC94B}">
-              <ma14:wrappingTextBoxFlag xmlns="" xmlns:ma14="http://schemas.microsoft.com/office/mac/drawingml/2011/main" val="1"/>
-            </a:ext>
-          </a:extLst>
-        </p:spPr>
-        <p:txBody>
-          <a:bodyPr lIns="45719" rIns="45719">
-            <a:spAutoFit/>
-          </a:bodyPr>
-          <a:lstStyle/>
-          <a:p>
-            <a:pPr marL="342900" lvl="0" indent="-342900">
-              <a:spcBef>
-                <a:spcPts val="700"/>
-              </a:spcBef>
-              <a:buSzPct val="100000"/>
-              <a:buFont typeface="Arial" panose="020B0604020202020204" pitchFamily="34" charset="0"/>
-              <a:buChar char="•"/>
-              <a:defRPr sz="1800">
-                <a:solidFill>
-                  <a:srgbClr val="000000"/>
-                </a:solidFill>
-                <a:uFillTx/>
-              </a:defRPr>
-            </a:pPr>
-            <a:r>
-              <a:rPr lang="en-US" sz="2000" dirty="0">
-                <a:uFill>
-                  <a:solidFill/>
-                </a:uFill>
-                <a:latin typeface="Arial Unicode MS" panose="020B0604020202020204" pitchFamily="34" charset="-128"/>
-                <a:ea typeface="Arial Unicode MS" panose="020B0604020202020204" pitchFamily="34" charset="-128"/>
-                <a:cs typeface="Arial Unicode MS" panose="020B0604020202020204" pitchFamily="34" charset="-128"/>
-                <a:sym typeface="Iowan Old Style Roman"/>
-              </a:rPr>
-              <a:t>REGEXP allows a standard </a:t>
-            </a:r>
-            <a:r>
-              <a:rPr lang="en-US" sz="2000" b="1" dirty="0">
-                <a:uFill>
-                  <a:solidFill/>
-                </a:uFill>
-                <a:latin typeface="Arial Unicode MS" panose="020B0604020202020204" pitchFamily="34" charset="-128"/>
-                <a:ea typeface="Arial Unicode MS" panose="020B0604020202020204" pitchFamily="34" charset="-128"/>
-                <a:cs typeface="Arial Unicode MS" panose="020B0604020202020204" pitchFamily="34" charset="-128"/>
-                <a:sym typeface="Iowan Old Style Roman"/>
-              </a:rPr>
-              <a:t>regular expression </a:t>
-            </a:r>
-            <a:r>
-              <a:rPr lang="en-US" sz="2000" dirty="0">
-                <a:uFill>
-                  <a:solidFill/>
-                </a:uFill>
-                <a:latin typeface="Arial Unicode MS" panose="020B0604020202020204" pitchFamily="34" charset="-128"/>
-                <a:ea typeface="Arial Unicode MS" panose="020B0604020202020204" pitchFamily="34" charset="-128"/>
-                <a:cs typeface="Arial Unicode MS" panose="020B0604020202020204" pitchFamily="34" charset="-128"/>
-                <a:sym typeface="Iowan Old Style Roman"/>
-              </a:rPr>
-              <a:t>query</a:t>
-            </a:r>
-          </a:p>
-          <a:p>
-            <a:pPr lvl="1">
-              <a:spcBef>
-                <a:spcPts val="700"/>
-              </a:spcBef>
-              <a:buSzPct val="100000"/>
-              <a:defRPr sz="1800">
-                <a:solidFill>
-                  <a:srgbClr val="000000"/>
-                </a:solidFill>
-                <a:uFillTx/>
-              </a:defRPr>
-            </a:pPr>
-            <a:endParaRPr lang="en-US" sz="2000" dirty="0">
-              <a:uFill>
-                <a:solidFill/>
-              </a:uFill>
-              <a:latin typeface="Arial Unicode MS" panose="020B0604020202020204" pitchFamily="34" charset="-128"/>
-              <a:ea typeface="Arial Unicode MS" panose="020B0604020202020204" pitchFamily="34" charset="-128"/>
-              <a:cs typeface="Arial Unicode MS" panose="020B0604020202020204" pitchFamily="34" charset="-128"/>
-              <a:sym typeface="Iowan Old Style Roman"/>
-            </a:endParaRPr>
-          </a:p>
-          <a:p>
-            <a:pPr lvl="1">
-              <a:spcBef>
-                <a:spcPts val="700"/>
-              </a:spcBef>
-              <a:buSzPct val="100000"/>
-              <a:defRPr sz="1800">
-                <a:solidFill>
-                  <a:srgbClr val="000000"/>
-                </a:solidFill>
-                <a:uFillTx/>
-              </a:defRPr>
-            </a:pPr>
-            <a:r>
-              <a:rPr lang="en-US" sz="2000" b="1" dirty="0">
-                <a:uFill>
-                  <a:solidFill/>
-                </a:uFill>
-                <a:latin typeface="Arial Unicode MS" panose="020B0604020202020204" pitchFamily="34" charset="-128"/>
-                <a:ea typeface="Arial Unicode MS" panose="020B0604020202020204" pitchFamily="34" charset="-128"/>
-                <a:cs typeface="Arial Unicode MS" panose="020B0604020202020204" pitchFamily="34" charset="-128"/>
-                <a:sym typeface="Iowan Old Style Roman"/>
-              </a:rPr>
-              <a:t>Example: Find all names that contain a digit</a:t>
-            </a:r>
-          </a:p>
-          <a:p>
-            <a:pPr lvl="1">
-              <a:spcBef>
-                <a:spcPts val="700"/>
-              </a:spcBef>
-              <a:buSzPct val="100000"/>
-              <a:defRPr sz="1800">
-                <a:solidFill>
-                  <a:srgbClr val="000000"/>
-                </a:solidFill>
-                <a:uFillTx/>
-              </a:defRPr>
-            </a:pPr>
-            <a:r>
-              <a:rPr lang="en-US" sz="2000" dirty="0">
-                <a:uFill>
-                  <a:solidFill/>
-                </a:uFill>
-                <a:latin typeface="Arial Unicode MS" panose="020B0604020202020204" pitchFamily="34" charset="-128"/>
-                <a:ea typeface="Arial Unicode MS" panose="020B0604020202020204" pitchFamily="34" charset="-128"/>
-                <a:cs typeface="Arial Unicode MS" panose="020B0604020202020204" pitchFamily="34" charset="-128"/>
-                <a:sym typeface="Iowan Old Style Roman"/>
-              </a:rPr>
-              <a:t>SELECT * </a:t>
-            </a:r>
-          </a:p>
-          <a:p>
-            <a:pPr lvl="1">
-              <a:spcBef>
-                <a:spcPts val="700"/>
-              </a:spcBef>
-              <a:buSzPct val="100000"/>
-              <a:defRPr sz="1800">
-                <a:solidFill>
-                  <a:srgbClr val="000000"/>
-                </a:solidFill>
-                <a:uFillTx/>
-              </a:defRPr>
-            </a:pPr>
-            <a:r>
-              <a:rPr lang="en-US" sz="2000" dirty="0">
-                <a:uFill>
-                  <a:solidFill/>
-                </a:uFill>
-                <a:latin typeface="Arial Unicode MS" panose="020B0604020202020204" pitchFamily="34" charset="-128"/>
-                <a:ea typeface="Arial Unicode MS" panose="020B0604020202020204" pitchFamily="34" charset="-128"/>
-                <a:cs typeface="Arial Unicode MS" panose="020B0604020202020204" pitchFamily="34" charset="-128"/>
-                <a:sym typeface="Iowan Old Style Roman"/>
-              </a:rPr>
-              <a:t>FROM Profiles </a:t>
-            </a:r>
-          </a:p>
-          <a:p>
-            <a:pPr lvl="1">
-              <a:spcBef>
-                <a:spcPts val="700"/>
-              </a:spcBef>
-              <a:buSzPct val="100000"/>
-              <a:defRPr sz="1800">
-                <a:solidFill>
-                  <a:srgbClr val="000000"/>
-                </a:solidFill>
-                <a:uFillTx/>
-              </a:defRPr>
-            </a:pPr>
-            <a:r>
-              <a:rPr lang="en-US" sz="2000" dirty="0">
-                <a:uFill>
-                  <a:solidFill/>
-                </a:uFill>
-                <a:latin typeface="Arial Unicode MS" panose="020B0604020202020204" pitchFamily="34" charset="-128"/>
-                <a:ea typeface="Arial Unicode MS" panose="020B0604020202020204" pitchFamily="34" charset="-128"/>
-                <a:cs typeface="Arial Unicode MS" panose="020B0604020202020204" pitchFamily="34" charset="-128"/>
-                <a:sym typeface="Iowan Old Style Roman"/>
-              </a:rPr>
-              <a:t>WHERE name REGEXP '[0-9]+'</a:t>
-            </a:r>
-          </a:p>
-        </p:txBody>
-      </p:sp>
-    </p:spTree>
-    <p:extLst>
-      <p:ext uri="{BB962C8B-B14F-4D97-AF65-F5344CB8AC3E}">
-        <p14:creationId xmlns:p14="http://schemas.microsoft.com/office/powerpoint/2010/main" val="4128063083"/>
+        <p14:creationId xmlns:p14="http://schemas.microsoft.com/office/powerpoint/2010/main" val="1059645985"/>
       </p:ext>
     </p:extLst>
   </p:cSld>
@@ -7913,7 +7411,7 @@
           </a:ln>
           <a:extLst>
             <a:ext uri="{C572A759-6A51-4108-AA02-DFA0A04FC94B}">
-              <ma14:wrappingTextBoxFlag xmlns="" xmlns:ma14="http://schemas.microsoft.com/office/mac/drawingml/2011/main" val="1"/>
+              <ma14:wrappingTextBoxFlag xmlns:ma14="http://schemas.microsoft.com/office/mac/drawingml/2011/main" xmlns="" val="1"/>
             </a:ext>
           </a:extLst>
         </p:spPr>
@@ -7993,7 +7491,7 @@
           </a:ln>
           <a:extLst>
             <a:ext uri="{C572A759-6A51-4108-AA02-DFA0A04FC94B}">
-              <ma14:wrappingTextBoxFlag xmlns="" xmlns:ma14="http://schemas.microsoft.com/office/mac/drawingml/2011/main" val="1"/>
+              <ma14:wrappingTextBoxFlag xmlns:ma14="http://schemas.microsoft.com/office/mac/drawingml/2011/main" xmlns="" val="1"/>
             </a:ext>
           </a:extLst>
         </p:spPr>
@@ -8401,7 +7899,7 @@
           </a:ln>
           <a:extLst>
             <a:ext uri="{C572A759-6A51-4108-AA02-DFA0A04FC94B}">
-              <ma14:wrappingTextBoxFlag xmlns="" xmlns:ma14="http://schemas.microsoft.com/office/mac/drawingml/2011/main" val="1"/>
+              <ma14:wrappingTextBoxFlag xmlns:ma14="http://schemas.microsoft.com/office/mac/drawingml/2011/main" xmlns="" val="1"/>
             </a:ext>
           </a:extLst>
         </p:spPr>
@@ -8589,428 +8087,6 @@
 </p:sld>
 </file>
 
-<file path=ppt/slides/slide20.xml><?xml version="1.0" encoding="utf-8"?>
-<p:sld xmlns:a="http://schemas.openxmlformats.org/drawingml/2006/main" xmlns:r="http://schemas.openxmlformats.org/officeDocument/2006/relationships" xmlns:p="http://schemas.openxmlformats.org/presentationml/2006/main">
-  <p:cSld>
-    <p:spTree>
-      <p:nvGrpSpPr>
-        <p:cNvPr id="1" name=""/>
-        <p:cNvGrpSpPr/>
-        <p:nvPr/>
-      </p:nvGrpSpPr>
-      <p:grpSpPr>
-        <a:xfrm>
-          <a:off x="0" y="0"/>
-          <a:ext cx="0" cy="0"/>
-          <a:chOff x="0" y="0"/>
-          <a:chExt cx="0" cy="0"/>
-        </a:xfrm>
-      </p:grpSpPr>
-      <p:sp>
-        <p:nvSpPr>
-          <p:cNvPr id="44" name="Shape 44"/>
-          <p:cNvSpPr/>
-          <p:nvPr/>
-        </p:nvSpPr>
-        <p:spPr>
-          <a:xfrm>
-            <a:off x="386308" y="147496"/>
-            <a:ext cx="7757379" cy="553998"/>
-          </a:xfrm>
-          <a:prstGeom prst="rect">
-            <a:avLst/>
-          </a:prstGeom>
-          <a:ln w="12700">
-            <a:miter lim="400000"/>
-          </a:ln>
-          <a:extLst>
-            <a:ext uri="{C572A759-6A51-4108-AA02-DFA0A04FC94B}">
-              <ma14:wrappingTextBoxFlag xmlns="" xmlns:ma14="http://schemas.microsoft.com/office/mac/drawingml/2011/main" val="1"/>
-            </a:ext>
-          </a:extLst>
-        </p:spPr>
-        <p:txBody>
-          <a:bodyPr lIns="45719" rIns="45719">
-            <a:spAutoFit/>
-          </a:bodyPr>
-          <a:lstStyle>
-            <a:lvl1pPr>
-              <a:defRPr sz="3000" b="1">
-                <a:uFill>
-                  <a:solidFill>
-                    <a:srgbClr val="FFFFFF"/>
-                  </a:solidFill>
-                </a:uFill>
-              </a:defRPr>
-            </a:lvl1pPr>
-          </a:lstStyle>
-          <a:p>
-            <a:pPr lvl="0">
-              <a:defRPr sz="1800" b="0">
-                <a:solidFill>
-                  <a:srgbClr val="000000"/>
-                </a:solidFill>
-                <a:uFillTx/>
-              </a:defRPr>
-            </a:pPr>
-            <a:r>
-              <a:rPr sz="3000" b="1" dirty="0">
-                <a:uFill>
-                  <a:solidFill>
-                    <a:srgbClr val="FFFFFF"/>
-                  </a:solidFill>
-                </a:uFill>
-                <a:latin typeface="Arial Unicode MS" panose="020B0604020202020204" pitchFamily="34" charset="-128"/>
-              </a:rPr>
-              <a:t>Practice queries</a:t>
-            </a:r>
-          </a:p>
-        </p:txBody>
-      </p:sp>
-      <p:sp>
-        <p:nvSpPr>
-          <p:cNvPr id="45" name="Shape 45"/>
-          <p:cNvSpPr/>
-          <p:nvPr/>
-        </p:nvSpPr>
-        <p:spPr>
-          <a:xfrm>
-            <a:off x="469899" y="1324179"/>
-            <a:ext cx="8432657" cy="400110"/>
-          </a:xfrm>
-          <a:prstGeom prst="rect">
-            <a:avLst/>
-          </a:prstGeom>
-          <a:ln w="12700">
-            <a:miter lim="400000"/>
-          </a:ln>
-          <a:extLst>
-            <a:ext uri="{C572A759-6A51-4108-AA02-DFA0A04FC94B}">
-              <ma14:wrappingTextBoxFlag xmlns="" xmlns:ma14="http://schemas.microsoft.com/office/mac/drawingml/2011/main" val="1"/>
-            </a:ext>
-          </a:extLst>
-        </p:spPr>
-        <p:txBody>
-          <a:bodyPr wrap="square" lIns="45719" rIns="45719">
-            <a:spAutoFit/>
-          </a:bodyPr>
-          <a:lstStyle/>
-          <a:p>
-            <a:pPr marL="267368" lvl="0" indent="-267368">
-              <a:spcBef>
-                <a:spcPts val="700"/>
-              </a:spcBef>
-              <a:buSzPct val="100000"/>
-              <a:buAutoNum type="arabicPeriod"/>
-              <a:defRPr sz="1800">
-                <a:solidFill>
-                  <a:srgbClr val="000000"/>
-                </a:solidFill>
-                <a:uFillTx/>
-              </a:defRPr>
-            </a:pPr>
-            <a:endParaRPr lang="en-US" sz="2000" b="1" i="1" dirty="0">
-              <a:uFill>
-                <a:solidFill/>
-              </a:uFill>
-              <a:latin typeface="Arial Unicode MS" panose="020B0604020202020204" pitchFamily="34" charset="-128"/>
-              <a:ea typeface="Arial Unicode MS" panose="020B0604020202020204" pitchFamily="34" charset="-128"/>
-              <a:cs typeface="Arial Unicode MS" panose="020B0604020202020204" pitchFamily="34" charset="-128"/>
-              <a:sym typeface="Iowan Old Style Roman"/>
-            </a:endParaRPr>
-          </a:p>
-        </p:txBody>
-      </p:sp>
-      <p:sp>
-        <p:nvSpPr>
-          <p:cNvPr id="4" name="Shape 27"/>
-          <p:cNvSpPr/>
-          <p:nvPr/>
-        </p:nvSpPr>
-        <p:spPr>
-          <a:xfrm>
-            <a:off x="31850" y="1524234"/>
-            <a:ext cx="9041258" cy="1992853"/>
-          </a:xfrm>
-          <a:prstGeom prst="rect">
-            <a:avLst/>
-          </a:prstGeom>
-          <a:ln w="12700">
-            <a:miter lim="400000"/>
-          </a:ln>
-          <a:extLst>
-            <a:ext uri="{C572A759-6A51-4108-AA02-DFA0A04FC94B}">
-              <ma14:wrappingTextBoxFlag xmlns="" xmlns:ma14="http://schemas.microsoft.com/office/mac/drawingml/2011/main" val="1"/>
-            </a:ext>
-          </a:extLst>
-        </p:spPr>
-        <p:txBody>
-          <a:bodyPr wrap="square" lIns="45719" rIns="45719">
-            <a:spAutoFit/>
-          </a:bodyPr>
-          <a:lstStyle/>
-          <a:p>
-            <a:pPr marL="457200" lvl="0" indent="-457200">
-              <a:spcBef>
-                <a:spcPts val="700"/>
-              </a:spcBef>
-              <a:buFont typeface="Arial" panose="020B0604020202020204" pitchFamily="34" charset="0"/>
-              <a:buChar char="•"/>
-              <a:defRPr sz="1800">
-                <a:solidFill>
-                  <a:srgbClr val="000000"/>
-                </a:solidFill>
-                <a:uFillTx/>
-              </a:defRPr>
-            </a:pPr>
-            <a:r>
-              <a:rPr lang="en-US" sz="2600" dirty="0">
-                <a:uFill>
-                  <a:solidFill/>
-                </a:uFill>
-                <a:latin typeface="Arial Unicode MS" panose="020B0604020202020204" pitchFamily="34" charset="-128"/>
-                <a:ea typeface="Arial Unicode MS" panose="020B0604020202020204" pitchFamily="34" charset="-128"/>
-                <a:cs typeface="Arial Unicode MS" panose="020B0604020202020204" pitchFamily="34" charset="-128"/>
-                <a:sym typeface="Iowan Old Style Roman"/>
-              </a:rPr>
-              <a:t>Write down three queries that you would like to answer</a:t>
-            </a:r>
-          </a:p>
-          <a:p>
-            <a:pPr lvl="0">
-              <a:spcBef>
-                <a:spcPts val="700"/>
-              </a:spcBef>
-              <a:defRPr sz="1800">
-                <a:solidFill>
-                  <a:srgbClr val="000000"/>
-                </a:solidFill>
-                <a:uFillTx/>
-              </a:defRPr>
-            </a:pPr>
-            <a:r>
-              <a:rPr lang="en-US" sz="2600" dirty="0">
-                <a:uFill>
-                  <a:solidFill/>
-                </a:uFill>
-                <a:latin typeface="Arial Unicode MS" panose="020B0604020202020204" pitchFamily="34" charset="-128"/>
-                <a:ea typeface="Arial Unicode MS" panose="020B0604020202020204" pitchFamily="34" charset="-128"/>
-                <a:cs typeface="Arial Unicode MS" panose="020B0604020202020204" pitchFamily="34" charset="-128"/>
-                <a:sym typeface="Iowan Old Style Roman"/>
-              </a:rPr>
-              <a:t>	</a:t>
-            </a:r>
-            <a:r>
-              <a:rPr lang="en-US" sz="2000" dirty="0">
-                <a:uFill>
-                  <a:solidFill/>
-                </a:uFill>
-                <a:latin typeface="Arial Unicode MS" panose="020B0604020202020204" pitchFamily="34" charset="-128"/>
-                <a:ea typeface="Arial Unicode MS" panose="020B0604020202020204" pitchFamily="34" charset="-128"/>
-                <a:cs typeface="Arial Unicode MS" panose="020B0604020202020204" pitchFamily="34" charset="-128"/>
-                <a:sym typeface="Iowan Old Style Roman"/>
-              </a:rPr>
-              <a:t>(Ensure that the information exists in a </a:t>
-            </a:r>
-            <a:r>
-              <a:rPr lang="en-US" sz="2000" b="1" i="1" dirty="0">
-                <a:uFill>
-                  <a:solidFill/>
-                </a:uFill>
-                <a:latin typeface="Arial Unicode MS" panose="020B0604020202020204" pitchFamily="34" charset="-128"/>
-                <a:ea typeface="Arial Unicode MS" panose="020B0604020202020204" pitchFamily="34" charset="-128"/>
-                <a:cs typeface="Arial Unicode MS" panose="020B0604020202020204" pitchFamily="34" charset="-128"/>
-                <a:sym typeface="Iowan Old Style Roman"/>
-              </a:rPr>
-              <a:t>single</a:t>
-            </a:r>
-            <a:r>
-              <a:rPr lang="en-US" sz="2000" dirty="0">
-                <a:uFill>
-                  <a:solidFill/>
-                </a:uFill>
-                <a:latin typeface="Arial Unicode MS" panose="020B0604020202020204" pitchFamily="34" charset="-128"/>
-                <a:ea typeface="Arial Unicode MS" panose="020B0604020202020204" pitchFamily="34" charset="-128"/>
-                <a:cs typeface="Arial Unicode MS" panose="020B0604020202020204" pitchFamily="34" charset="-128"/>
-                <a:sym typeface="Iowan Old Style Roman"/>
-              </a:rPr>
-              <a:t> table, for now)</a:t>
-            </a:r>
-            <a:endParaRPr lang="en-US" dirty="0">
-              <a:uFill>
-                <a:solidFill/>
-              </a:uFill>
-              <a:latin typeface="Arial Unicode MS" panose="020B0604020202020204" pitchFamily="34" charset="-128"/>
-              <a:ea typeface="Arial Unicode MS" panose="020B0604020202020204" pitchFamily="34" charset="-128"/>
-              <a:cs typeface="Arial Unicode MS" panose="020B0604020202020204" pitchFamily="34" charset="-128"/>
-              <a:sym typeface="Iowan Old Style Roman"/>
-            </a:endParaRPr>
-          </a:p>
-          <a:p>
-            <a:pPr lvl="0">
-              <a:spcBef>
-                <a:spcPts val="700"/>
-              </a:spcBef>
-              <a:defRPr sz="1800">
-                <a:solidFill>
-                  <a:srgbClr val="000000"/>
-                </a:solidFill>
-                <a:uFillTx/>
-              </a:defRPr>
-            </a:pPr>
-            <a:endParaRPr lang="en-US" sz="2700" dirty="0">
-              <a:uFill>
-                <a:solidFill/>
-              </a:uFill>
-              <a:latin typeface="Arial Unicode MS" panose="020B0604020202020204" pitchFamily="34" charset="-128"/>
-              <a:ea typeface="Arial Unicode MS" panose="020B0604020202020204" pitchFamily="34" charset="-128"/>
-              <a:cs typeface="Arial Unicode MS" panose="020B0604020202020204" pitchFamily="34" charset="-128"/>
-              <a:sym typeface="Iowan Old Style Roman"/>
-            </a:endParaRPr>
-          </a:p>
-          <a:p>
-            <a:pPr marL="457200" lvl="0" indent="-457200">
-              <a:spcBef>
-                <a:spcPts val="700"/>
-              </a:spcBef>
-              <a:buFont typeface="Arial" panose="020B0604020202020204" pitchFamily="34" charset="0"/>
-              <a:buChar char="•"/>
-              <a:defRPr sz="1800">
-                <a:solidFill>
-                  <a:srgbClr val="000000"/>
-                </a:solidFill>
-                <a:uFillTx/>
-              </a:defRPr>
-            </a:pPr>
-            <a:r>
-              <a:rPr lang="en-US" sz="2700" dirty="0">
-                <a:uFill>
-                  <a:solidFill/>
-                </a:uFill>
-                <a:latin typeface="Arial Unicode MS" panose="020B0604020202020204" pitchFamily="34" charset="-128"/>
-                <a:ea typeface="Arial Unicode MS" panose="020B0604020202020204" pitchFamily="34" charset="-128"/>
-                <a:cs typeface="Arial Unicode MS" panose="020B0604020202020204" pitchFamily="34" charset="-128"/>
-                <a:sym typeface="Iowan Old Style Roman"/>
-              </a:rPr>
-              <a:t>Let’s answer them in class…</a:t>
-            </a:r>
-            <a:endParaRPr sz="2700" dirty="0">
-              <a:uFill>
-                <a:solidFill/>
-              </a:uFill>
-              <a:latin typeface="Arial Unicode MS" panose="020B0604020202020204" pitchFamily="34" charset="-128"/>
-              <a:ea typeface="Arial Unicode MS" panose="020B0604020202020204" pitchFamily="34" charset="-128"/>
-              <a:cs typeface="Arial Unicode MS" panose="020B0604020202020204" pitchFamily="34" charset="-128"/>
-              <a:sym typeface="Iowan Old Style Roman"/>
-            </a:endParaRPr>
-          </a:p>
-        </p:txBody>
-      </p:sp>
-    </p:spTree>
-    <p:extLst>
-      <p:ext uri="{BB962C8B-B14F-4D97-AF65-F5344CB8AC3E}">
-        <p14:creationId xmlns:p14="http://schemas.microsoft.com/office/powerpoint/2010/main" val="969940611"/>
-      </p:ext>
-    </p:extLst>
-  </p:cSld>
-  <p:clrMapOvr>
-    <a:masterClrMapping/>
-  </p:clrMapOvr>
-  <p:transition spd="med"/>
-</p:sld>
-</file>
-
-<file path=ppt/slides/slide21.xml><?xml version="1.0" encoding="utf-8"?>
-<p:sld xmlns:a="http://schemas.openxmlformats.org/drawingml/2006/main" xmlns:r="http://schemas.openxmlformats.org/officeDocument/2006/relationships" xmlns:p="http://schemas.openxmlformats.org/presentationml/2006/main">
-  <p:cSld>
-    <p:spTree>
-      <p:nvGrpSpPr>
-        <p:cNvPr id="1" name=""/>
-        <p:cNvGrpSpPr/>
-        <p:nvPr/>
-      </p:nvGrpSpPr>
-      <p:grpSpPr>
-        <a:xfrm>
-          <a:off x="0" y="0"/>
-          <a:ext cx="0" cy="0"/>
-          <a:chOff x="0" y="0"/>
-          <a:chExt cx="0" cy="0"/>
-        </a:xfrm>
-      </p:grpSpPr>
-      <p:sp>
-        <p:nvSpPr>
-          <p:cNvPr id="2" name="Rectangle 1">
-            <a:extLst>
-              <a:ext uri="{FF2B5EF4-FFF2-40B4-BE49-F238E27FC236}">
-                <a16:creationId xmlns:a16="http://schemas.microsoft.com/office/drawing/2014/main" id="{7148B51A-A7D0-4EB3-97C5-23CDCE187BB7}"/>
-              </a:ext>
-            </a:extLst>
-          </p:cNvPr>
-          <p:cNvSpPr/>
-          <p:nvPr/>
-        </p:nvSpPr>
-        <p:spPr>
-          <a:xfrm>
-            <a:off x="1025235" y="1277173"/>
-            <a:ext cx="7342909" cy="4031873"/>
-          </a:xfrm>
-          <a:prstGeom prst="rect">
-            <a:avLst/>
-          </a:prstGeom>
-        </p:spPr>
-        <p:txBody>
-          <a:bodyPr wrap="square">
-            <a:spAutoFit/>
-          </a:bodyPr>
-          <a:lstStyle/>
-          <a:p>
-            <a:r>
-              <a:rPr lang="en-US" sz="3200" dirty="0"/>
-              <a:t>Go to the Facebook database</a:t>
-            </a:r>
-          </a:p>
-          <a:p>
-            <a:endParaRPr lang="en-US" sz="3200" dirty="0"/>
-          </a:p>
-          <a:p>
-            <a:r>
-              <a:rPr lang="en-US" sz="3200" dirty="0"/>
-              <a:t>Find all the students that have New York as the home state. </a:t>
-            </a:r>
-          </a:p>
-          <a:p>
-            <a:endParaRPr lang="en-US" sz="3200" dirty="0"/>
-          </a:p>
-          <a:p>
-            <a:r>
-              <a:rPr lang="en-US" sz="3200" dirty="0"/>
-              <a:t>Deal with all the different ways that students have written New York in the “</a:t>
-            </a:r>
-            <a:r>
-              <a:rPr lang="en-US" sz="3200" dirty="0" err="1"/>
-              <a:t>HomeState</a:t>
-            </a:r>
-            <a:r>
-              <a:rPr lang="en-US" sz="3200" dirty="0"/>
-              <a:t>” attribute</a:t>
-            </a:r>
-          </a:p>
-        </p:txBody>
-      </p:sp>
-    </p:spTree>
-    <p:extLst>
-      <p:ext uri="{BB962C8B-B14F-4D97-AF65-F5344CB8AC3E}">
-        <p14:creationId xmlns:p14="http://schemas.microsoft.com/office/powerpoint/2010/main" val="1059645985"/>
-      </p:ext>
-    </p:extLst>
-  </p:cSld>
-  <p:clrMapOvr>
-    <a:masterClrMapping/>
-  </p:clrMapOvr>
-  <p:transition spd="med"/>
-</p:sld>
-</file>
-
 <file path=ppt/slides/slide3.xml><?xml version="1.0" encoding="utf-8"?>
 <p:sld xmlns:a="http://schemas.openxmlformats.org/drawingml/2006/main" xmlns:r="http://schemas.openxmlformats.org/officeDocument/2006/relationships" xmlns:p="http://schemas.openxmlformats.org/presentationml/2006/main">
   <p:cSld>
@@ -9047,7 +8123,7 @@
           </a:ln>
           <a:extLst>
             <a:ext uri="{C572A759-6A51-4108-AA02-DFA0A04FC94B}">
-              <ma14:wrappingTextBoxFlag xmlns="" xmlns:ma14="http://schemas.microsoft.com/office/mac/drawingml/2011/main" val="1"/>
+              <ma14:wrappingTextBoxFlag xmlns:ma14="http://schemas.microsoft.com/office/mac/drawingml/2011/main" xmlns="" val="1"/>
             </a:ext>
           </a:extLst>
         </p:spPr>
@@ -9358,7 +8434,7 @@
           </a:ln>
           <a:extLst>
             <a:ext uri="{C572A759-6A51-4108-AA02-DFA0A04FC94B}">
-              <ma14:wrappingTextBoxFlag xmlns="" xmlns:ma14="http://schemas.microsoft.com/office/mac/drawingml/2011/main" val="1"/>
+              <ma14:wrappingTextBoxFlag xmlns:ma14="http://schemas.microsoft.com/office/mac/drawingml/2011/main" xmlns="" val="1"/>
             </a:ext>
           </a:extLst>
         </p:spPr>
@@ -9460,7 +8536,7 @@
           </a:ln>
           <a:extLst>
             <a:ext uri="{C572A759-6A51-4108-AA02-DFA0A04FC94B}">
-              <ma14:wrappingTextBoxFlag xmlns="" xmlns:ma14="http://schemas.microsoft.com/office/mac/drawingml/2011/main" val="1"/>
+              <ma14:wrappingTextBoxFlag xmlns:ma14="http://schemas.microsoft.com/office/mac/drawingml/2011/main" xmlns="" val="1"/>
             </a:ext>
           </a:extLst>
         </p:spPr>
@@ -9752,7 +8828,7 @@
           </a:ln>
           <a:extLst>
             <a:ext uri="{C572A759-6A51-4108-AA02-DFA0A04FC94B}">
-              <ma14:wrappingTextBoxFlag xmlns="" xmlns:ma14="http://schemas.microsoft.com/office/mac/drawingml/2011/main" val="1"/>
+              <ma14:wrappingTextBoxFlag xmlns:ma14="http://schemas.microsoft.com/office/mac/drawingml/2011/main" xmlns="" val="1"/>
             </a:ext>
           </a:extLst>
         </p:spPr>
@@ -10242,7 +9318,7 @@
           </a:ln>
           <a:extLst>
             <a:ext uri="{C572A759-6A51-4108-AA02-DFA0A04FC94B}">
-              <ma14:wrappingTextBoxFlag xmlns="" xmlns:ma14="http://schemas.microsoft.com/office/mac/drawingml/2011/main" val="1"/>
+              <ma14:wrappingTextBoxFlag xmlns:ma14="http://schemas.microsoft.com/office/mac/drawingml/2011/main" xmlns="" val="1"/>
             </a:ext>
           </a:extLst>
         </p:spPr>
@@ -10344,7 +9420,7 @@
           </a:ln>
           <a:extLst>
             <a:ext uri="{C572A759-6A51-4108-AA02-DFA0A04FC94B}">
-              <ma14:wrappingTextBoxFlag xmlns="" xmlns:ma14="http://schemas.microsoft.com/office/mac/drawingml/2011/main" val="1"/>
+              <ma14:wrappingTextBoxFlag xmlns:ma14="http://schemas.microsoft.com/office/mac/drawingml/2011/main" xmlns="" val="1"/>
             </a:ext>
           </a:extLst>
         </p:spPr>
@@ -10793,7 +9869,7 @@
           </a:ln>
           <a:extLst>
             <a:ext uri="{C572A759-6A51-4108-AA02-DFA0A04FC94B}">
-              <ma14:wrappingTextBoxFlag xmlns="" xmlns:ma14="http://schemas.microsoft.com/office/mac/drawingml/2011/main" val="1"/>
+              <ma14:wrappingTextBoxFlag xmlns:ma14="http://schemas.microsoft.com/office/mac/drawingml/2011/main" xmlns="" val="1"/>
             </a:ext>
           </a:extLst>
         </p:spPr>
@@ -11747,7 +10823,7 @@
           </a:ln>
           <a:extLst>
             <a:ext uri="{C572A759-6A51-4108-AA02-DFA0A04FC94B}">
-              <ma14:wrappingTextBoxFlag xmlns="" xmlns:ma14="http://schemas.microsoft.com/office/mac/drawingml/2011/main" val="1"/>
+              <ma14:wrappingTextBoxFlag xmlns:ma14="http://schemas.microsoft.com/office/mac/drawingml/2011/main" xmlns="" val="1"/>
             </a:ext>
           </a:extLst>
         </p:spPr>
@@ -11849,7 +10925,7 @@
           </a:ln>
           <a:extLst>
             <a:ext uri="{C572A759-6A51-4108-AA02-DFA0A04FC94B}">
-              <ma14:wrappingTextBoxFlag xmlns="" xmlns:ma14="http://schemas.microsoft.com/office/mac/drawingml/2011/main" val="1"/>
+              <ma14:wrappingTextBoxFlag xmlns:ma14="http://schemas.microsoft.com/office/mac/drawingml/2011/main" xmlns="" val="1"/>
             </a:ext>
           </a:extLst>
         </p:spPr>
@@ -12154,7 +11230,7 @@
           </a:ln>
           <a:extLst>
             <a:ext uri="{C572A759-6A51-4108-AA02-DFA0A04FC94B}">
-              <ma14:wrappingTextBoxFlag xmlns="" xmlns:ma14="http://schemas.microsoft.com/office/mac/drawingml/2011/main" val="1"/>
+              <ma14:wrappingTextBoxFlag xmlns:ma14="http://schemas.microsoft.com/office/mac/drawingml/2011/main" xmlns="" val="1"/>
             </a:ext>
           </a:extLst>
         </p:spPr>

--- a/session3/B3-SQL_Filtering.pptx
+++ b/session3/B3-SQL_Filtering.pptx
@@ -5,10 +5,10 @@
     <p:sldMasterId id="2147483660" r:id="rId1"/>
   </p:sldMasterIdLst>
   <p:notesMasterIdLst>
-    <p:notesMasterId r:id="rId20"/>
+    <p:notesMasterId r:id="rId26"/>
   </p:notesMasterIdLst>
   <p:handoutMasterIdLst>
-    <p:handoutMasterId r:id="rId21"/>
+    <p:handoutMasterId r:id="rId27"/>
   </p:handoutMasterIdLst>
   <p:sldIdLst>
     <p:sldId id="256" r:id="rId2"/>
@@ -28,7 +28,13 @@
     <p:sldId id="335" r:id="rId16"/>
     <p:sldId id="366" r:id="rId17"/>
     <p:sldId id="288" r:id="rId18"/>
-    <p:sldId id="369" r:id="rId19"/>
+    <p:sldId id="376" r:id="rId19"/>
+    <p:sldId id="342" r:id="rId20"/>
+    <p:sldId id="343" r:id="rId21"/>
+    <p:sldId id="346" r:id="rId22"/>
+    <p:sldId id="344" r:id="rId23"/>
+    <p:sldId id="375" r:id="rId24"/>
+    <p:sldId id="369" r:id="rId25"/>
   </p:sldIdLst>
   <p:sldSz cx="9144000" cy="6858000" type="screen4x3"/>
   <p:notesSz cx="7315200" cy="9601200"/>
@@ -321,7 +327,7 @@
             <a:fld id="{0F6AC800-BF99-41BB-8DE5-8FC7E09D6C23}" type="datetimeFigureOut">
               <a:rPr lang="en-US" smtClean="0"/>
               <a:pPr/>
-              <a:t>3/29/2020</a:t>
+              <a:t>5/24/2021</a:t>
             </a:fld>
             <a:endParaRPr lang="en-US" dirty="0"/>
           </a:p>
@@ -725,7 +731,7 @@
           <a:p>
             <a:fld id="{5F4C8C79-FAFE-4D56-A4D5-361B65C3B3FA}" type="datetimeFigureOut">
               <a:rPr lang="en-US" smtClean="0"/>
-              <a:t>3/29/2020</a:t>
+              <a:t>5/24/2021</a:t>
             </a:fld>
             <a:endParaRPr lang="en-US"/>
           </a:p>
@@ -895,7 +901,7 @@
           <a:p>
             <a:fld id="{5F4C8C79-FAFE-4D56-A4D5-361B65C3B3FA}" type="datetimeFigureOut">
               <a:rPr lang="en-US" smtClean="0"/>
-              <a:t>3/29/2020</a:t>
+              <a:t>5/24/2021</a:t>
             </a:fld>
             <a:endParaRPr lang="en-US"/>
           </a:p>
@@ -1075,7 +1081,7 @@
           <a:p>
             <a:fld id="{5F4C8C79-FAFE-4D56-A4D5-361B65C3B3FA}" type="datetimeFigureOut">
               <a:rPr lang="en-US" smtClean="0"/>
-              <a:t>3/29/2020</a:t>
+              <a:t>5/24/2021</a:t>
             </a:fld>
             <a:endParaRPr lang="en-US"/>
           </a:p>
@@ -1276,7 +1282,7 @@
           <a:p>
             <a:fld id="{5F4C8C79-FAFE-4D56-A4D5-361B65C3B3FA}" type="datetimeFigureOut">
               <a:rPr lang="en-US" smtClean="0"/>
-              <a:t>3/29/2020</a:t>
+              <a:t>5/24/2021</a:t>
             </a:fld>
             <a:endParaRPr lang="en-US"/>
           </a:p>
@@ -1520,7 +1526,7 @@
           <a:p>
             <a:fld id="{5F4C8C79-FAFE-4D56-A4D5-361B65C3B3FA}" type="datetimeFigureOut">
               <a:rPr lang="en-US" smtClean="0"/>
-              <a:t>3/29/2020</a:t>
+              <a:t>5/24/2021</a:t>
             </a:fld>
             <a:endParaRPr lang="en-US"/>
           </a:p>
@@ -1752,7 +1758,7 @@
           <a:p>
             <a:fld id="{5F4C8C79-FAFE-4D56-A4D5-361B65C3B3FA}" type="datetimeFigureOut">
               <a:rPr lang="en-US" smtClean="0"/>
-              <a:t>3/29/2020</a:t>
+              <a:t>5/24/2021</a:t>
             </a:fld>
             <a:endParaRPr lang="en-US"/>
           </a:p>
@@ -2119,7 +2125,7 @@
           <a:p>
             <a:fld id="{5F4C8C79-FAFE-4D56-A4D5-361B65C3B3FA}" type="datetimeFigureOut">
               <a:rPr lang="en-US" smtClean="0"/>
-              <a:t>3/29/2020</a:t>
+              <a:t>5/24/2021</a:t>
             </a:fld>
             <a:endParaRPr lang="en-US"/>
           </a:p>
@@ -2237,7 +2243,7 @@
           <a:p>
             <a:fld id="{5F4C8C79-FAFE-4D56-A4D5-361B65C3B3FA}" type="datetimeFigureOut">
               <a:rPr lang="en-US" smtClean="0"/>
-              <a:t>3/29/2020</a:t>
+              <a:t>5/24/2021</a:t>
             </a:fld>
             <a:endParaRPr lang="en-US"/>
           </a:p>
@@ -2332,7 +2338,7 @@
           <a:p>
             <a:fld id="{5F4C8C79-FAFE-4D56-A4D5-361B65C3B3FA}" type="datetimeFigureOut">
               <a:rPr lang="en-US" smtClean="0"/>
-              <a:t>3/29/2020</a:t>
+              <a:t>5/24/2021</a:t>
             </a:fld>
             <a:endParaRPr lang="en-US"/>
           </a:p>
@@ -2609,7 +2615,7 @@
           <a:p>
             <a:fld id="{5F4C8C79-FAFE-4D56-A4D5-361B65C3B3FA}" type="datetimeFigureOut">
               <a:rPr lang="en-US" smtClean="0"/>
-              <a:t>3/29/2020</a:t>
+              <a:t>5/24/2021</a:t>
             </a:fld>
             <a:endParaRPr lang="en-US"/>
           </a:p>
@@ -2866,7 +2872,7 @@
           <a:p>
             <a:fld id="{5F4C8C79-FAFE-4D56-A4D5-361B65C3B3FA}" type="datetimeFigureOut">
               <a:rPr lang="en-US" smtClean="0"/>
-              <a:t>3/29/2020</a:t>
+              <a:t>5/24/2021</a:t>
             </a:fld>
             <a:endParaRPr lang="en-US"/>
           </a:p>
@@ -3079,7 +3085,7 @@
             <a:fld id="{5F4C8C79-FAFE-4D56-A4D5-361B65C3B3FA}" type="datetimeFigureOut">
               <a:rPr lang="en-US" smtClean="0"/>
               <a:pPr/>
-              <a:t>3/29/2020</a:t>
+              <a:t>5/24/2021</a:t>
             </a:fld>
             <a:endParaRPr lang="en-US" dirty="0"/>
           </a:p>
@@ -3566,7 +3572,7 @@
           </a:ln>
           <a:extLst>
             <a:ext uri="{C572A759-6A51-4108-AA02-DFA0A04FC94B}">
-              <ma14:wrappingTextBoxFlag xmlns:ma14="http://schemas.microsoft.com/office/mac/drawingml/2011/main" xmlns="" val="1"/>
+              <ma14:wrappingTextBoxFlag xmlns="" xmlns:ma14="http://schemas.microsoft.com/office/mac/drawingml/2011/main" val="1"/>
             </a:ext>
           </a:extLst>
         </p:spPr>
@@ -3668,7 +3674,7 @@
           </a:ln>
           <a:extLst>
             <a:ext uri="{C572A759-6A51-4108-AA02-DFA0A04FC94B}">
-              <ma14:wrappingTextBoxFlag xmlns:ma14="http://schemas.microsoft.com/office/mac/drawingml/2011/main" xmlns="" val="1"/>
+              <ma14:wrappingTextBoxFlag xmlns="" xmlns:ma14="http://schemas.microsoft.com/office/mac/drawingml/2011/main" val="1"/>
             </a:ext>
           </a:extLst>
         </p:spPr>
@@ -4606,7 +4612,7 @@
           </a:ln>
           <a:extLst>
             <a:ext uri="{C572A759-6A51-4108-AA02-DFA0A04FC94B}">
-              <ma14:wrappingTextBoxFlag xmlns:ma14="http://schemas.microsoft.com/office/mac/drawingml/2011/main" xmlns="" val="1"/>
+              <ma14:wrappingTextBoxFlag xmlns="" xmlns:ma14="http://schemas.microsoft.com/office/mac/drawingml/2011/main" val="1"/>
             </a:ext>
           </a:extLst>
         </p:spPr>
@@ -4678,7 +4684,7 @@
           </a:ln>
           <a:extLst>
             <a:ext uri="{C572A759-6A51-4108-AA02-DFA0A04FC94B}">
-              <ma14:wrappingTextBoxFlag xmlns:ma14="http://schemas.microsoft.com/office/mac/drawingml/2011/main" xmlns="" val="1"/>
+              <ma14:wrappingTextBoxFlag xmlns="" xmlns:ma14="http://schemas.microsoft.com/office/mac/drawingml/2011/main" val="1"/>
             </a:ext>
           </a:extLst>
         </p:spPr>
@@ -5006,7 +5012,7 @@
           </a:ln>
           <a:extLst>
             <a:ext uri="{C572A759-6A51-4108-AA02-DFA0A04FC94B}">
-              <ma14:wrappingTextBoxFlag xmlns:ma14="http://schemas.microsoft.com/office/mac/drawingml/2011/main" xmlns="" val="1"/>
+              <ma14:wrappingTextBoxFlag xmlns="" xmlns:ma14="http://schemas.microsoft.com/office/mac/drawingml/2011/main" val="1"/>
             </a:ext>
           </a:extLst>
         </p:spPr>
@@ -5075,7 +5081,7 @@
           </a:ln>
           <a:extLst>
             <a:ext uri="{C572A759-6A51-4108-AA02-DFA0A04FC94B}">
-              <ma14:wrappingTextBoxFlag xmlns:ma14="http://schemas.microsoft.com/office/mac/drawingml/2011/main" xmlns="" val="1"/>
+              <ma14:wrappingTextBoxFlag xmlns="" xmlns:ma14="http://schemas.microsoft.com/office/mac/drawingml/2011/main" val="1"/>
             </a:ext>
           </a:extLst>
         </p:spPr>
@@ -5451,7 +5457,7 @@
           </a:ln>
           <a:extLst>
             <a:ext uri="{C572A759-6A51-4108-AA02-DFA0A04FC94B}">
-              <ma14:wrappingTextBoxFlag xmlns:ma14="http://schemas.microsoft.com/office/mac/drawingml/2011/main" xmlns="" val="1"/>
+              <ma14:wrappingTextBoxFlag xmlns="" xmlns:ma14="http://schemas.microsoft.com/office/mac/drawingml/2011/main" val="1"/>
             </a:ext>
           </a:extLst>
         </p:spPr>
@@ -5520,7 +5526,7 @@
           </a:ln>
           <a:extLst>
             <a:ext uri="{C572A759-6A51-4108-AA02-DFA0A04FC94B}">
-              <ma14:wrappingTextBoxFlag xmlns:ma14="http://schemas.microsoft.com/office/mac/drawingml/2011/main" xmlns="" val="1"/>
+              <ma14:wrappingTextBoxFlag xmlns="" xmlns:ma14="http://schemas.microsoft.com/office/mac/drawingml/2011/main" val="1"/>
             </a:ext>
           </a:extLst>
         </p:spPr>
@@ -5737,7 +5743,7 @@
           </a:ln>
           <a:extLst>
             <a:ext uri="{C572A759-6A51-4108-AA02-DFA0A04FC94B}">
-              <ma14:wrappingTextBoxFlag xmlns:ma14="http://schemas.microsoft.com/office/mac/drawingml/2011/main" xmlns="" val="1"/>
+              <ma14:wrappingTextBoxFlag xmlns="" xmlns:ma14="http://schemas.microsoft.com/office/mac/drawingml/2011/main" val="1"/>
             </a:ext>
           </a:extLst>
         </p:spPr>
@@ -5806,7 +5812,7 @@
           </a:ln>
           <a:extLst>
             <a:ext uri="{C572A759-6A51-4108-AA02-DFA0A04FC94B}">
-              <ma14:wrappingTextBoxFlag xmlns:ma14="http://schemas.microsoft.com/office/mac/drawingml/2011/main" xmlns="" val="1"/>
+              <ma14:wrappingTextBoxFlag xmlns="" xmlns:ma14="http://schemas.microsoft.com/office/mac/drawingml/2011/main" val="1"/>
             </a:ext>
           </a:extLst>
         </p:spPr>
@@ -6189,7 +6195,7 @@
           </a:ln>
           <a:extLst>
             <a:ext uri="{C572A759-6A51-4108-AA02-DFA0A04FC94B}">
-              <ma14:wrappingTextBoxFlag xmlns:ma14="http://schemas.microsoft.com/office/mac/drawingml/2011/main" xmlns="" val="1"/>
+              <ma14:wrappingTextBoxFlag xmlns="" xmlns:ma14="http://schemas.microsoft.com/office/mac/drawingml/2011/main" val="1"/>
             </a:ext>
           </a:extLst>
         </p:spPr>
@@ -6258,7 +6264,7 @@
           </a:ln>
           <a:extLst>
             <a:ext uri="{C572A759-6A51-4108-AA02-DFA0A04FC94B}">
-              <ma14:wrappingTextBoxFlag xmlns:ma14="http://schemas.microsoft.com/office/mac/drawingml/2011/main" xmlns="" val="1"/>
+              <ma14:wrappingTextBoxFlag xmlns="" xmlns:ma14="http://schemas.microsoft.com/office/mac/drawingml/2011/main" val="1"/>
             </a:ext>
           </a:extLst>
         </p:spPr>
@@ -6601,7 +6607,7 @@
           </a:ln>
           <a:extLst>
             <a:ext uri="{C572A759-6A51-4108-AA02-DFA0A04FC94B}">
-              <ma14:wrappingTextBoxFlag xmlns:ma14="http://schemas.microsoft.com/office/mac/drawingml/2011/main" xmlns="" val="1"/>
+              <ma14:wrappingTextBoxFlag xmlns="" xmlns:ma14="http://schemas.microsoft.com/office/mac/drawingml/2011/main" val="1"/>
             </a:ext>
           </a:extLst>
         </p:spPr>
@@ -6670,7 +6676,7 @@
           </a:ln>
           <a:extLst>
             <a:ext uri="{C572A759-6A51-4108-AA02-DFA0A04FC94B}">
-              <ma14:wrappingTextBoxFlag xmlns:ma14="http://schemas.microsoft.com/office/mac/drawingml/2011/main" xmlns="" val="1"/>
+              <ma14:wrappingTextBoxFlag xmlns="" xmlns:ma14="http://schemas.microsoft.com/office/mac/drawingml/2011/main" val="1"/>
             </a:ext>
           </a:extLst>
         </p:spPr>
@@ -7011,7 +7017,7 @@
           </a:ln>
           <a:extLst>
             <a:ext uri="{C572A759-6A51-4108-AA02-DFA0A04FC94B}">
-              <ma14:wrappingTextBoxFlag xmlns:ma14="http://schemas.microsoft.com/office/mac/drawingml/2011/main" xmlns="" val="1"/>
+              <ma14:wrappingTextBoxFlag xmlns="" xmlns:ma14="http://schemas.microsoft.com/office/mac/drawingml/2011/main" val="1"/>
             </a:ext>
           </a:extLst>
         </p:spPr>
@@ -7080,7 +7086,7 @@
           </a:ln>
           <a:extLst>
             <a:ext uri="{C572A759-6A51-4108-AA02-DFA0A04FC94B}">
-              <ma14:wrappingTextBoxFlag xmlns:ma14="http://schemas.microsoft.com/office/mac/drawingml/2011/main" xmlns="" val="1"/>
+              <ma14:wrappingTextBoxFlag xmlns="" xmlns:ma14="http://schemas.microsoft.com/office/mac/drawingml/2011/main" val="1"/>
             </a:ext>
           </a:extLst>
         </p:spPr>
@@ -7303,68 +7309,506 @@
       </p:grpSpPr>
       <p:sp>
         <p:nvSpPr>
-          <p:cNvPr id="2" name="Rectangle 1">
-            <a:extLst>
-              <a:ext uri="{FF2B5EF4-FFF2-40B4-BE49-F238E27FC236}">
-                <a16:creationId xmlns:a16="http://schemas.microsoft.com/office/drawing/2014/main" id="{7148B51A-A7D0-4EB3-97C5-23CDCE187BB7}"/>
-              </a:ext>
-            </a:extLst>
-          </p:cNvPr>
+          <p:cNvPr id="47" name="Shape 47"/>
           <p:cNvSpPr/>
           <p:nvPr/>
         </p:nvSpPr>
         <p:spPr>
           <a:xfrm>
-            <a:off x="1025235" y="1277173"/>
-            <a:ext cx="7342909" cy="4031873"/>
+            <a:off x="269666" y="1435100"/>
+            <a:ext cx="8604668" cy="646331"/>
           </a:xfrm>
           <a:prstGeom prst="rect">
             <a:avLst/>
           </a:prstGeom>
+          <a:ln w="12700">
+            <a:miter lim="400000"/>
+          </a:ln>
+          <a:extLst>
+            <a:ext uri="{C572A759-6A51-4108-AA02-DFA0A04FC94B}">
+              <ma14:wrappingTextBoxFlag xmlns:ma14="http://schemas.microsoft.com/office/mac/drawingml/2011/main" xmlns="" val="1"/>
+            </a:ext>
+          </a:extLst>
         </p:spPr>
         <p:txBody>
-          <a:bodyPr wrap="square">
+          <a:bodyPr lIns="45719" rIns="45719">
             <a:spAutoFit/>
           </a:bodyPr>
-          <a:lstStyle/>
-          <a:p>
-            <a:r>
-              <a:rPr lang="en-US" sz="3200" dirty="0"/>
-              <a:t>Go to the Facebook database</a:t>
-            </a:r>
-          </a:p>
-          <a:p>
-            <a:endParaRPr lang="en-US" sz="3200" dirty="0"/>
-          </a:p>
-          <a:p>
-            <a:r>
-              <a:rPr lang="en-US" sz="3200" dirty="0"/>
-              <a:t>Find all the students that have New York as the home state. </a:t>
-            </a:r>
-          </a:p>
-          <a:p>
-            <a:endParaRPr lang="en-US" sz="3200" dirty="0"/>
-          </a:p>
-          <a:p>
-            <a:r>
-              <a:rPr lang="en-US" sz="3200" dirty="0"/>
-              <a:t>Deal with all the different ways that students have written New York in the “</a:t>
-            </a:r>
-            <a:r>
-              <a:rPr lang="en-US" sz="3200" dirty="0" err="1"/>
-              <a:t>HomeState</a:t>
-            </a:r>
-            <a:r>
-              <a:rPr lang="en-US" sz="3200" dirty="0"/>
-              <a:t>” attribute</a:t>
-            </a:r>
+          <a:lstStyle>
+            <a:lvl1pPr algn="r">
+              <a:defRPr sz="3600">
+                <a:solidFill>
+                  <a:srgbClr val="011070"/>
+                </a:solidFill>
+              </a:defRPr>
+            </a:lvl1pPr>
+          </a:lstStyle>
+          <a:p>
+            <a:pPr lvl="0">
+              <a:defRPr sz="1800">
+                <a:solidFill>
+                  <a:srgbClr val="000000"/>
+                </a:solidFill>
+                <a:uFillTx/>
+              </a:defRPr>
+            </a:pPr>
+            <a:r>
+              <a:rPr lang="en-US" sz="3600" dirty="0">
+                <a:solidFill>
+                  <a:schemeClr val="tx1"/>
+                </a:solidFill>
+                <a:uFill>
+                  <a:solidFill/>
+                </a:uFill>
+                <a:latin typeface="Arial Unicode MS" panose="020B0604020202020204" pitchFamily="34" charset="-128"/>
+              </a:rPr>
+              <a:t>Conditional Construct: CASE</a:t>
+            </a:r>
+            <a:endParaRPr sz="3600" dirty="0">
+              <a:solidFill>
+                <a:schemeClr val="tx1"/>
+              </a:solidFill>
+              <a:uFill>
+                <a:solidFill/>
+              </a:uFill>
+              <a:latin typeface="Arial Unicode MS" panose="020B0604020202020204" pitchFamily="34" charset="-128"/>
+            </a:endParaRPr>
           </a:p>
         </p:txBody>
       </p:sp>
     </p:spTree>
     <p:extLst>
       <p:ext uri="{BB962C8B-B14F-4D97-AF65-F5344CB8AC3E}">
-        <p14:creationId xmlns:p14="http://schemas.microsoft.com/office/powerpoint/2010/main" val="1059645985"/>
+        <p14:creationId xmlns:p14="http://schemas.microsoft.com/office/powerpoint/2010/main" val="1524365267"/>
+      </p:ext>
+    </p:extLst>
+  </p:cSld>
+  <p:clrMapOvr>
+    <a:masterClrMapping/>
+  </p:clrMapOvr>
+  <p:transition spd="med"/>
+</p:sld>
+</file>
+
+<file path=ppt/slides/slide19.xml><?xml version="1.0" encoding="utf-8"?>
+<p:sld xmlns:a="http://schemas.openxmlformats.org/drawingml/2006/main" xmlns:r="http://schemas.openxmlformats.org/officeDocument/2006/relationships" xmlns:p="http://schemas.openxmlformats.org/presentationml/2006/main">
+  <p:cSld>
+    <p:spTree>
+      <p:nvGrpSpPr>
+        <p:cNvPr id="1" name=""/>
+        <p:cNvGrpSpPr/>
+        <p:nvPr/>
+      </p:nvGrpSpPr>
+      <p:grpSpPr>
+        <a:xfrm>
+          <a:off x="0" y="0"/>
+          <a:ext cx="0" cy="0"/>
+          <a:chOff x="0" y="0"/>
+          <a:chExt cx="0" cy="0"/>
+        </a:xfrm>
+      </p:grpSpPr>
+      <p:sp>
+        <p:nvSpPr>
+          <p:cNvPr id="189" name="Shape 189"/>
+          <p:cNvSpPr/>
+          <p:nvPr/>
+        </p:nvSpPr>
+        <p:spPr>
+          <a:xfrm>
+            <a:off x="386308" y="147496"/>
+            <a:ext cx="7757379" cy="553998"/>
+          </a:xfrm>
+          <a:prstGeom prst="rect">
+            <a:avLst/>
+          </a:prstGeom>
+          <a:ln w="12700">
+            <a:miter lim="400000"/>
+          </a:ln>
+          <a:extLst>
+            <a:ext uri="{C572A759-6A51-4108-AA02-DFA0A04FC94B}">
+              <ma14:wrappingTextBoxFlag xmlns:ma14="http://schemas.microsoft.com/office/mac/drawingml/2011/main" xmlns="" val="1"/>
+            </a:ext>
+          </a:extLst>
+        </p:spPr>
+        <p:txBody>
+          <a:bodyPr lIns="45719" rIns="45719">
+            <a:spAutoFit/>
+          </a:bodyPr>
+          <a:lstStyle>
+            <a:lvl1pPr>
+              <a:defRPr sz="3000" b="1">
+                <a:uFill>
+                  <a:solidFill>
+                    <a:srgbClr val="FFFFFF"/>
+                  </a:solidFill>
+                </a:uFill>
+              </a:defRPr>
+            </a:lvl1pPr>
+          </a:lstStyle>
+          <a:p>
+            <a:pPr lvl="0">
+              <a:defRPr sz="1800" b="0">
+                <a:solidFill>
+                  <a:srgbClr val="000000"/>
+                </a:solidFill>
+                <a:uFillTx/>
+              </a:defRPr>
+            </a:pPr>
+            <a:r>
+              <a:rPr lang="en-US" sz="3000" b="1" dirty="0">
+                <a:uFill>
+                  <a:solidFill>
+                    <a:srgbClr val="FFFFFF"/>
+                  </a:solidFill>
+                </a:uFill>
+                <a:latin typeface="Arial Unicode MS" panose="020B0604020202020204" pitchFamily="34" charset="-128"/>
+              </a:rPr>
+              <a:t>Conditional Construct: CASE</a:t>
+            </a:r>
+            <a:endParaRPr sz="3000" b="1" dirty="0">
+              <a:uFill>
+                <a:solidFill>
+                  <a:srgbClr val="FFFFFF"/>
+                </a:solidFill>
+              </a:uFill>
+              <a:latin typeface="Arial Unicode MS" panose="020B0604020202020204" pitchFamily="34" charset="-128"/>
+            </a:endParaRPr>
+          </a:p>
+        </p:txBody>
+      </p:sp>
+      <p:sp>
+        <p:nvSpPr>
+          <p:cNvPr id="190" name="Shape 190"/>
+          <p:cNvSpPr/>
+          <p:nvPr/>
+        </p:nvSpPr>
+        <p:spPr>
+          <a:xfrm>
+            <a:off x="469900" y="1324179"/>
+            <a:ext cx="8204200" cy="307777"/>
+          </a:xfrm>
+          <a:prstGeom prst="rect">
+            <a:avLst/>
+          </a:prstGeom>
+          <a:ln w="12700">
+            <a:miter lim="400000"/>
+          </a:ln>
+          <a:extLst>
+            <a:ext uri="{C572A759-6A51-4108-AA02-DFA0A04FC94B}">
+              <ma14:wrappingTextBoxFlag xmlns:ma14="http://schemas.microsoft.com/office/mac/drawingml/2011/main" xmlns="" val="1"/>
+            </a:ext>
+          </a:extLst>
+        </p:spPr>
+        <p:txBody>
+          <a:bodyPr lIns="0" tIns="0" rIns="0" bIns="0">
+            <a:spAutoFit/>
+          </a:bodyPr>
+          <a:lstStyle/>
+          <a:p>
+            <a:pPr lvl="0">
+              <a:spcBef>
+                <a:spcPts val="700"/>
+              </a:spcBef>
+              <a:buSzPct val="100000"/>
+              <a:defRPr sz="1800">
+                <a:solidFill>
+                  <a:srgbClr val="000000"/>
+                </a:solidFill>
+                <a:uFillTx/>
+              </a:defRPr>
+            </a:pPr>
+            <a:endParaRPr sz="2000" dirty="0">
+              <a:uFill>
+                <a:solidFill/>
+              </a:uFill>
+              <a:latin typeface="Arial Unicode MS" panose="020B0604020202020204" pitchFamily="34" charset="-128"/>
+              <a:ea typeface="Arial Unicode MS" panose="020B0604020202020204" pitchFamily="34" charset="-128"/>
+              <a:cs typeface="Arial Unicode MS" panose="020B0604020202020204" pitchFamily="34" charset="-128"/>
+              <a:sym typeface="Iowan Old Style Roman"/>
+            </a:endParaRPr>
+          </a:p>
+        </p:txBody>
+      </p:sp>
+      <p:sp>
+        <p:nvSpPr>
+          <p:cNvPr id="2" name="TextBox 1"/>
+          <p:cNvSpPr txBox="1"/>
+          <p:nvPr/>
+        </p:nvSpPr>
+        <p:spPr>
+          <a:xfrm>
+            <a:off x="529119" y="1376737"/>
+            <a:ext cx="7870005" cy="2031325"/>
+          </a:xfrm>
+          <a:prstGeom prst="rect">
+            <a:avLst/>
+          </a:prstGeom>
+          <a:noFill/>
+        </p:spPr>
+        <p:txBody>
+          <a:bodyPr wrap="square" rtlCol="0">
+            <a:spAutoFit/>
+          </a:bodyPr>
+          <a:lstStyle/>
+          <a:p>
+            <a:r>
+              <a:rPr lang="en-US" b="1" dirty="0"/>
+              <a:t>Syntax </a:t>
+            </a:r>
+          </a:p>
+          <a:p>
+            <a:endParaRPr lang="en-US" b="1" dirty="0"/>
+          </a:p>
+          <a:p>
+            <a:r>
+              <a:rPr lang="en-US" b="1" dirty="0"/>
+              <a:t>CASE </a:t>
+            </a:r>
+          </a:p>
+          <a:p>
+            <a:r>
+              <a:rPr lang="en-US" b="1" dirty="0"/>
+              <a:t>	WHEN </a:t>
+            </a:r>
+            <a:r>
+              <a:rPr lang="en-US" b="1" i="1" dirty="0"/>
+              <a:t>condition</a:t>
+            </a:r>
+            <a:r>
+              <a:rPr lang="en-US" b="1" dirty="0"/>
+              <a:t> THEN </a:t>
+            </a:r>
+            <a:r>
+              <a:rPr lang="en-US" b="1" i="1" dirty="0"/>
+              <a:t>result</a:t>
+            </a:r>
+            <a:r>
+              <a:rPr lang="en-US" b="1" dirty="0"/>
+              <a:t> </a:t>
+            </a:r>
+          </a:p>
+          <a:p>
+            <a:r>
+              <a:rPr lang="en-US" b="1" dirty="0"/>
+              <a:t>	[WHEN </a:t>
+            </a:r>
+            <a:r>
+              <a:rPr lang="en-US" b="1" i="1" dirty="0"/>
+              <a:t>condition</a:t>
+            </a:r>
+            <a:r>
+              <a:rPr lang="en-US" b="1" dirty="0"/>
+              <a:t> THEN </a:t>
+            </a:r>
+            <a:r>
+              <a:rPr lang="en-US" b="1" i="1" dirty="0"/>
+              <a:t>result</a:t>
+            </a:r>
+            <a:r>
+              <a:rPr lang="en-US" b="1" dirty="0"/>
+              <a:t>] ... </a:t>
+            </a:r>
+          </a:p>
+          <a:p>
+            <a:r>
+              <a:rPr lang="en-US" b="1" dirty="0"/>
+              <a:t>	[ELSE </a:t>
+            </a:r>
+            <a:r>
+              <a:rPr lang="en-US" b="1" i="1" dirty="0"/>
+              <a:t>result</a:t>
+            </a:r>
+            <a:r>
+              <a:rPr lang="en-US" b="1" dirty="0"/>
+              <a:t>] </a:t>
+            </a:r>
+          </a:p>
+          <a:p>
+            <a:r>
+              <a:rPr lang="en-US" b="1" dirty="0"/>
+              <a:t>END</a:t>
+            </a:r>
+          </a:p>
+        </p:txBody>
+      </p:sp>
+      <p:sp>
+        <p:nvSpPr>
+          <p:cNvPr id="5" name="TextBox 4">
+            <a:extLst>
+              <a:ext uri="{FF2B5EF4-FFF2-40B4-BE49-F238E27FC236}">
+                <a16:creationId xmlns:a16="http://schemas.microsoft.com/office/drawing/2014/main" id="{4D386248-2CE1-40E5-A7F3-AB625F7D29C7}"/>
+              </a:ext>
+            </a:extLst>
+          </p:cNvPr>
+          <p:cNvSpPr txBox="1"/>
+          <p:nvPr/>
+        </p:nvSpPr>
+        <p:spPr>
+          <a:xfrm>
+            <a:off x="202623" y="3773573"/>
+            <a:ext cx="8738753" cy="2585323"/>
+          </a:xfrm>
+          <a:prstGeom prst="rect">
+            <a:avLst/>
+          </a:prstGeom>
+          <a:noFill/>
+        </p:spPr>
+        <p:txBody>
+          <a:bodyPr wrap="square" rtlCol="0">
+            <a:spAutoFit/>
+          </a:bodyPr>
+          <a:lstStyle/>
+          <a:p>
+            <a:r>
+              <a:rPr lang="en-US" dirty="0"/>
+              <a:t>Example: Send targeted ads to Single Females. Do not show ads to Males. Others TBD</a:t>
+            </a:r>
+          </a:p>
+          <a:p>
+            <a:endParaRPr lang="en-US" dirty="0"/>
+          </a:p>
+          <a:p>
+            <a:r>
+              <a:rPr lang="en-US" dirty="0"/>
+              <a:t>SELECT 	</a:t>
+            </a:r>
+            <a:r>
+              <a:rPr lang="en-US" dirty="0" err="1"/>
+              <a:t>P.ProfileID</a:t>
+            </a:r>
+            <a:r>
+              <a:rPr lang="en-US" dirty="0"/>
+              <a:t>, </a:t>
+            </a:r>
+            <a:r>
+              <a:rPr lang="en-US" dirty="0" err="1"/>
+              <a:t>P.Name</a:t>
+            </a:r>
+            <a:r>
+              <a:rPr lang="en-US" dirty="0"/>
+              <a:t>, </a:t>
+            </a:r>
+            <a:r>
+              <a:rPr lang="en-US" dirty="0" err="1"/>
+              <a:t>P.Sex</a:t>
+            </a:r>
+            <a:r>
+              <a:rPr lang="en-US" dirty="0"/>
+              <a:t>, </a:t>
+            </a:r>
+            <a:r>
+              <a:rPr lang="en-US" dirty="0" err="1"/>
+              <a:t>R.Status</a:t>
+            </a:r>
+            <a:r>
+              <a:rPr lang="en-US" dirty="0"/>
+              <a:t>,	</a:t>
+            </a:r>
+          </a:p>
+          <a:p>
+            <a:r>
+              <a:rPr lang="en-US" dirty="0"/>
+              <a:t>	</a:t>
+            </a:r>
+            <a:r>
+              <a:rPr lang="en-US" b="1" dirty="0"/>
+              <a:t>CASE		</a:t>
+            </a:r>
+          </a:p>
+          <a:p>
+            <a:r>
+              <a:rPr lang="en-US" b="1" dirty="0"/>
+              <a:t>	WHEN </a:t>
+            </a:r>
+            <a:r>
+              <a:rPr lang="en-US" b="1" dirty="0" err="1"/>
+              <a:t>P.Sex</a:t>
+            </a:r>
+            <a:r>
+              <a:rPr lang="en-US" b="1" dirty="0"/>
+              <a:t> = 'Female' AND </a:t>
+            </a:r>
+            <a:r>
+              <a:rPr lang="en-US" b="1" dirty="0" err="1"/>
+              <a:t>R.Status</a:t>
+            </a:r>
+            <a:r>
+              <a:rPr lang="en-US" b="1" dirty="0"/>
+              <a:t> = 'Single' THEN `</a:t>
+            </a:r>
+            <a:r>
+              <a:rPr lang="en-US" b="1" dirty="0" err="1"/>
+              <a:t>TargetAd</a:t>
+            </a:r>
+            <a:r>
+              <a:rPr lang="en-US" b="1" dirty="0"/>
+              <a:t>’</a:t>
+            </a:r>
+          </a:p>
+          <a:p>
+            <a:r>
+              <a:rPr lang="en-US" b="1" dirty="0"/>
+              <a:t>	WHEN </a:t>
+            </a:r>
+            <a:r>
+              <a:rPr lang="en-US" b="1" dirty="0" err="1"/>
+              <a:t>P.Sex</a:t>
+            </a:r>
+            <a:r>
+              <a:rPr lang="en-US" b="1" dirty="0"/>
+              <a:t> = 'Male' THEN ‘</a:t>
+            </a:r>
+            <a:r>
+              <a:rPr lang="en-US" b="1" dirty="0" err="1"/>
+              <a:t>NoAd</a:t>
+            </a:r>
+            <a:r>
+              <a:rPr lang="en-US" b="1" dirty="0"/>
+              <a:t>’        </a:t>
+            </a:r>
+          </a:p>
+          <a:p>
+            <a:r>
+              <a:rPr lang="en-US" b="1" dirty="0"/>
+              <a:t>	ELSE 'TBD'    </a:t>
+            </a:r>
+          </a:p>
+          <a:p>
+            <a:r>
+              <a:rPr lang="en-US" b="1" dirty="0"/>
+              <a:t>	END AS </a:t>
+            </a:r>
+            <a:r>
+              <a:rPr lang="en-US" b="1" dirty="0" err="1"/>
+              <a:t>AdTargeting</a:t>
+            </a:r>
+            <a:endParaRPr lang="en-US" b="1" dirty="0"/>
+          </a:p>
+          <a:p>
+            <a:r>
+              <a:rPr lang="en-US" dirty="0"/>
+              <a:t>FROM 	Profiles P JOIN Relationship R ON </a:t>
+            </a:r>
+            <a:r>
+              <a:rPr lang="en-US" dirty="0" err="1"/>
+              <a:t>R.ProfileID</a:t>
+            </a:r>
+            <a:r>
+              <a:rPr lang="en-US" dirty="0"/>
+              <a:t> = </a:t>
+            </a:r>
+            <a:r>
+              <a:rPr lang="en-US" dirty="0" err="1"/>
+              <a:t>P.ProfileID</a:t>
+            </a:r>
+            <a:endParaRPr lang="en-US" dirty="0"/>
+          </a:p>
+        </p:txBody>
+      </p:sp>
+    </p:spTree>
+    <p:extLst>
+      <p:ext uri="{BB962C8B-B14F-4D97-AF65-F5344CB8AC3E}">
+        <p14:creationId xmlns:p14="http://schemas.microsoft.com/office/powerpoint/2010/main" val="3097890677"/>
       </p:ext>
     </p:extLst>
   </p:cSld>
@@ -7411,7 +7855,7 @@
           </a:ln>
           <a:extLst>
             <a:ext uri="{C572A759-6A51-4108-AA02-DFA0A04FC94B}">
-              <ma14:wrappingTextBoxFlag xmlns:ma14="http://schemas.microsoft.com/office/mac/drawingml/2011/main" xmlns="" val="1"/>
+              <ma14:wrappingTextBoxFlag xmlns="" xmlns:ma14="http://schemas.microsoft.com/office/mac/drawingml/2011/main" val="1"/>
             </a:ext>
           </a:extLst>
         </p:spPr>
@@ -7491,7 +7935,7 @@
           </a:ln>
           <a:extLst>
             <a:ext uri="{C572A759-6A51-4108-AA02-DFA0A04FC94B}">
-              <ma14:wrappingTextBoxFlag xmlns:ma14="http://schemas.microsoft.com/office/mac/drawingml/2011/main" xmlns="" val="1"/>
+              <ma14:wrappingTextBoxFlag xmlns="" xmlns:ma14="http://schemas.microsoft.com/office/mac/drawingml/2011/main" val="1"/>
             </a:ext>
           </a:extLst>
         </p:spPr>
@@ -7899,7 +8343,7 @@
           </a:ln>
           <a:extLst>
             <a:ext uri="{C572A759-6A51-4108-AA02-DFA0A04FC94B}">
-              <ma14:wrappingTextBoxFlag xmlns:ma14="http://schemas.microsoft.com/office/mac/drawingml/2011/main" xmlns="" val="1"/>
+              <ma14:wrappingTextBoxFlag xmlns="" xmlns:ma14="http://schemas.microsoft.com/office/mac/drawingml/2011/main" val="1"/>
             </a:ext>
           </a:extLst>
         </p:spPr>
@@ -8087,6 +8531,1505 @@
 </p:sld>
 </file>
 
+<file path=ppt/slides/slide20.xml><?xml version="1.0" encoding="utf-8"?>
+<p:sld xmlns:a="http://schemas.openxmlformats.org/drawingml/2006/main" xmlns:r="http://schemas.openxmlformats.org/officeDocument/2006/relationships" xmlns:p="http://schemas.openxmlformats.org/presentationml/2006/main">
+  <p:cSld>
+    <p:spTree>
+      <p:nvGrpSpPr>
+        <p:cNvPr id="1" name=""/>
+        <p:cNvGrpSpPr/>
+        <p:nvPr/>
+      </p:nvGrpSpPr>
+      <p:grpSpPr>
+        <a:xfrm>
+          <a:off x="0" y="0"/>
+          <a:ext cx="0" cy="0"/>
+          <a:chOff x="0" y="0"/>
+          <a:chExt cx="0" cy="0"/>
+        </a:xfrm>
+      </p:grpSpPr>
+      <p:sp>
+        <p:nvSpPr>
+          <p:cNvPr id="189" name="Shape 189"/>
+          <p:cNvSpPr/>
+          <p:nvPr/>
+        </p:nvSpPr>
+        <p:spPr>
+          <a:xfrm>
+            <a:off x="386308" y="147496"/>
+            <a:ext cx="7757379" cy="553998"/>
+          </a:xfrm>
+          <a:prstGeom prst="rect">
+            <a:avLst/>
+          </a:prstGeom>
+          <a:ln w="12700">
+            <a:miter lim="400000"/>
+          </a:ln>
+          <a:extLst>
+            <a:ext uri="{C572A759-6A51-4108-AA02-DFA0A04FC94B}">
+              <ma14:wrappingTextBoxFlag xmlns:ma14="http://schemas.microsoft.com/office/mac/drawingml/2011/main" xmlns="" val="1"/>
+            </a:ext>
+          </a:extLst>
+        </p:spPr>
+        <p:txBody>
+          <a:bodyPr lIns="45719" rIns="45719">
+            <a:spAutoFit/>
+          </a:bodyPr>
+          <a:lstStyle>
+            <a:lvl1pPr>
+              <a:defRPr sz="3000" b="1">
+                <a:uFill>
+                  <a:solidFill>
+                    <a:srgbClr val="FFFFFF"/>
+                  </a:solidFill>
+                </a:uFill>
+              </a:defRPr>
+            </a:lvl1pPr>
+          </a:lstStyle>
+          <a:p>
+            <a:pPr lvl="0">
+              <a:defRPr sz="1800" b="0">
+                <a:solidFill>
+                  <a:srgbClr val="000000"/>
+                </a:solidFill>
+                <a:uFillTx/>
+              </a:defRPr>
+            </a:pPr>
+            <a:r>
+              <a:rPr lang="en-US" sz="3000" b="1" dirty="0">
+                <a:uFill>
+                  <a:solidFill>
+                    <a:srgbClr val="FFFFFF"/>
+                  </a:solidFill>
+                </a:uFill>
+                <a:latin typeface="Arial Unicode MS" panose="020B0604020202020204" pitchFamily="34" charset="-128"/>
+              </a:rPr>
+              <a:t>CASE, alternatives</a:t>
+            </a:r>
+            <a:endParaRPr sz="3000" b="1" dirty="0">
+              <a:uFill>
+                <a:solidFill>
+                  <a:srgbClr val="FFFFFF"/>
+                </a:solidFill>
+              </a:uFill>
+              <a:latin typeface="Arial Unicode MS" panose="020B0604020202020204" pitchFamily="34" charset="-128"/>
+            </a:endParaRPr>
+          </a:p>
+        </p:txBody>
+      </p:sp>
+      <p:sp>
+        <p:nvSpPr>
+          <p:cNvPr id="190" name="Shape 190"/>
+          <p:cNvSpPr/>
+          <p:nvPr/>
+        </p:nvSpPr>
+        <p:spPr>
+          <a:xfrm>
+            <a:off x="469900" y="1324179"/>
+            <a:ext cx="8204200" cy="307777"/>
+          </a:xfrm>
+          <a:prstGeom prst="rect">
+            <a:avLst/>
+          </a:prstGeom>
+          <a:ln w="12700">
+            <a:miter lim="400000"/>
+          </a:ln>
+          <a:extLst>
+            <a:ext uri="{C572A759-6A51-4108-AA02-DFA0A04FC94B}">
+              <ma14:wrappingTextBoxFlag xmlns:ma14="http://schemas.microsoft.com/office/mac/drawingml/2011/main" xmlns="" val="1"/>
+            </a:ext>
+          </a:extLst>
+        </p:spPr>
+        <p:txBody>
+          <a:bodyPr lIns="0" tIns="0" rIns="0" bIns="0">
+            <a:spAutoFit/>
+          </a:bodyPr>
+          <a:lstStyle/>
+          <a:p>
+            <a:pPr lvl="0">
+              <a:spcBef>
+                <a:spcPts val="700"/>
+              </a:spcBef>
+              <a:buSzPct val="100000"/>
+              <a:defRPr sz="1800">
+                <a:solidFill>
+                  <a:srgbClr val="000000"/>
+                </a:solidFill>
+                <a:uFillTx/>
+              </a:defRPr>
+            </a:pPr>
+            <a:endParaRPr sz="2000" dirty="0">
+              <a:uFill>
+                <a:solidFill/>
+              </a:uFill>
+              <a:latin typeface="Arial Unicode MS" panose="020B0604020202020204" pitchFamily="34" charset="-128"/>
+              <a:ea typeface="Arial Unicode MS" panose="020B0604020202020204" pitchFamily="34" charset="-128"/>
+              <a:cs typeface="Arial Unicode MS" panose="020B0604020202020204" pitchFamily="34" charset="-128"/>
+              <a:sym typeface="Iowan Old Style Roman"/>
+            </a:endParaRPr>
+          </a:p>
+        </p:txBody>
+      </p:sp>
+      <p:sp>
+        <p:nvSpPr>
+          <p:cNvPr id="2" name="TextBox 1"/>
+          <p:cNvSpPr txBox="1"/>
+          <p:nvPr/>
+        </p:nvSpPr>
+        <p:spPr>
+          <a:xfrm>
+            <a:off x="529119" y="1376737"/>
+            <a:ext cx="7870005" cy="2031325"/>
+          </a:xfrm>
+          <a:prstGeom prst="rect">
+            <a:avLst/>
+          </a:prstGeom>
+          <a:noFill/>
+        </p:spPr>
+        <p:txBody>
+          <a:bodyPr wrap="square" rtlCol="0">
+            <a:spAutoFit/>
+          </a:bodyPr>
+          <a:lstStyle/>
+          <a:p>
+            <a:r>
+              <a:rPr lang="en-US" dirty="0"/>
+              <a:t>Syntax </a:t>
+            </a:r>
+          </a:p>
+          <a:p>
+            <a:endParaRPr lang="en-US" dirty="0"/>
+          </a:p>
+          <a:p>
+            <a:r>
+              <a:rPr lang="en-US" b="1" dirty="0"/>
+              <a:t>CASE value</a:t>
+            </a:r>
+          </a:p>
+          <a:p>
+            <a:r>
+              <a:rPr lang="en-US" b="1" dirty="0"/>
+              <a:t>	WHEN </a:t>
+            </a:r>
+            <a:r>
+              <a:rPr lang="en-US" b="1" i="1" dirty="0" err="1"/>
+              <a:t>compare_value</a:t>
+            </a:r>
+            <a:r>
+              <a:rPr lang="en-US" b="1" dirty="0"/>
+              <a:t> THEN </a:t>
+            </a:r>
+            <a:r>
+              <a:rPr lang="en-US" b="1" i="1" dirty="0"/>
+              <a:t>result</a:t>
+            </a:r>
+            <a:r>
+              <a:rPr lang="en-US" b="1" dirty="0"/>
+              <a:t> </a:t>
+            </a:r>
+          </a:p>
+          <a:p>
+            <a:r>
+              <a:rPr lang="en-US" b="1" dirty="0"/>
+              <a:t>	[WHEN </a:t>
+            </a:r>
+            <a:r>
+              <a:rPr lang="en-US" b="1" i="1" dirty="0" err="1"/>
+              <a:t>compare_value</a:t>
+            </a:r>
+            <a:r>
+              <a:rPr lang="en-US" b="1" dirty="0"/>
+              <a:t> THEN </a:t>
+            </a:r>
+            <a:r>
+              <a:rPr lang="en-US" b="1" i="1" dirty="0"/>
+              <a:t>result</a:t>
+            </a:r>
+            <a:r>
+              <a:rPr lang="en-US" b="1" dirty="0"/>
+              <a:t>] ... </a:t>
+            </a:r>
+          </a:p>
+          <a:p>
+            <a:r>
+              <a:rPr lang="en-US" b="1" dirty="0"/>
+              <a:t>	[ELSE </a:t>
+            </a:r>
+            <a:r>
+              <a:rPr lang="en-US" b="1" i="1" dirty="0"/>
+              <a:t>result</a:t>
+            </a:r>
+            <a:r>
+              <a:rPr lang="en-US" b="1" dirty="0"/>
+              <a:t>] </a:t>
+            </a:r>
+          </a:p>
+          <a:p>
+            <a:r>
+              <a:rPr lang="en-US" b="1" dirty="0"/>
+              <a:t>END</a:t>
+            </a:r>
+          </a:p>
+        </p:txBody>
+      </p:sp>
+      <p:sp>
+        <p:nvSpPr>
+          <p:cNvPr id="5" name="TextBox 4">
+            <a:extLst>
+              <a:ext uri="{FF2B5EF4-FFF2-40B4-BE49-F238E27FC236}">
+                <a16:creationId xmlns:a16="http://schemas.microsoft.com/office/drawing/2014/main" id="{4D386248-2CE1-40E5-A7F3-AB625F7D29C7}"/>
+              </a:ext>
+            </a:extLst>
+          </p:cNvPr>
+          <p:cNvSpPr txBox="1"/>
+          <p:nvPr/>
+        </p:nvSpPr>
+        <p:spPr>
+          <a:xfrm>
+            <a:off x="432137" y="3763182"/>
+            <a:ext cx="8241963" cy="2862322"/>
+          </a:xfrm>
+          <a:prstGeom prst="rect">
+            <a:avLst/>
+          </a:prstGeom>
+          <a:noFill/>
+        </p:spPr>
+        <p:txBody>
+          <a:bodyPr wrap="square" rtlCol="0">
+            <a:spAutoFit/>
+          </a:bodyPr>
+          <a:lstStyle/>
+          <a:p>
+            <a:r>
+              <a:rPr lang="en-US" dirty="0"/>
+              <a:t>Example: Is the student at Stern or not?</a:t>
+            </a:r>
+          </a:p>
+          <a:p>
+            <a:endParaRPr lang="en-US" dirty="0"/>
+          </a:p>
+          <a:p>
+            <a:r>
+              <a:rPr lang="en-US" dirty="0"/>
+              <a:t>SELECT 	</a:t>
+            </a:r>
+            <a:r>
+              <a:rPr lang="en-US" dirty="0" err="1"/>
+              <a:t>P.ProfileID</a:t>
+            </a:r>
+            <a:r>
+              <a:rPr lang="en-US" dirty="0"/>
+              <a:t>, </a:t>
+            </a:r>
+            <a:r>
+              <a:rPr lang="en-US" dirty="0" err="1"/>
+              <a:t>P.Name</a:t>
+            </a:r>
+            <a:r>
+              <a:rPr lang="en-US" dirty="0"/>
+              <a:t>, </a:t>
+            </a:r>
+            <a:r>
+              <a:rPr lang="en-US" dirty="0" err="1"/>
+              <a:t>P.Sex</a:t>
+            </a:r>
+            <a:r>
+              <a:rPr lang="en-US" dirty="0"/>
+              <a:t>, </a:t>
+            </a:r>
+            <a:r>
+              <a:rPr lang="en-US" dirty="0" err="1"/>
+              <a:t>C.Concentration</a:t>
+            </a:r>
+            <a:r>
+              <a:rPr lang="en-US" dirty="0"/>
+              <a:t>,		</a:t>
+            </a:r>
+          </a:p>
+          <a:p>
+            <a:r>
+              <a:rPr lang="en-US" dirty="0"/>
+              <a:t>	</a:t>
+            </a:r>
+            <a:r>
+              <a:rPr lang="en-US" b="1" dirty="0"/>
+              <a:t>CASE </a:t>
+            </a:r>
+            <a:r>
+              <a:rPr lang="en-US" b="1" dirty="0" err="1"/>
+              <a:t>C.Concentration</a:t>
+            </a:r>
+            <a:r>
+              <a:rPr lang="en-US" b="1" dirty="0"/>
+              <a:t> 			</a:t>
+            </a:r>
+          </a:p>
+          <a:p>
+            <a:r>
+              <a:rPr lang="en-US" b="1" dirty="0"/>
+              <a:t>	WHEN 'Finance' THEN '</a:t>
+            </a:r>
+            <a:r>
+              <a:rPr lang="en-US" b="1" dirty="0" err="1"/>
+              <a:t>Sternie</a:t>
+            </a:r>
+            <a:r>
+              <a:rPr lang="en-US" b="1" dirty="0"/>
+              <a:t>’	</a:t>
+            </a:r>
+          </a:p>
+          <a:p>
+            <a:r>
+              <a:rPr lang="en-US" b="1" dirty="0"/>
+              <a:t>	WHEN 'Accounting' THEN '</a:t>
+            </a:r>
+            <a:r>
+              <a:rPr lang="en-US" b="1" dirty="0" err="1"/>
+              <a:t>Sternie</a:t>
+            </a:r>
+            <a:r>
+              <a:rPr lang="en-US" b="1" dirty="0"/>
+              <a:t>'    </a:t>
+            </a:r>
+          </a:p>
+          <a:p>
+            <a:r>
+              <a:rPr lang="en-US" b="1" dirty="0"/>
+              <a:t>	WHEN 'Marketing' THEN '</a:t>
+            </a:r>
+            <a:r>
+              <a:rPr lang="en-US" b="1" dirty="0" err="1"/>
+              <a:t>Sternie</a:t>
+            </a:r>
+            <a:r>
+              <a:rPr lang="en-US" b="1" dirty="0"/>
+              <a:t>’	</a:t>
+            </a:r>
+          </a:p>
+          <a:p>
+            <a:r>
+              <a:rPr lang="en-US" b="1" dirty="0"/>
+              <a:t>	ELSE 'Not a </a:t>
+            </a:r>
+            <a:r>
+              <a:rPr lang="en-US" b="1" dirty="0" err="1"/>
+              <a:t>Sternie</a:t>
+            </a:r>
+            <a:r>
+              <a:rPr lang="en-US" b="1" dirty="0"/>
+              <a:t>'    	</a:t>
+            </a:r>
+          </a:p>
+          <a:p>
+            <a:r>
+              <a:rPr lang="en-US" b="1" dirty="0"/>
+              <a:t>	END AS </a:t>
+            </a:r>
+            <a:r>
+              <a:rPr lang="en-US" b="1" dirty="0" err="1"/>
+              <a:t>SternieOrNot</a:t>
+            </a:r>
+            <a:endParaRPr lang="en-US" b="1" dirty="0"/>
+          </a:p>
+          <a:p>
+            <a:r>
+              <a:rPr lang="en-US" dirty="0"/>
+              <a:t>FROM 	Profiles P JOIN Concentration C ON </a:t>
+            </a:r>
+            <a:r>
+              <a:rPr lang="en-US" dirty="0" err="1"/>
+              <a:t>C.ProfileID</a:t>
+            </a:r>
+            <a:r>
+              <a:rPr lang="en-US" dirty="0"/>
+              <a:t> = </a:t>
+            </a:r>
+            <a:r>
+              <a:rPr lang="en-US" dirty="0" err="1"/>
+              <a:t>P.ProfileID</a:t>
+            </a:r>
+            <a:endParaRPr lang="en-US" dirty="0"/>
+          </a:p>
+        </p:txBody>
+      </p:sp>
+    </p:spTree>
+    <p:extLst>
+      <p:ext uri="{BB962C8B-B14F-4D97-AF65-F5344CB8AC3E}">
+        <p14:creationId xmlns:p14="http://schemas.microsoft.com/office/powerpoint/2010/main" val="2749116236"/>
+      </p:ext>
+    </p:extLst>
+  </p:cSld>
+  <p:clrMapOvr>
+    <a:masterClrMapping/>
+  </p:clrMapOvr>
+  <p:transition spd="med"/>
+</p:sld>
+</file>
+
+<file path=ppt/slides/slide21.xml><?xml version="1.0" encoding="utf-8"?>
+<p:sld xmlns:a="http://schemas.openxmlformats.org/drawingml/2006/main" xmlns:r="http://schemas.openxmlformats.org/officeDocument/2006/relationships" xmlns:p="http://schemas.openxmlformats.org/presentationml/2006/main">
+  <p:cSld>
+    <p:spTree>
+      <p:nvGrpSpPr>
+        <p:cNvPr id="1" name=""/>
+        <p:cNvGrpSpPr/>
+        <p:nvPr/>
+      </p:nvGrpSpPr>
+      <p:grpSpPr>
+        <a:xfrm>
+          <a:off x="0" y="0"/>
+          <a:ext cx="0" cy="0"/>
+          <a:chOff x="0" y="0"/>
+          <a:chExt cx="0" cy="0"/>
+        </a:xfrm>
+      </p:grpSpPr>
+      <p:sp>
+        <p:nvSpPr>
+          <p:cNvPr id="189" name="Shape 189"/>
+          <p:cNvSpPr/>
+          <p:nvPr/>
+        </p:nvSpPr>
+        <p:spPr>
+          <a:xfrm>
+            <a:off x="386308" y="147496"/>
+            <a:ext cx="7757379" cy="553998"/>
+          </a:xfrm>
+          <a:prstGeom prst="rect">
+            <a:avLst/>
+          </a:prstGeom>
+          <a:ln w="12700">
+            <a:miter lim="400000"/>
+          </a:ln>
+          <a:extLst>
+            <a:ext uri="{C572A759-6A51-4108-AA02-DFA0A04FC94B}">
+              <ma14:wrappingTextBoxFlag xmlns:ma14="http://schemas.microsoft.com/office/mac/drawingml/2011/main" xmlns="" val="1"/>
+            </a:ext>
+          </a:extLst>
+        </p:spPr>
+        <p:txBody>
+          <a:bodyPr lIns="45719" rIns="45719">
+            <a:spAutoFit/>
+          </a:bodyPr>
+          <a:lstStyle>
+            <a:lvl1pPr>
+              <a:defRPr sz="3000" b="1">
+                <a:uFill>
+                  <a:solidFill>
+                    <a:srgbClr val="FFFFFF"/>
+                  </a:solidFill>
+                </a:uFill>
+              </a:defRPr>
+            </a:lvl1pPr>
+          </a:lstStyle>
+          <a:p>
+            <a:pPr lvl="0">
+              <a:defRPr sz="1800" b="0">
+                <a:solidFill>
+                  <a:srgbClr val="000000"/>
+                </a:solidFill>
+                <a:uFillTx/>
+              </a:defRPr>
+            </a:pPr>
+            <a:r>
+              <a:rPr lang="en-US" sz="3000" b="1" dirty="0">
+                <a:uFill>
+                  <a:solidFill>
+                    <a:srgbClr val="FFFFFF"/>
+                  </a:solidFill>
+                </a:uFill>
+                <a:latin typeface="Arial Unicode MS" panose="020B0604020202020204" pitchFamily="34" charset="-128"/>
+              </a:rPr>
+              <a:t>Practice Query</a:t>
+            </a:r>
+            <a:endParaRPr sz="3000" b="1" dirty="0">
+              <a:uFill>
+                <a:solidFill>
+                  <a:srgbClr val="FFFFFF"/>
+                </a:solidFill>
+              </a:uFill>
+              <a:latin typeface="Arial Unicode MS" panose="020B0604020202020204" pitchFamily="34" charset="-128"/>
+            </a:endParaRPr>
+          </a:p>
+        </p:txBody>
+      </p:sp>
+      <p:sp>
+        <p:nvSpPr>
+          <p:cNvPr id="190" name="Shape 190"/>
+          <p:cNvSpPr/>
+          <p:nvPr/>
+        </p:nvSpPr>
+        <p:spPr>
+          <a:xfrm>
+            <a:off x="469900" y="1324179"/>
+            <a:ext cx="8204200" cy="307777"/>
+          </a:xfrm>
+          <a:prstGeom prst="rect">
+            <a:avLst/>
+          </a:prstGeom>
+          <a:ln w="12700">
+            <a:miter lim="400000"/>
+          </a:ln>
+          <a:extLst>
+            <a:ext uri="{C572A759-6A51-4108-AA02-DFA0A04FC94B}">
+              <ma14:wrappingTextBoxFlag xmlns:ma14="http://schemas.microsoft.com/office/mac/drawingml/2011/main" xmlns="" val="1"/>
+            </a:ext>
+          </a:extLst>
+        </p:spPr>
+        <p:txBody>
+          <a:bodyPr lIns="0" tIns="0" rIns="0" bIns="0">
+            <a:spAutoFit/>
+          </a:bodyPr>
+          <a:lstStyle/>
+          <a:p>
+            <a:pPr lvl="0">
+              <a:spcBef>
+                <a:spcPts val="700"/>
+              </a:spcBef>
+              <a:buSzPct val="100000"/>
+              <a:defRPr sz="1800">
+                <a:solidFill>
+                  <a:srgbClr val="000000"/>
+                </a:solidFill>
+                <a:uFillTx/>
+              </a:defRPr>
+            </a:pPr>
+            <a:endParaRPr sz="2000" dirty="0">
+              <a:uFill>
+                <a:solidFill/>
+              </a:uFill>
+              <a:latin typeface="Arial Unicode MS" panose="020B0604020202020204" pitchFamily="34" charset="-128"/>
+              <a:ea typeface="Arial Unicode MS" panose="020B0604020202020204" pitchFamily="34" charset="-128"/>
+              <a:cs typeface="Arial Unicode MS" panose="020B0604020202020204" pitchFamily="34" charset="-128"/>
+              <a:sym typeface="Iowan Old Style Roman"/>
+            </a:endParaRPr>
+          </a:p>
+        </p:txBody>
+      </p:sp>
+      <p:sp>
+        <p:nvSpPr>
+          <p:cNvPr id="5" name="TextBox 4">
+            <a:extLst>
+              <a:ext uri="{FF2B5EF4-FFF2-40B4-BE49-F238E27FC236}">
+                <a16:creationId xmlns:a16="http://schemas.microsoft.com/office/drawing/2014/main" id="{F908DE15-B168-446F-B989-63CBCBAA3954}"/>
+              </a:ext>
+            </a:extLst>
+          </p:cNvPr>
+          <p:cNvSpPr txBox="1"/>
+          <p:nvPr/>
+        </p:nvSpPr>
+        <p:spPr>
+          <a:xfrm>
+            <a:off x="529119" y="1376737"/>
+            <a:ext cx="7870005" cy="923330"/>
+          </a:xfrm>
+          <a:prstGeom prst="rect">
+            <a:avLst/>
+          </a:prstGeom>
+          <a:noFill/>
+        </p:spPr>
+        <p:txBody>
+          <a:bodyPr wrap="square" rtlCol="0">
+            <a:spAutoFit/>
+          </a:bodyPr>
+          <a:lstStyle/>
+          <a:p>
+            <a:pPr marL="285750" indent="-285750">
+              <a:buFont typeface="Arial" panose="020B0604020202020204" pitchFamily="34" charset="0"/>
+              <a:buChar char="•"/>
+            </a:pPr>
+            <a:r>
+              <a:rPr lang="en-US" dirty="0"/>
+              <a:t>Mark the “Very Liberal” and “Liberal” students as “Left” and mark the “Conservative”, “Very Conservative”, and “Libertarian” students as “Right”</a:t>
+            </a:r>
+          </a:p>
+          <a:p>
+            <a:pPr marL="285750" indent="-285750">
+              <a:buFont typeface="Arial" panose="020B0604020202020204" pitchFamily="34" charset="0"/>
+              <a:buChar char="•"/>
+            </a:pPr>
+            <a:endParaRPr lang="en-US" dirty="0"/>
+          </a:p>
+        </p:txBody>
+      </p:sp>
+    </p:spTree>
+    <p:extLst>
+      <p:ext uri="{BB962C8B-B14F-4D97-AF65-F5344CB8AC3E}">
+        <p14:creationId xmlns:p14="http://schemas.microsoft.com/office/powerpoint/2010/main" val="3180064897"/>
+      </p:ext>
+    </p:extLst>
+  </p:cSld>
+  <p:clrMapOvr>
+    <a:masterClrMapping/>
+  </p:clrMapOvr>
+  <p:transition spd="med"/>
+</p:sld>
+</file>
+
+<file path=ppt/slides/slide22.xml><?xml version="1.0" encoding="utf-8"?>
+<p:sld xmlns:a="http://schemas.openxmlformats.org/drawingml/2006/main" xmlns:r="http://schemas.openxmlformats.org/officeDocument/2006/relationships" xmlns:p="http://schemas.openxmlformats.org/presentationml/2006/main">
+  <p:cSld>
+    <p:spTree>
+      <p:nvGrpSpPr>
+        <p:cNvPr id="1" name=""/>
+        <p:cNvGrpSpPr/>
+        <p:nvPr/>
+      </p:nvGrpSpPr>
+      <p:grpSpPr>
+        <a:xfrm>
+          <a:off x="0" y="0"/>
+          <a:ext cx="0" cy="0"/>
+          <a:chOff x="0" y="0"/>
+          <a:chExt cx="0" cy="0"/>
+        </a:xfrm>
+      </p:grpSpPr>
+      <p:sp>
+        <p:nvSpPr>
+          <p:cNvPr id="47" name="Shape 47"/>
+          <p:cNvSpPr/>
+          <p:nvPr/>
+        </p:nvSpPr>
+        <p:spPr>
+          <a:xfrm>
+            <a:off x="269666" y="1435100"/>
+            <a:ext cx="8604668" cy="646331"/>
+          </a:xfrm>
+          <a:prstGeom prst="rect">
+            <a:avLst/>
+          </a:prstGeom>
+          <a:ln w="12700">
+            <a:miter lim="400000"/>
+          </a:ln>
+          <a:extLst>
+            <a:ext uri="{C572A759-6A51-4108-AA02-DFA0A04FC94B}">
+              <ma14:wrappingTextBoxFlag xmlns:ma14="http://schemas.microsoft.com/office/mac/drawingml/2011/main" xmlns="" val="1"/>
+            </a:ext>
+          </a:extLst>
+        </p:spPr>
+        <p:txBody>
+          <a:bodyPr lIns="45719" rIns="45719">
+            <a:spAutoFit/>
+          </a:bodyPr>
+          <a:lstStyle>
+            <a:lvl1pPr algn="r">
+              <a:defRPr sz="3600">
+                <a:solidFill>
+                  <a:srgbClr val="011070"/>
+                </a:solidFill>
+              </a:defRPr>
+            </a:lvl1pPr>
+          </a:lstStyle>
+          <a:p>
+            <a:pPr lvl="0">
+              <a:defRPr sz="1800">
+                <a:solidFill>
+                  <a:srgbClr val="000000"/>
+                </a:solidFill>
+                <a:uFillTx/>
+              </a:defRPr>
+            </a:pPr>
+            <a:r>
+              <a:rPr lang="en-US" sz="3600" dirty="0">
+                <a:solidFill>
+                  <a:schemeClr val="tx1"/>
+                </a:solidFill>
+                <a:uFill>
+                  <a:solidFill/>
+                </a:uFill>
+                <a:latin typeface="Arial Unicode MS" panose="020B0604020202020204" pitchFamily="34" charset="-128"/>
+              </a:rPr>
+              <a:t>Functions</a:t>
+            </a:r>
+            <a:endParaRPr sz="3600" dirty="0">
+              <a:solidFill>
+                <a:schemeClr val="tx1"/>
+              </a:solidFill>
+              <a:uFill>
+                <a:solidFill/>
+              </a:uFill>
+              <a:latin typeface="Arial Unicode MS" panose="020B0604020202020204" pitchFamily="34" charset="-128"/>
+            </a:endParaRPr>
+          </a:p>
+        </p:txBody>
+      </p:sp>
+    </p:spTree>
+    <p:extLst>
+      <p:ext uri="{BB962C8B-B14F-4D97-AF65-F5344CB8AC3E}">
+        <p14:creationId xmlns:p14="http://schemas.microsoft.com/office/powerpoint/2010/main" val="325721407"/>
+      </p:ext>
+    </p:extLst>
+  </p:cSld>
+  <p:clrMapOvr>
+    <a:masterClrMapping/>
+  </p:clrMapOvr>
+  <p:transition spd="med"/>
+</p:sld>
+</file>
+
+<file path=ppt/slides/slide23.xml><?xml version="1.0" encoding="utf-8"?>
+<p:sld xmlns:a="http://schemas.openxmlformats.org/drawingml/2006/main" xmlns:r="http://schemas.openxmlformats.org/officeDocument/2006/relationships" xmlns:p="http://schemas.openxmlformats.org/presentationml/2006/main">
+  <p:cSld>
+    <p:spTree>
+      <p:nvGrpSpPr>
+        <p:cNvPr id="1" name=""/>
+        <p:cNvGrpSpPr/>
+        <p:nvPr/>
+      </p:nvGrpSpPr>
+      <p:grpSpPr>
+        <a:xfrm>
+          <a:off x="0" y="0"/>
+          <a:ext cx="0" cy="0"/>
+          <a:chOff x="0" y="0"/>
+          <a:chExt cx="0" cy="0"/>
+        </a:xfrm>
+      </p:grpSpPr>
+      <p:sp>
+        <p:nvSpPr>
+          <p:cNvPr id="144" name="Shape 144"/>
+          <p:cNvSpPr/>
+          <p:nvPr/>
+        </p:nvSpPr>
+        <p:spPr>
+          <a:xfrm>
+            <a:off x="386308" y="190817"/>
+            <a:ext cx="7757379" cy="553998"/>
+          </a:xfrm>
+          <a:prstGeom prst="rect">
+            <a:avLst/>
+          </a:prstGeom>
+          <a:ln w="12700">
+            <a:miter lim="400000"/>
+          </a:ln>
+          <a:extLst>
+            <a:ext uri="{C572A759-6A51-4108-AA02-DFA0A04FC94B}">
+              <ma14:wrappingTextBoxFlag xmlns:ma14="http://schemas.microsoft.com/office/mac/drawingml/2011/main" xmlns="" val="1"/>
+            </a:ext>
+          </a:extLst>
+        </p:spPr>
+        <p:txBody>
+          <a:bodyPr lIns="45719" rIns="45719">
+            <a:spAutoFit/>
+          </a:bodyPr>
+          <a:lstStyle>
+            <a:lvl1pPr>
+              <a:defRPr sz="3000" b="1">
+                <a:uFill>
+                  <a:solidFill>
+                    <a:srgbClr val="FFFFFF"/>
+                  </a:solidFill>
+                </a:uFill>
+              </a:defRPr>
+            </a:lvl1pPr>
+          </a:lstStyle>
+          <a:p>
+            <a:pPr lvl="0">
+              <a:defRPr sz="1800" b="0">
+                <a:solidFill>
+                  <a:srgbClr val="000000"/>
+                </a:solidFill>
+                <a:uFillTx/>
+              </a:defRPr>
+            </a:pPr>
+            <a:r>
+              <a:rPr sz="3000" b="1" dirty="0">
+                <a:uFill>
+                  <a:solidFill>
+                    <a:srgbClr val="FFFFFF"/>
+                  </a:solidFill>
+                </a:uFill>
+                <a:latin typeface="Arial Unicode MS" panose="020B0604020202020204" pitchFamily="34" charset="-128"/>
+              </a:rPr>
+              <a:t>Aggregation </a:t>
+            </a:r>
+            <a:r>
+              <a:rPr lang="en-US" sz="3000" b="1" dirty="0">
+                <a:uFill>
+                  <a:solidFill>
+                    <a:srgbClr val="FFFFFF"/>
+                  </a:solidFill>
+                </a:uFill>
+                <a:latin typeface="Arial Unicode MS" panose="020B0604020202020204" pitchFamily="34" charset="-128"/>
+              </a:rPr>
+              <a:t>vs ‘regular’ functions</a:t>
+            </a:r>
+            <a:endParaRPr sz="3000" b="1" dirty="0">
+              <a:uFill>
+                <a:solidFill>
+                  <a:srgbClr val="FFFFFF"/>
+                </a:solidFill>
+              </a:uFill>
+              <a:latin typeface="Arial Unicode MS" panose="020B0604020202020204" pitchFamily="34" charset="-128"/>
+            </a:endParaRPr>
+          </a:p>
+        </p:txBody>
+      </p:sp>
+      <p:sp>
+        <p:nvSpPr>
+          <p:cNvPr id="145" name="Shape 145"/>
+          <p:cNvSpPr/>
+          <p:nvPr/>
+        </p:nvSpPr>
+        <p:spPr>
+          <a:xfrm>
+            <a:off x="723900" y="1536700"/>
+            <a:ext cx="8204200" cy="307777"/>
+          </a:xfrm>
+          <a:prstGeom prst="rect">
+            <a:avLst/>
+          </a:prstGeom>
+          <a:ln w="12700">
+            <a:miter lim="400000"/>
+          </a:ln>
+          <a:extLst>
+            <a:ext uri="{C572A759-6A51-4108-AA02-DFA0A04FC94B}">
+              <ma14:wrappingTextBoxFlag xmlns:ma14="http://schemas.microsoft.com/office/mac/drawingml/2011/main" xmlns="" val="1"/>
+            </a:ext>
+          </a:extLst>
+        </p:spPr>
+        <p:txBody>
+          <a:bodyPr lIns="0" tIns="0" rIns="0" bIns="0">
+            <a:spAutoFit/>
+          </a:bodyPr>
+          <a:lstStyle/>
+          <a:p>
+            <a:pPr lvl="8">
+              <a:spcBef>
+                <a:spcPts val="700"/>
+              </a:spcBef>
+              <a:buSzPct val="100000"/>
+              <a:defRPr sz="1800">
+                <a:solidFill>
+                  <a:srgbClr val="000000"/>
+                </a:solidFill>
+                <a:uFillTx/>
+              </a:defRPr>
+            </a:pPr>
+            <a:endParaRPr sz="2000" dirty="0">
+              <a:uFill>
+                <a:solidFill/>
+              </a:uFill>
+              <a:latin typeface="Arial Unicode MS" panose="020B0604020202020204" pitchFamily="34" charset="-128"/>
+              <a:ea typeface="Arial Unicode MS" panose="020B0604020202020204" pitchFamily="34" charset="-128"/>
+              <a:cs typeface="Arial Unicode MS" panose="020B0604020202020204" pitchFamily="34" charset="-128"/>
+              <a:sym typeface="Iowan Old Style Roman"/>
+            </a:endParaRPr>
+          </a:p>
+        </p:txBody>
+      </p:sp>
+      <p:sp>
+        <p:nvSpPr>
+          <p:cNvPr id="4" name="Shape 148"/>
+          <p:cNvSpPr/>
+          <p:nvPr/>
+        </p:nvSpPr>
+        <p:spPr>
+          <a:xfrm>
+            <a:off x="386308" y="1179368"/>
+            <a:ext cx="8700537" cy="5755422"/>
+          </a:xfrm>
+          <a:prstGeom prst="rect">
+            <a:avLst/>
+          </a:prstGeom>
+          <a:ln w="12700">
+            <a:miter lim="400000"/>
+          </a:ln>
+          <a:extLst>
+            <a:ext uri="{C572A759-6A51-4108-AA02-DFA0A04FC94B}">
+              <ma14:wrappingTextBoxFlag xmlns:ma14="http://schemas.microsoft.com/office/mac/drawingml/2011/main" xmlns="" val="1"/>
+            </a:ext>
+          </a:extLst>
+        </p:spPr>
+        <p:txBody>
+          <a:bodyPr wrap="square" lIns="45719" rIns="45719">
+            <a:spAutoFit/>
+          </a:bodyPr>
+          <a:lstStyle>
+            <a:lvl1pPr algn="r">
+              <a:defRPr sz="2400">
+                <a:solidFill>
+                  <a:srgbClr val="011173"/>
+                </a:solidFill>
+                <a:latin typeface="Iowan Old Style Roman"/>
+                <a:ea typeface="Iowan Old Style Roman"/>
+                <a:cs typeface="Iowan Old Style Roman"/>
+                <a:sym typeface="Iowan Old Style Roman"/>
+              </a:defRPr>
+            </a:lvl1pPr>
+          </a:lstStyle>
+          <a:p>
+            <a:pPr lvl="0" algn="l">
+              <a:defRPr sz="1800">
+                <a:solidFill>
+                  <a:srgbClr val="000000"/>
+                </a:solidFill>
+                <a:uFillTx/>
+              </a:defRPr>
+            </a:pPr>
+            <a:r>
+              <a:rPr lang="en-US" sz="2000" dirty="0">
+                <a:solidFill>
+                  <a:schemeClr val="tx1"/>
+                </a:solidFill>
+                <a:uFill>
+                  <a:solidFill/>
+                </a:uFill>
+                <a:latin typeface="Arial Unicode MS" panose="020B0604020202020204" pitchFamily="34" charset="-128"/>
+                <a:ea typeface="Arial Unicode MS" panose="020B0604020202020204" pitchFamily="34" charset="-128"/>
+                <a:cs typeface="Arial Unicode MS" panose="020B0604020202020204" pitchFamily="34" charset="-128"/>
+              </a:rPr>
+              <a:t>SQL also has functions that apply on the attribute level</a:t>
+            </a:r>
+          </a:p>
+          <a:p>
+            <a:pPr lvl="0" algn="l">
+              <a:defRPr sz="1800">
+                <a:solidFill>
+                  <a:srgbClr val="000000"/>
+                </a:solidFill>
+                <a:uFillTx/>
+              </a:defRPr>
+            </a:pPr>
+            <a:endParaRPr lang="en-US" sz="2000" dirty="0">
+              <a:solidFill>
+                <a:schemeClr val="tx1"/>
+              </a:solidFill>
+              <a:uFill>
+                <a:solidFill/>
+              </a:uFill>
+              <a:latin typeface="Arial Unicode MS" panose="020B0604020202020204" pitchFamily="34" charset="-128"/>
+              <a:ea typeface="Arial Unicode MS" panose="020B0604020202020204" pitchFamily="34" charset="-128"/>
+              <a:cs typeface="Arial Unicode MS" panose="020B0604020202020204" pitchFamily="34" charset="-128"/>
+            </a:endParaRPr>
+          </a:p>
+          <a:p>
+            <a:pPr lvl="0" algn="l">
+              <a:defRPr sz="1800">
+                <a:solidFill>
+                  <a:srgbClr val="000000"/>
+                </a:solidFill>
+                <a:uFillTx/>
+              </a:defRPr>
+            </a:pPr>
+            <a:endParaRPr lang="en-US" sz="2000" dirty="0">
+              <a:solidFill>
+                <a:schemeClr val="tx1"/>
+              </a:solidFill>
+              <a:uFill>
+                <a:solidFill/>
+              </a:uFill>
+              <a:latin typeface="Arial Unicode MS" panose="020B0604020202020204" pitchFamily="34" charset="-128"/>
+              <a:ea typeface="Arial Unicode MS" panose="020B0604020202020204" pitchFamily="34" charset="-128"/>
+              <a:cs typeface="Arial Unicode MS" panose="020B0604020202020204" pitchFamily="34" charset="-128"/>
+            </a:endParaRPr>
+          </a:p>
+          <a:p>
+            <a:pPr lvl="0" algn="l">
+              <a:defRPr sz="1800">
+                <a:solidFill>
+                  <a:srgbClr val="000000"/>
+                </a:solidFill>
+                <a:uFillTx/>
+              </a:defRPr>
+            </a:pPr>
+            <a:r>
+              <a:rPr lang="en-US" sz="2000" dirty="0">
+                <a:solidFill>
+                  <a:schemeClr val="tx1"/>
+                </a:solidFill>
+                <a:uFill>
+                  <a:solidFill/>
+                </a:uFill>
+                <a:latin typeface="Arial Unicode MS" panose="020B0604020202020204" pitchFamily="34" charset="-128"/>
+                <a:ea typeface="Arial Unicode MS" panose="020B0604020202020204" pitchFamily="34" charset="-128"/>
+                <a:cs typeface="Arial Unicode MS" panose="020B0604020202020204" pitchFamily="34" charset="-128"/>
+              </a:rPr>
+              <a:t>Date functions</a:t>
+            </a:r>
+          </a:p>
+          <a:p>
+            <a:pPr marL="800100" lvl="1" indent="-342900">
+              <a:buFont typeface="Arial" panose="020B0604020202020204" pitchFamily="34" charset="0"/>
+              <a:buChar char="•"/>
+              <a:defRPr sz="1800">
+                <a:solidFill>
+                  <a:srgbClr val="000000"/>
+                </a:solidFill>
+                <a:uFillTx/>
+              </a:defRPr>
+            </a:pPr>
+            <a:r>
+              <a:rPr lang="en-US" sz="1400" dirty="0">
+                <a:uFill>
+                  <a:solidFill/>
+                </a:uFill>
+                <a:latin typeface="Arial Unicode MS" panose="020B0604020202020204" pitchFamily="34" charset="-128"/>
+                <a:ea typeface="Arial Unicode MS" panose="020B0604020202020204" pitchFamily="34" charset="-128"/>
+                <a:cs typeface="Arial Unicode MS" panose="020B0604020202020204" pitchFamily="34" charset="-128"/>
+              </a:rPr>
+              <a:t>YEAR(), MONTH(), DAY(), MONTHNAME(), DAYNAME()….</a:t>
+            </a:r>
+          </a:p>
+          <a:p>
+            <a:pPr marL="800100" lvl="1" indent="-342900">
+              <a:buFont typeface="Arial" panose="020B0604020202020204" pitchFamily="34" charset="0"/>
+              <a:buChar char="•"/>
+              <a:defRPr sz="1800">
+                <a:solidFill>
+                  <a:srgbClr val="000000"/>
+                </a:solidFill>
+                <a:uFillTx/>
+              </a:defRPr>
+            </a:pPr>
+            <a:r>
+              <a:rPr lang="en-US" sz="1400" dirty="0">
+                <a:uFill>
+                  <a:solidFill/>
+                </a:uFill>
+                <a:latin typeface="Arial Unicode MS" panose="020B0604020202020204" pitchFamily="34" charset="-128"/>
+                <a:ea typeface="Arial Unicode MS" panose="020B0604020202020204" pitchFamily="34" charset="-128"/>
+                <a:cs typeface="Arial Unicode MS" panose="020B0604020202020204" pitchFamily="34" charset="-128"/>
+              </a:rPr>
+              <a:t>CURRENT_DATE()</a:t>
+            </a:r>
+            <a:endParaRPr lang="en-US" sz="1400" dirty="0">
+              <a:solidFill>
+                <a:schemeClr val="tx1"/>
+              </a:solidFill>
+              <a:uFill>
+                <a:solidFill/>
+              </a:uFill>
+              <a:latin typeface="Arial Unicode MS" panose="020B0604020202020204" pitchFamily="34" charset="-128"/>
+              <a:ea typeface="Arial Unicode MS" panose="020B0604020202020204" pitchFamily="34" charset="-128"/>
+              <a:cs typeface="Arial Unicode MS" panose="020B0604020202020204" pitchFamily="34" charset="-128"/>
+            </a:endParaRPr>
+          </a:p>
+          <a:p>
+            <a:pPr algn="l">
+              <a:defRPr sz="1800">
+                <a:solidFill>
+                  <a:srgbClr val="000000"/>
+                </a:solidFill>
+                <a:uFillTx/>
+              </a:defRPr>
+            </a:pPr>
+            <a:endParaRPr lang="en-US" sz="2000" dirty="0">
+              <a:solidFill>
+                <a:schemeClr val="tx1"/>
+              </a:solidFill>
+              <a:uFill>
+                <a:solidFill/>
+              </a:uFill>
+              <a:latin typeface="Arial Unicode MS" panose="020B0604020202020204" pitchFamily="34" charset="-128"/>
+              <a:ea typeface="Arial Unicode MS" panose="020B0604020202020204" pitchFamily="34" charset="-128"/>
+              <a:cs typeface="Arial Unicode MS" panose="020B0604020202020204" pitchFamily="34" charset="-128"/>
+            </a:endParaRPr>
+          </a:p>
+          <a:p>
+            <a:pPr algn="l">
+              <a:defRPr sz="1800">
+                <a:solidFill>
+                  <a:srgbClr val="000000"/>
+                </a:solidFill>
+                <a:uFillTx/>
+              </a:defRPr>
+            </a:pPr>
+            <a:r>
+              <a:rPr lang="en-US" sz="2000" dirty="0">
+                <a:solidFill>
+                  <a:schemeClr val="tx1"/>
+                </a:solidFill>
+                <a:uFill>
+                  <a:solidFill/>
+                </a:uFill>
+                <a:latin typeface="Arial Unicode MS" panose="020B0604020202020204" pitchFamily="34" charset="-128"/>
+                <a:ea typeface="Arial Unicode MS" panose="020B0604020202020204" pitchFamily="34" charset="-128"/>
+                <a:cs typeface="Arial Unicode MS" panose="020B0604020202020204" pitchFamily="34" charset="-128"/>
+              </a:rPr>
+              <a:t>Math functions</a:t>
+            </a:r>
+          </a:p>
+          <a:p>
+            <a:pPr marL="342900" indent="-342900" algn="l">
+              <a:buFont typeface="Arial" panose="020B0604020202020204" pitchFamily="34" charset="0"/>
+              <a:buChar char="•"/>
+              <a:defRPr sz="1800">
+                <a:solidFill>
+                  <a:srgbClr val="000000"/>
+                </a:solidFill>
+                <a:uFillTx/>
+              </a:defRPr>
+            </a:pPr>
+            <a:r>
+              <a:rPr lang="en-US" sz="2000" dirty="0">
+                <a:solidFill>
+                  <a:schemeClr val="tx1"/>
+                </a:solidFill>
+                <a:uFill>
+                  <a:solidFill/>
+                </a:uFill>
+                <a:latin typeface="Arial Unicode MS" panose="020B0604020202020204" pitchFamily="34" charset="-128"/>
+                <a:ea typeface="Arial Unicode MS" panose="020B0604020202020204" pitchFamily="34" charset="-128"/>
+                <a:cs typeface="Arial Unicode MS" panose="020B0604020202020204" pitchFamily="34" charset="-128"/>
+              </a:rPr>
+              <a:t>ROUND(), CEIL(), FLOOR()</a:t>
+            </a:r>
+          </a:p>
+          <a:p>
+            <a:pPr marL="342900" indent="-342900" algn="l">
+              <a:buFont typeface="Arial" panose="020B0604020202020204" pitchFamily="34" charset="0"/>
+              <a:buChar char="•"/>
+              <a:defRPr sz="1800">
+                <a:solidFill>
+                  <a:srgbClr val="000000"/>
+                </a:solidFill>
+                <a:uFillTx/>
+              </a:defRPr>
+            </a:pPr>
+            <a:r>
+              <a:rPr lang="en-US" sz="2000" dirty="0">
+                <a:solidFill>
+                  <a:schemeClr val="tx1"/>
+                </a:solidFill>
+                <a:uFill>
+                  <a:solidFill/>
+                </a:uFill>
+                <a:latin typeface="Arial Unicode MS" panose="020B0604020202020204" pitchFamily="34" charset="-128"/>
+                <a:ea typeface="Arial Unicode MS" panose="020B0604020202020204" pitchFamily="34" charset="-128"/>
+                <a:cs typeface="Arial Unicode MS" panose="020B0604020202020204" pitchFamily="34" charset="-128"/>
+              </a:rPr>
+              <a:t>EXP(), LN(), LOG2(), LOG10()…</a:t>
+            </a:r>
+          </a:p>
+          <a:p>
+            <a:pPr marL="342900" indent="-342900" algn="l">
+              <a:buFont typeface="Arial" panose="020B0604020202020204" pitchFamily="34" charset="0"/>
+              <a:buChar char="•"/>
+              <a:defRPr sz="1800">
+                <a:solidFill>
+                  <a:srgbClr val="000000"/>
+                </a:solidFill>
+                <a:uFillTx/>
+              </a:defRPr>
+            </a:pPr>
+            <a:r>
+              <a:rPr lang="en-US" sz="2000" dirty="0">
+                <a:solidFill>
+                  <a:schemeClr val="tx1"/>
+                </a:solidFill>
+                <a:uFill>
+                  <a:solidFill/>
+                </a:uFill>
+                <a:latin typeface="Arial Unicode MS" panose="020B0604020202020204" pitchFamily="34" charset="-128"/>
+                <a:ea typeface="Arial Unicode MS" panose="020B0604020202020204" pitchFamily="34" charset="-128"/>
+                <a:cs typeface="Arial Unicode MS" panose="020B0604020202020204" pitchFamily="34" charset="-128"/>
+              </a:rPr>
+              <a:t>POWER(), SQRT(),….</a:t>
+            </a:r>
+          </a:p>
+          <a:p>
+            <a:pPr marL="342900" indent="-342900" algn="l">
+              <a:buFont typeface="Arial" panose="020B0604020202020204" pitchFamily="34" charset="0"/>
+              <a:buChar char="•"/>
+              <a:defRPr sz="1800">
+                <a:solidFill>
+                  <a:srgbClr val="000000"/>
+                </a:solidFill>
+                <a:uFillTx/>
+              </a:defRPr>
+            </a:pPr>
+            <a:endParaRPr lang="en-US" sz="2000" dirty="0">
+              <a:solidFill>
+                <a:schemeClr val="tx1"/>
+              </a:solidFill>
+              <a:uFill>
+                <a:solidFill/>
+              </a:uFill>
+              <a:latin typeface="Arial Unicode MS" panose="020B0604020202020204" pitchFamily="34" charset="-128"/>
+              <a:ea typeface="Arial Unicode MS" panose="020B0604020202020204" pitchFamily="34" charset="-128"/>
+              <a:cs typeface="Arial Unicode MS" panose="020B0604020202020204" pitchFamily="34" charset="-128"/>
+            </a:endParaRPr>
+          </a:p>
+          <a:p>
+            <a:pPr algn="l">
+              <a:defRPr sz="1800">
+                <a:solidFill>
+                  <a:srgbClr val="000000"/>
+                </a:solidFill>
+                <a:uFillTx/>
+              </a:defRPr>
+            </a:pPr>
+            <a:r>
+              <a:rPr lang="en-US" sz="2000" dirty="0">
+                <a:solidFill>
+                  <a:schemeClr val="tx1"/>
+                </a:solidFill>
+                <a:uFill>
+                  <a:solidFill/>
+                </a:uFill>
+                <a:latin typeface="Arial Unicode MS" panose="020B0604020202020204" pitchFamily="34" charset="-128"/>
+                <a:ea typeface="Arial Unicode MS" panose="020B0604020202020204" pitchFamily="34" charset="-128"/>
+                <a:cs typeface="Arial Unicode MS" panose="020B0604020202020204" pitchFamily="34" charset="-128"/>
+              </a:rPr>
+              <a:t>String functions</a:t>
+            </a:r>
+          </a:p>
+          <a:p>
+            <a:pPr marL="342900" indent="-342900" algn="l">
+              <a:buFont typeface="Arial" panose="020B0604020202020204" pitchFamily="34" charset="0"/>
+              <a:buChar char="•"/>
+              <a:defRPr sz="1800">
+                <a:solidFill>
+                  <a:srgbClr val="000000"/>
+                </a:solidFill>
+                <a:uFillTx/>
+              </a:defRPr>
+            </a:pPr>
+            <a:r>
+              <a:rPr lang="en-US" sz="2000" dirty="0">
+                <a:solidFill>
+                  <a:schemeClr val="tx1"/>
+                </a:solidFill>
+                <a:uFill>
+                  <a:solidFill/>
+                </a:uFill>
+                <a:latin typeface="Arial Unicode MS" panose="020B0604020202020204" pitchFamily="34" charset="-128"/>
+                <a:ea typeface="Arial Unicode MS" panose="020B0604020202020204" pitchFamily="34" charset="-128"/>
+                <a:cs typeface="Arial Unicode MS" panose="020B0604020202020204" pitchFamily="34" charset="-128"/>
+              </a:rPr>
+              <a:t>UPPER, LOWER</a:t>
+            </a:r>
+          </a:p>
+          <a:p>
+            <a:pPr marL="342900" indent="-342900" algn="l">
+              <a:buFont typeface="Arial" panose="020B0604020202020204" pitchFamily="34" charset="0"/>
+              <a:buChar char="•"/>
+              <a:defRPr sz="1800">
+                <a:solidFill>
+                  <a:srgbClr val="000000"/>
+                </a:solidFill>
+                <a:uFillTx/>
+              </a:defRPr>
+            </a:pPr>
+            <a:r>
+              <a:rPr lang="en-US" sz="2000" dirty="0">
+                <a:solidFill>
+                  <a:schemeClr val="tx1"/>
+                </a:solidFill>
+                <a:uFill>
+                  <a:solidFill/>
+                </a:uFill>
+                <a:latin typeface="Arial Unicode MS" panose="020B0604020202020204" pitchFamily="34" charset="-128"/>
+                <a:ea typeface="Arial Unicode MS" panose="020B0604020202020204" pitchFamily="34" charset="-128"/>
+                <a:cs typeface="Arial Unicode MS" panose="020B0604020202020204" pitchFamily="34" charset="-128"/>
+              </a:rPr>
+              <a:t>TRIM, LTRIM, RTRIM, SUBSTRING</a:t>
+            </a:r>
+          </a:p>
+          <a:p>
+            <a:pPr marL="342900" indent="-342900" algn="l">
+              <a:buFont typeface="Arial" panose="020B0604020202020204" pitchFamily="34" charset="0"/>
+              <a:buChar char="•"/>
+              <a:defRPr sz="1800">
+                <a:solidFill>
+                  <a:srgbClr val="000000"/>
+                </a:solidFill>
+                <a:uFillTx/>
+              </a:defRPr>
+            </a:pPr>
+            <a:r>
+              <a:rPr lang="en-US" sz="2000" dirty="0">
+                <a:solidFill>
+                  <a:schemeClr val="tx1"/>
+                </a:solidFill>
+                <a:uFill>
+                  <a:solidFill/>
+                </a:uFill>
+                <a:latin typeface="Arial Unicode MS" panose="020B0604020202020204" pitchFamily="34" charset="-128"/>
+                <a:ea typeface="Arial Unicode MS" panose="020B0604020202020204" pitchFamily="34" charset="-128"/>
+                <a:cs typeface="Arial Unicode MS" panose="020B0604020202020204" pitchFamily="34" charset="-128"/>
+              </a:rPr>
+              <a:t>CONCAT</a:t>
+            </a:r>
+          </a:p>
+          <a:p>
+            <a:pPr marL="342900" indent="-342900" algn="l">
+              <a:buFont typeface="Arial" panose="020B0604020202020204" pitchFamily="34" charset="0"/>
+              <a:buChar char="•"/>
+              <a:defRPr sz="1800">
+                <a:solidFill>
+                  <a:srgbClr val="000000"/>
+                </a:solidFill>
+                <a:uFillTx/>
+              </a:defRPr>
+            </a:pPr>
+            <a:endParaRPr lang="en-US" sz="2000" dirty="0">
+              <a:solidFill>
+                <a:schemeClr val="tx1"/>
+              </a:solidFill>
+              <a:uFill>
+                <a:solidFill/>
+              </a:uFill>
+              <a:latin typeface="Arial Unicode MS" panose="020B0604020202020204" pitchFamily="34" charset="-128"/>
+              <a:ea typeface="Arial Unicode MS" panose="020B0604020202020204" pitchFamily="34" charset="-128"/>
+              <a:cs typeface="Arial Unicode MS" panose="020B0604020202020204" pitchFamily="34" charset="-128"/>
+            </a:endParaRPr>
+          </a:p>
+          <a:p>
+            <a:pPr algn="l">
+              <a:defRPr sz="1800">
+                <a:solidFill>
+                  <a:srgbClr val="000000"/>
+                </a:solidFill>
+                <a:uFillTx/>
+              </a:defRPr>
+            </a:pPr>
+            <a:r>
+              <a:rPr lang="en-US" sz="2000" dirty="0">
+                <a:solidFill>
+                  <a:schemeClr val="tx1"/>
+                </a:solidFill>
+                <a:uFill>
+                  <a:solidFill/>
+                </a:uFill>
+                <a:latin typeface="Arial Unicode MS" panose="020B0604020202020204" pitchFamily="34" charset="-128"/>
+                <a:ea typeface="Arial Unicode MS" panose="020B0604020202020204" pitchFamily="34" charset="-128"/>
+                <a:cs typeface="Arial Unicode MS" panose="020B0604020202020204" pitchFamily="34" charset="-128"/>
+              </a:rPr>
+              <a:t>NULL</a:t>
+            </a:r>
+          </a:p>
+          <a:p>
+            <a:pPr marL="342900" indent="-342900" algn="l">
+              <a:buFont typeface="Arial" panose="020B0604020202020204" pitchFamily="34" charset="0"/>
+              <a:buChar char="•"/>
+              <a:defRPr sz="1800">
+                <a:solidFill>
+                  <a:srgbClr val="000000"/>
+                </a:solidFill>
+                <a:uFillTx/>
+              </a:defRPr>
+            </a:pPr>
+            <a:r>
+              <a:rPr lang="en-US" sz="2000" dirty="0">
+                <a:solidFill>
+                  <a:schemeClr val="tx1"/>
+                </a:solidFill>
+                <a:uFill>
+                  <a:solidFill/>
+                </a:uFill>
+                <a:latin typeface="Arial Unicode MS" panose="020B0604020202020204" pitchFamily="34" charset="-128"/>
+                <a:ea typeface="Arial Unicode MS" panose="020B0604020202020204" pitchFamily="34" charset="-128"/>
+                <a:cs typeface="Arial Unicode MS" panose="020B0604020202020204" pitchFamily="34" charset="-128"/>
+              </a:rPr>
+              <a:t>CASE, IF, COALESCE, IFNULL, </a:t>
+            </a:r>
+          </a:p>
+        </p:txBody>
+      </p:sp>
+    </p:spTree>
+    <p:extLst>
+      <p:ext uri="{BB962C8B-B14F-4D97-AF65-F5344CB8AC3E}">
+        <p14:creationId xmlns:p14="http://schemas.microsoft.com/office/powerpoint/2010/main" val="2330915511"/>
+      </p:ext>
+    </p:extLst>
+  </p:cSld>
+  <p:clrMapOvr>
+    <a:masterClrMapping/>
+  </p:clrMapOvr>
+  <p:transition spd="med"/>
+</p:sld>
+</file>
+
+<file path=ppt/slides/slide24.xml><?xml version="1.0" encoding="utf-8"?>
+<p:sld xmlns:a="http://schemas.openxmlformats.org/drawingml/2006/main" xmlns:r="http://schemas.openxmlformats.org/officeDocument/2006/relationships" xmlns:p="http://schemas.openxmlformats.org/presentationml/2006/main">
+  <p:cSld>
+    <p:spTree>
+      <p:nvGrpSpPr>
+        <p:cNvPr id="1" name=""/>
+        <p:cNvGrpSpPr/>
+        <p:nvPr/>
+      </p:nvGrpSpPr>
+      <p:grpSpPr>
+        <a:xfrm>
+          <a:off x="0" y="0"/>
+          <a:ext cx="0" cy="0"/>
+          <a:chOff x="0" y="0"/>
+          <a:chExt cx="0" cy="0"/>
+        </a:xfrm>
+      </p:grpSpPr>
+      <p:sp>
+        <p:nvSpPr>
+          <p:cNvPr id="2" name="Rectangle 1">
+            <a:extLst>
+              <a:ext uri="{FF2B5EF4-FFF2-40B4-BE49-F238E27FC236}">
+                <a16:creationId xmlns:a16="http://schemas.microsoft.com/office/drawing/2014/main" id="{7148B51A-A7D0-4EB3-97C5-23CDCE187BB7}"/>
+              </a:ext>
+            </a:extLst>
+          </p:cNvPr>
+          <p:cNvSpPr/>
+          <p:nvPr/>
+        </p:nvSpPr>
+        <p:spPr>
+          <a:xfrm>
+            <a:off x="1025235" y="1277173"/>
+            <a:ext cx="7342909" cy="4031873"/>
+          </a:xfrm>
+          <a:prstGeom prst="rect">
+            <a:avLst/>
+          </a:prstGeom>
+        </p:spPr>
+        <p:txBody>
+          <a:bodyPr wrap="square">
+            <a:spAutoFit/>
+          </a:bodyPr>
+          <a:lstStyle/>
+          <a:p>
+            <a:r>
+              <a:rPr lang="en-US" sz="3200" dirty="0"/>
+              <a:t>Go to the Facebook database</a:t>
+            </a:r>
+          </a:p>
+          <a:p>
+            <a:endParaRPr lang="en-US" sz="3200" dirty="0"/>
+          </a:p>
+          <a:p>
+            <a:r>
+              <a:rPr lang="en-US" sz="3200" dirty="0"/>
+              <a:t>Find all the students that have New York as the home state. </a:t>
+            </a:r>
+          </a:p>
+          <a:p>
+            <a:endParaRPr lang="en-US" sz="3200" dirty="0"/>
+          </a:p>
+          <a:p>
+            <a:r>
+              <a:rPr lang="en-US" sz="3200" dirty="0"/>
+              <a:t>Deal with all the different ways that students have written New York in the “</a:t>
+            </a:r>
+            <a:r>
+              <a:rPr lang="en-US" sz="3200" dirty="0" err="1"/>
+              <a:t>HomeState</a:t>
+            </a:r>
+            <a:r>
+              <a:rPr lang="en-US" sz="3200" dirty="0"/>
+              <a:t>” attribute</a:t>
+            </a:r>
+          </a:p>
+        </p:txBody>
+      </p:sp>
+    </p:spTree>
+    <p:extLst>
+      <p:ext uri="{BB962C8B-B14F-4D97-AF65-F5344CB8AC3E}">
+        <p14:creationId xmlns:p14="http://schemas.microsoft.com/office/powerpoint/2010/main" val="1059645985"/>
+      </p:ext>
+    </p:extLst>
+  </p:cSld>
+  <p:clrMapOvr>
+    <a:masterClrMapping/>
+  </p:clrMapOvr>
+  <p:transition spd="med"/>
+</p:sld>
+</file>
+
 <file path=ppt/slides/slide3.xml><?xml version="1.0" encoding="utf-8"?>
 <p:sld xmlns:a="http://schemas.openxmlformats.org/drawingml/2006/main" xmlns:r="http://schemas.openxmlformats.org/officeDocument/2006/relationships" xmlns:p="http://schemas.openxmlformats.org/presentationml/2006/main">
   <p:cSld>
@@ -8123,7 +10066,7 @@
           </a:ln>
           <a:extLst>
             <a:ext uri="{C572A759-6A51-4108-AA02-DFA0A04FC94B}">
-              <ma14:wrappingTextBoxFlag xmlns:ma14="http://schemas.microsoft.com/office/mac/drawingml/2011/main" xmlns="" val="1"/>
+              <ma14:wrappingTextBoxFlag xmlns="" xmlns:ma14="http://schemas.microsoft.com/office/mac/drawingml/2011/main" val="1"/>
             </a:ext>
           </a:extLst>
         </p:spPr>
@@ -8434,7 +10377,7 @@
           </a:ln>
           <a:extLst>
             <a:ext uri="{C572A759-6A51-4108-AA02-DFA0A04FC94B}">
-              <ma14:wrappingTextBoxFlag xmlns:ma14="http://schemas.microsoft.com/office/mac/drawingml/2011/main" xmlns="" val="1"/>
+              <ma14:wrappingTextBoxFlag xmlns="" xmlns:ma14="http://schemas.microsoft.com/office/mac/drawingml/2011/main" val="1"/>
             </a:ext>
           </a:extLst>
         </p:spPr>
@@ -8536,7 +10479,7 @@
           </a:ln>
           <a:extLst>
             <a:ext uri="{C572A759-6A51-4108-AA02-DFA0A04FC94B}">
-              <ma14:wrappingTextBoxFlag xmlns:ma14="http://schemas.microsoft.com/office/mac/drawingml/2011/main" xmlns="" val="1"/>
+              <ma14:wrappingTextBoxFlag xmlns="" xmlns:ma14="http://schemas.microsoft.com/office/mac/drawingml/2011/main" val="1"/>
             </a:ext>
           </a:extLst>
         </p:spPr>
@@ -8828,7 +10771,7 @@
           </a:ln>
           <a:extLst>
             <a:ext uri="{C572A759-6A51-4108-AA02-DFA0A04FC94B}">
-              <ma14:wrappingTextBoxFlag xmlns:ma14="http://schemas.microsoft.com/office/mac/drawingml/2011/main" xmlns="" val="1"/>
+              <ma14:wrappingTextBoxFlag xmlns="" xmlns:ma14="http://schemas.microsoft.com/office/mac/drawingml/2011/main" val="1"/>
             </a:ext>
           </a:extLst>
         </p:spPr>
@@ -9318,7 +11261,7 @@
           </a:ln>
           <a:extLst>
             <a:ext uri="{C572A759-6A51-4108-AA02-DFA0A04FC94B}">
-              <ma14:wrappingTextBoxFlag xmlns:ma14="http://schemas.microsoft.com/office/mac/drawingml/2011/main" xmlns="" val="1"/>
+              <ma14:wrappingTextBoxFlag xmlns="" xmlns:ma14="http://schemas.microsoft.com/office/mac/drawingml/2011/main" val="1"/>
             </a:ext>
           </a:extLst>
         </p:spPr>
@@ -9420,7 +11363,7 @@
           </a:ln>
           <a:extLst>
             <a:ext uri="{C572A759-6A51-4108-AA02-DFA0A04FC94B}">
-              <ma14:wrappingTextBoxFlag xmlns:ma14="http://schemas.microsoft.com/office/mac/drawingml/2011/main" xmlns="" val="1"/>
+              <ma14:wrappingTextBoxFlag xmlns="" xmlns:ma14="http://schemas.microsoft.com/office/mac/drawingml/2011/main" val="1"/>
             </a:ext>
           </a:extLst>
         </p:spPr>
@@ -9869,7 +11812,7 @@
           </a:ln>
           <a:extLst>
             <a:ext uri="{C572A759-6A51-4108-AA02-DFA0A04FC94B}">
-              <ma14:wrappingTextBoxFlag xmlns:ma14="http://schemas.microsoft.com/office/mac/drawingml/2011/main" xmlns="" val="1"/>
+              <ma14:wrappingTextBoxFlag xmlns="" xmlns:ma14="http://schemas.microsoft.com/office/mac/drawingml/2011/main" val="1"/>
             </a:ext>
           </a:extLst>
         </p:spPr>
@@ -10823,7 +12766,7 @@
           </a:ln>
           <a:extLst>
             <a:ext uri="{C572A759-6A51-4108-AA02-DFA0A04FC94B}">
-              <ma14:wrappingTextBoxFlag xmlns:ma14="http://schemas.microsoft.com/office/mac/drawingml/2011/main" xmlns="" val="1"/>
+              <ma14:wrappingTextBoxFlag xmlns="" xmlns:ma14="http://schemas.microsoft.com/office/mac/drawingml/2011/main" val="1"/>
             </a:ext>
           </a:extLst>
         </p:spPr>
@@ -10925,7 +12868,7 @@
           </a:ln>
           <a:extLst>
             <a:ext uri="{C572A759-6A51-4108-AA02-DFA0A04FC94B}">
-              <ma14:wrappingTextBoxFlag xmlns:ma14="http://schemas.microsoft.com/office/mac/drawingml/2011/main" xmlns="" val="1"/>
+              <ma14:wrappingTextBoxFlag xmlns="" xmlns:ma14="http://schemas.microsoft.com/office/mac/drawingml/2011/main" val="1"/>
             </a:ext>
           </a:extLst>
         </p:spPr>
@@ -11230,7 +13173,7 @@
           </a:ln>
           <a:extLst>
             <a:ext uri="{C572A759-6A51-4108-AA02-DFA0A04FC94B}">
-              <ma14:wrappingTextBoxFlag xmlns:ma14="http://schemas.microsoft.com/office/mac/drawingml/2011/main" xmlns="" val="1"/>
+              <ma14:wrappingTextBoxFlag xmlns="" xmlns:ma14="http://schemas.microsoft.com/office/mac/drawingml/2011/main" val="1"/>
             </a:ext>
           </a:extLst>
         </p:spPr>

--- a/session3/B3-SQL_Filtering.pptx
+++ b/session3/B3-SQL_Filtering.pptx
@@ -5,10 +5,10 @@
     <p:sldMasterId id="2147483660" r:id="rId1"/>
   </p:sldMasterIdLst>
   <p:notesMasterIdLst>
-    <p:notesMasterId r:id="rId26"/>
+    <p:notesMasterId r:id="rId27"/>
   </p:notesMasterIdLst>
   <p:handoutMasterIdLst>
-    <p:handoutMasterId r:id="rId27"/>
+    <p:handoutMasterId r:id="rId28"/>
   </p:handoutMasterIdLst>
   <p:sldIdLst>
     <p:sldId id="256" r:id="rId2"/>
@@ -26,15 +26,16 @@
     <p:sldId id="356" r:id="rId14"/>
     <p:sldId id="303" r:id="rId15"/>
     <p:sldId id="335" r:id="rId16"/>
-    <p:sldId id="366" r:id="rId17"/>
-    <p:sldId id="288" r:id="rId18"/>
-    <p:sldId id="376" r:id="rId19"/>
-    <p:sldId id="342" r:id="rId20"/>
-    <p:sldId id="343" r:id="rId21"/>
-    <p:sldId id="346" r:id="rId22"/>
-    <p:sldId id="344" r:id="rId23"/>
-    <p:sldId id="375" r:id="rId24"/>
-    <p:sldId id="369" r:id="rId25"/>
+    <p:sldId id="377" r:id="rId17"/>
+    <p:sldId id="366" r:id="rId18"/>
+    <p:sldId id="288" r:id="rId19"/>
+    <p:sldId id="376" r:id="rId20"/>
+    <p:sldId id="342" r:id="rId21"/>
+    <p:sldId id="343" r:id="rId22"/>
+    <p:sldId id="346" r:id="rId23"/>
+    <p:sldId id="344" r:id="rId24"/>
+    <p:sldId id="375" r:id="rId25"/>
+    <p:sldId id="369" r:id="rId26"/>
   </p:sldIdLst>
   <p:sldSz cx="9144000" cy="6858000" type="screen4x3"/>
   <p:notesSz cx="7315200" cy="9601200"/>
@@ -3572,7 +3573,7 @@
           </a:ln>
           <a:extLst>
             <a:ext uri="{C572A759-6A51-4108-AA02-DFA0A04FC94B}">
-              <ma14:wrappingTextBoxFlag xmlns="" xmlns:ma14="http://schemas.microsoft.com/office/mac/drawingml/2011/main" val="1"/>
+              <ma14:wrappingTextBoxFlag xmlns:ma14="http://schemas.microsoft.com/office/mac/drawingml/2011/main" xmlns="" val="1"/>
             </a:ext>
           </a:extLst>
         </p:spPr>
@@ -3674,7 +3675,7 @@
           </a:ln>
           <a:extLst>
             <a:ext uri="{C572A759-6A51-4108-AA02-DFA0A04FC94B}">
-              <ma14:wrappingTextBoxFlag xmlns="" xmlns:ma14="http://schemas.microsoft.com/office/mac/drawingml/2011/main" val="1"/>
+              <ma14:wrappingTextBoxFlag xmlns:ma14="http://schemas.microsoft.com/office/mac/drawingml/2011/main" xmlns="" val="1"/>
             </a:ext>
           </a:extLst>
         </p:spPr>
@@ -4612,7 +4613,7 @@
           </a:ln>
           <a:extLst>
             <a:ext uri="{C572A759-6A51-4108-AA02-DFA0A04FC94B}">
-              <ma14:wrappingTextBoxFlag xmlns="" xmlns:ma14="http://schemas.microsoft.com/office/mac/drawingml/2011/main" val="1"/>
+              <ma14:wrappingTextBoxFlag xmlns:ma14="http://schemas.microsoft.com/office/mac/drawingml/2011/main" xmlns="" val="1"/>
             </a:ext>
           </a:extLst>
         </p:spPr>
@@ -4684,7 +4685,7 @@
           </a:ln>
           <a:extLst>
             <a:ext uri="{C572A759-6A51-4108-AA02-DFA0A04FC94B}">
-              <ma14:wrappingTextBoxFlag xmlns="" xmlns:ma14="http://schemas.microsoft.com/office/mac/drawingml/2011/main" val="1"/>
+              <ma14:wrappingTextBoxFlag xmlns:ma14="http://schemas.microsoft.com/office/mac/drawingml/2011/main" xmlns="" val="1"/>
             </a:ext>
           </a:extLst>
         </p:spPr>
@@ -5012,7 +5013,7 @@
           </a:ln>
           <a:extLst>
             <a:ext uri="{C572A759-6A51-4108-AA02-DFA0A04FC94B}">
-              <ma14:wrappingTextBoxFlag xmlns="" xmlns:ma14="http://schemas.microsoft.com/office/mac/drawingml/2011/main" val="1"/>
+              <ma14:wrappingTextBoxFlag xmlns:ma14="http://schemas.microsoft.com/office/mac/drawingml/2011/main" xmlns="" val="1"/>
             </a:ext>
           </a:extLst>
         </p:spPr>
@@ -5081,7 +5082,7 @@
           </a:ln>
           <a:extLst>
             <a:ext uri="{C572A759-6A51-4108-AA02-DFA0A04FC94B}">
-              <ma14:wrappingTextBoxFlag xmlns="" xmlns:ma14="http://schemas.microsoft.com/office/mac/drawingml/2011/main" val="1"/>
+              <ma14:wrappingTextBoxFlag xmlns:ma14="http://schemas.microsoft.com/office/mac/drawingml/2011/main" xmlns="" val="1"/>
             </a:ext>
           </a:extLst>
         </p:spPr>
@@ -5457,7 +5458,7 @@
           </a:ln>
           <a:extLst>
             <a:ext uri="{C572A759-6A51-4108-AA02-DFA0A04FC94B}">
-              <ma14:wrappingTextBoxFlag xmlns="" xmlns:ma14="http://schemas.microsoft.com/office/mac/drawingml/2011/main" val="1"/>
+              <ma14:wrappingTextBoxFlag xmlns:ma14="http://schemas.microsoft.com/office/mac/drawingml/2011/main" xmlns="" val="1"/>
             </a:ext>
           </a:extLst>
         </p:spPr>
@@ -5526,7 +5527,7 @@
           </a:ln>
           <a:extLst>
             <a:ext uri="{C572A759-6A51-4108-AA02-DFA0A04FC94B}">
-              <ma14:wrappingTextBoxFlag xmlns="" xmlns:ma14="http://schemas.microsoft.com/office/mac/drawingml/2011/main" val="1"/>
+              <ma14:wrappingTextBoxFlag xmlns:ma14="http://schemas.microsoft.com/office/mac/drawingml/2011/main" xmlns="" val="1"/>
             </a:ext>
           </a:extLst>
         </p:spPr>
@@ -5743,7 +5744,7 @@
           </a:ln>
           <a:extLst>
             <a:ext uri="{C572A759-6A51-4108-AA02-DFA0A04FC94B}">
-              <ma14:wrappingTextBoxFlag xmlns="" xmlns:ma14="http://schemas.microsoft.com/office/mac/drawingml/2011/main" val="1"/>
+              <ma14:wrappingTextBoxFlag xmlns:ma14="http://schemas.microsoft.com/office/mac/drawingml/2011/main" xmlns="" val="1"/>
             </a:ext>
           </a:extLst>
         </p:spPr>
@@ -5780,7 +5781,7 @@
                 </a:uFill>
                 <a:latin typeface="Arial Unicode MS" panose="020B0604020202020204" pitchFamily="34" charset="-128"/>
               </a:rPr>
-              <a:t>The NULL value</a:t>
+              <a:t>The NULL mark</a:t>
             </a:r>
             <a:endParaRPr sz="3000" b="1" dirty="0">
               <a:uFill>
@@ -5802,7 +5803,7 @@
         <p:spPr>
           <a:xfrm>
             <a:off x="469899" y="1324179"/>
-            <a:ext cx="8489165" cy="4503797"/>
+            <a:ext cx="8489165" cy="5119350"/>
           </a:xfrm>
           <a:prstGeom prst="rect">
             <a:avLst/>
@@ -5812,7 +5813,7 @@
           </a:ln>
           <a:extLst>
             <a:ext uri="{C572A759-6A51-4108-AA02-DFA0A04FC94B}">
-              <ma14:wrappingTextBoxFlag xmlns="" xmlns:ma14="http://schemas.microsoft.com/office/mac/drawingml/2011/main" val="1"/>
+              <ma14:wrappingTextBoxFlag xmlns:ma14="http://schemas.microsoft.com/office/mac/drawingml/2011/main" xmlns="" val="1"/>
             </a:ext>
           </a:extLst>
         </p:spPr>
@@ -5846,7 +5847,55 @@
                 <a:cs typeface="Arial Unicode MS" panose="020B0604020202020204" pitchFamily="34" charset="-128"/>
                 <a:sym typeface="Iowan Old Style Roman"/>
               </a:rPr>
-              <a:t>When columns do not have a value, they are assigned a “NULL” value, which is a special way that SQL handles the “empty value”</a:t>
+              <a:t>When columns do not have a value, they are assigned a </a:t>
+            </a:r>
+            <a:r>
+              <a:rPr lang="en-US" sz="2000" b="1" dirty="0">
+                <a:uFill>
+                  <a:solidFill/>
+                </a:uFill>
+                <a:latin typeface="Arial Unicode MS" panose="020B0604020202020204" pitchFamily="34" charset="-128"/>
+                <a:ea typeface="Arial Unicode MS" panose="020B0604020202020204" pitchFamily="34" charset="-128"/>
+                <a:cs typeface="Arial Unicode MS" panose="020B0604020202020204" pitchFamily="34" charset="-128"/>
+                <a:sym typeface="Iowan Old Style Roman"/>
+              </a:rPr>
+              <a:t>“NULL” </a:t>
+            </a:r>
+            <a:r>
+              <a:rPr lang="en-US" sz="2000" b="1" i="1" dirty="0">
+                <a:uFill>
+                  <a:solidFill/>
+                </a:uFill>
+                <a:latin typeface="Arial Unicode MS" panose="020B0604020202020204" pitchFamily="34" charset="-128"/>
+                <a:ea typeface="Arial Unicode MS" panose="020B0604020202020204" pitchFamily="34" charset="-128"/>
+                <a:cs typeface="Arial Unicode MS" panose="020B0604020202020204" pitchFamily="34" charset="-128"/>
+                <a:sym typeface="Iowan Old Style Roman"/>
+              </a:rPr>
+              <a:t>mark</a:t>
+            </a:r>
+            <a:r>
+              <a:rPr lang="en-US" sz="2000" b="1" dirty="0">
+                <a:uFill>
+                  <a:solidFill/>
+                </a:uFill>
+                <a:latin typeface="Arial Unicode MS" panose="020B0604020202020204" pitchFamily="34" charset="-128"/>
+                <a:ea typeface="Arial Unicode MS" panose="020B0604020202020204" pitchFamily="34" charset="-128"/>
+                <a:cs typeface="Arial Unicode MS" panose="020B0604020202020204" pitchFamily="34" charset="-128"/>
+                <a:sym typeface="Iowan Old Style Roman"/>
+              </a:rPr>
+              <a:t>,</a:t>
+            </a:r>
+            <a:r>
+              <a:rPr lang="en-US" sz="2000" dirty="0">
+                <a:uFill>
+                  <a:solidFill/>
+                </a:uFill>
+                <a:latin typeface="Arial Unicode MS" panose="020B0604020202020204" pitchFamily="34" charset="-128"/>
+                <a:ea typeface="Arial Unicode MS" panose="020B0604020202020204" pitchFamily="34" charset="-128"/>
+                <a:cs typeface="Arial Unicode MS" panose="020B0604020202020204" pitchFamily="34" charset="-128"/>
+                <a:sym typeface="Iowan Old Style Roman"/>
+              </a:rPr>
+              <a:t> which is a special way that SQL handles the “empty value”. We use the term “mark” instead of “value” as NULL indicates the absence of a value.</a:t>
             </a:r>
           </a:p>
           <a:p>
@@ -6115,7 +6164,7 @@
                 <a:cs typeface="Arial Unicode MS" panose="020B0604020202020204" pitchFamily="34" charset="-128"/>
                 <a:sym typeface="Iowan Old Style Roman"/>
               </a:rPr>
-              <a:t> IS NOT NULL” is you want only results that have non-NULL values</a:t>
+              <a:t> IS NOT NULL” is you want only results that have a value and have not been marked as NULL</a:t>
             </a:r>
           </a:p>
           <a:p>
@@ -6195,7 +6244,7 @@
           </a:ln>
           <a:extLst>
             <a:ext uri="{C572A759-6A51-4108-AA02-DFA0A04FC94B}">
-              <ma14:wrappingTextBoxFlag xmlns="" xmlns:ma14="http://schemas.microsoft.com/office/mac/drawingml/2011/main" val="1"/>
+              <ma14:wrappingTextBoxFlag xmlns:ma14="http://schemas.microsoft.com/office/mac/drawingml/2011/main" xmlns="" val="1"/>
             </a:ext>
           </a:extLst>
         </p:spPr>
@@ -6254,7 +6303,7 @@
         <p:spPr>
           <a:xfrm>
             <a:off x="469899" y="1324179"/>
-            <a:ext cx="8489165" cy="3400931"/>
+            <a:ext cx="8489165" cy="5427127"/>
           </a:xfrm>
           <a:prstGeom prst="rect">
             <a:avLst/>
@@ -6264,7 +6313,7 @@
           </a:ln>
           <a:extLst>
             <a:ext uri="{C572A759-6A51-4108-AA02-DFA0A04FC94B}">
-              <ma14:wrappingTextBoxFlag xmlns="" xmlns:ma14="http://schemas.microsoft.com/office/mac/drawingml/2011/main" val="1"/>
+              <ma14:wrappingTextBoxFlag xmlns:ma14="http://schemas.microsoft.com/office/mac/drawingml/2011/main" xmlns="" val="1"/>
             </a:ext>
           </a:extLst>
         </p:spPr>
@@ -6392,7 +6441,7 @@
                 <a:cs typeface="Arial Unicode MS" panose="020B0604020202020204" pitchFamily="34" charset="-128"/>
                 <a:sym typeface="Iowan Old Style Roman"/>
               </a:rPr>
-              <a:t>WHERE rank = '';</a:t>
+              <a:t>WHERE rank = ‘’;</a:t>
             </a:r>
           </a:p>
           <a:p>
@@ -6441,8 +6490,46 @@
                 <a:cs typeface="Arial Unicode MS" panose="020B0604020202020204" pitchFamily="34" charset="-128"/>
                 <a:sym typeface="Iowan Old Style Roman"/>
               </a:rPr>
-              <a:t>We do not use = to compare with NULL</a:t>
-            </a:r>
+              <a:t>NULL is </a:t>
+            </a:r>
+            <a:r>
+              <a:rPr lang="en-US" sz="2000" b="1" i="1" dirty="0">
+                <a:uFill>
+                  <a:solidFill/>
+                </a:uFill>
+                <a:latin typeface="Arial Unicode MS" panose="020B0604020202020204" pitchFamily="34" charset="-128"/>
+                <a:ea typeface="Arial Unicode MS" panose="020B0604020202020204" pitchFamily="34" charset="-128"/>
+                <a:cs typeface="Arial Unicode MS" panose="020B0604020202020204" pitchFamily="34" charset="-128"/>
+                <a:sym typeface="Iowan Old Style Roman"/>
+              </a:rPr>
+              <a:t>not</a:t>
+            </a:r>
+            <a:r>
+              <a:rPr lang="en-US" sz="2000" i="1" dirty="0">
+                <a:uFill>
+                  <a:solidFill/>
+                </a:uFill>
+                <a:latin typeface="Arial Unicode MS" panose="020B0604020202020204" pitchFamily="34" charset="-128"/>
+                <a:ea typeface="Arial Unicode MS" panose="020B0604020202020204" pitchFamily="34" charset="-128"/>
+                <a:cs typeface="Arial Unicode MS" panose="020B0604020202020204" pitchFamily="34" charset="-128"/>
+                <a:sym typeface="Iowan Old Style Roman"/>
+              </a:rPr>
+              <a:t> equal to the string ‘NULL’. The query below will NOT work</a:t>
+            </a:r>
+          </a:p>
+          <a:p>
+            <a:pPr lvl="0">
+              <a:spcBef>
+                <a:spcPts val="700"/>
+              </a:spcBef>
+              <a:buSzPct val="100000"/>
+              <a:defRPr sz="1800">
+                <a:solidFill>
+                  <a:srgbClr val="000000"/>
+                </a:solidFill>
+                <a:uFillTx/>
+              </a:defRPr>
+            </a:pPr>
             <a:r>
               <a:rPr lang="en-US" sz="2000" dirty="0">
                 <a:uFill>
@@ -6453,20 +6540,68 @@
                 <a:cs typeface="Arial Unicode MS" panose="020B0604020202020204" pitchFamily="34" charset="-128"/>
                 <a:sym typeface="Iowan Old Style Roman"/>
               </a:rPr>
-              <a:t>. </a:t>
-            </a:r>
-            <a:r>
-              <a:rPr lang="en-US" sz="2000" i="1" dirty="0">
-                <a:uFill>
-                  <a:solidFill/>
-                </a:uFill>
-                <a:latin typeface="Arial Unicode MS" panose="020B0604020202020204" pitchFamily="34" charset="-128"/>
-                <a:ea typeface="Arial Unicode MS" panose="020B0604020202020204" pitchFamily="34" charset="-128"/>
-                <a:cs typeface="Arial Unicode MS" panose="020B0604020202020204" pitchFamily="34" charset="-128"/>
-                <a:sym typeface="Iowan Old Style Roman"/>
-              </a:rPr>
-              <a:t>The query below will NOT work</a:t>
-            </a:r>
+              <a:t>SELECT * </a:t>
+            </a:r>
+            <a:br>
+              <a:rPr lang="en-US" sz="2000" dirty="0">
+                <a:uFill>
+                  <a:solidFill/>
+                </a:uFill>
+                <a:latin typeface="Arial Unicode MS" panose="020B0604020202020204" pitchFamily="34" charset="-128"/>
+                <a:ea typeface="Arial Unicode MS" panose="020B0604020202020204" pitchFamily="34" charset="-128"/>
+                <a:cs typeface="Arial Unicode MS" panose="020B0604020202020204" pitchFamily="34" charset="-128"/>
+                <a:sym typeface="Iowan Old Style Roman"/>
+              </a:rPr>
+            </a:br>
+            <a:r>
+              <a:rPr lang="en-US" sz="2000" dirty="0">
+                <a:uFill>
+                  <a:solidFill/>
+                </a:uFill>
+                <a:latin typeface="Arial Unicode MS" panose="020B0604020202020204" pitchFamily="34" charset="-128"/>
+                <a:ea typeface="Arial Unicode MS" panose="020B0604020202020204" pitchFamily="34" charset="-128"/>
+                <a:cs typeface="Arial Unicode MS" panose="020B0604020202020204" pitchFamily="34" charset="-128"/>
+                <a:sym typeface="Iowan Old Style Roman"/>
+              </a:rPr>
+              <a:t>FROM movies </a:t>
+            </a:r>
+            <a:br>
+              <a:rPr lang="en-US" sz="2000" dirty="0">
+                <a:uFill>
+                  <a:solidFill/>
+                </a:uFill>
+                <a:latin typeface="Arial Unicode MS" panose="020B0604020202020204" pitchFamily="34" charset="-128"/>
+                <a:ea typeface="Arial Unicode MS" panose="020B0604020202020204" pitchFamily="34" charset="-128"/>
+                <a:cs typeface="Arial Unicode MS" panose="020B0604020202020204" pitchFamily="34" charset="-128"/>
+                <a:sym typeface="Iowan Old Style Roman"/>
+              </a:rPr>
+            </a:br>
+            <a:r>
+              <a:rPr lang="en-US" sz="2000" dirty="0">
+                <a:uFill>
+                  <a:solidFill/>
+                </a:uFill>
+                <a:latin typeface="Arial Unicode MS" panose="020B0604020202020204" pitchFamily="34" charset="-128"/>
+                <a:ea typeface="Arial Unicode MS" panose="020B0604020202020204" pitchFamily="34" charset="-128"/>
+                <a:cs typeface="Arial Unicode MS" panose="020B0604020202020204" pitchFamily="34" charset="-128"/>
+                <a:sym typeface="Iowan Old Style Roman"/>
+              </a:rPr>
+              <a:t>WHERE rank = ‘NULL’;</a:t>
+            </a:r>
+          </a:p>
+          <a:p>
+            <a:pPr lvl="0">
+              <a:spcBef>
+                <a:spcPts val="700"/>
+              </a:spcBef>
+              <a:buSzPct val="100000"/>
+              <a:defRPr sz="1800">
+                <a:solidFill>
+                  <a:srgbClr val="000000"/>
+                </a:solidFill>
+                <a:uFillTx/>
+              </a:defRPr>
+            </a:pPr>
             <a:endParaRPr lang="en-US" sz="2000" dirty="0">
               <a:uFill>
                 <a:solidFill/>
@@ -6500,7 +6635,79 @@
                 <a:cs typeface="Arial Unicode MS" panose="020B0604020202020204" pitchFamily="34" charset="-128"/>
                 <a:sym typeface="Iowan Old Style Roman"/>
               </a:rPr>
+              <a:t>And while the following query superficially “works” it is actually WRONG: </a:t>
+            </a:r>
+          </a:p>
+          <a:p>
+            <a:pPr>
+              <a:spcBef>
+                <a:spcPts val="700"/>
+              </a:spcBef>
+              <a:buSzPct val="100000"/>
+              <a:defRPr sz="1800">
+                <a:solidFill>
+                  <a:srgbClr val="000000"/>
+                </a:solidFill>
+                <a:uFillTx/>
+              </a:defRPr>
+            </a:pPr>
+            <a:r>
+              <a:rPr lang="en-US" sz="2000" dirty="0">
+                <a:uFill>
+                  <a:solidFill/>
+                </a:uFill>
+                <a:latin typeface="Arial Unicode MS" panose="020B0604020202020204" pitchFamily="34" charset="-128"/>
+                <a:ea typeface="Arial Unicode MS" panose="020B0604020202020204" pitchFamily="34" charset="-128"/>
+                <a:cs typeface="Arial Unicode MS" panose="020B0604020202020204" pitchFamily="34" charset="-128"/>
+                <a:sym typeface="Iowan Old Style Roman"/>
+              </a:rPr>
               <a:t>SELECT * </a:t>
+            </a:r>
+            <a:br>
+              <a:rPr lang="en-US" sz="2000" dirty="0">
+                <a:uFill>
+                  <a:solidFill/>
+                </a:uFill>
+                <a:latin typeface="Arial Unicode MS" panose="020B0604020202020204" pitchFamily="34" charset="-128"/>
+                <a:ea typeface="Arial Unicode MS" panose="020B0604020202020204" pitchFamily="34" charset="-128"/>
+                <a:cs typeface="Arial Unicode MS" panose="020B0604020202020204" pitchFamily="34" charset="-128"/>
+                <a:sym typeface="Iowan Old Style Roman"/>
+              </a:rPr>
+            </a:br>
+            <a:r>
+              <a:rPr lang="en-US" sz="2000" dirty="0">
+                <a:uFill>
+                  <a:solidFill/>
+                </a:uFill>
+                <a:latin typeface="Arial Unicode MS" panose="020B0604020202020204" pitchFamily="34" charset="-128"/>
+                <a:ea typeface="Arial Unicode MS" panose="020B0604020202020204" pitchFamily="34" charset="-128"/>
+                <a:cs typeface="Arial Unicode MS" panose="020B0604020202020204" pitchFamily="34" charset="-128"/>
+                <a:sym typeface="Iowan Old Style Roman"/>
+              </a:rPr>
+              <a:t>FROM movies </a:t>
+            </a:r>
+            <a:br>
+              <a:rPr lang="en-US" sz="2000" dirty="0">
+                <a:uFill>
+                  <a:solidFill/>
+                </a:uFill>
+                <a:latin typeface="Arial Unicode MS" panose="020B0604020202020204" pitchFamily="34" charset="-128"/>
+                <a:ea typeface="Arial Unicode MS" panose="020B0604020202020204" pitchFamily="34" charset="-128"/>
+                <a:cs typeface="Arial Unicode MS" panose="020B0604020202020204" pitchFamily="34" charset="-128"/>
+                <a:sym typeface="Iowan Old Style Roman"/>
+              </a:rPr>
+            </a:br>
+            <a:r>
+              <a:rPr lang="en-US" sz="2000" dirty="0">
+                <a:uFill>
+                  <a:solidFill/>
+                </a:uFill>
+                <a:latin typeface="Arial Unicode MS" panose="020B0604020202020204" pitchFamily="34" charset="-128"/>
+                <a:ea typeface="Arial Unicode MS" panose="020B0604020202020204" pitchFamily="34" charset="-128"/>
+                <a:cs typeface="Arial Unicode MS" panose="020B0604020202020204" pitchFamily="34" charset="-128"/>
+                <a:sym typeface="Iowan Old Style Roman"/>
+              </a:rPr>
+              <a:t>WHERE rank &lt;&gt; ‘NULL’;</a:t>
             </a:r>
           </a:p>
           <a:p>
@@ -6516,44 +6723,15 @@
                 <a:uFillTx/>
               </a:defRPr>
             </a:pPr>
-            <a:r>
-              <a:rPr lang="en-US" sz="2000" dirty="0">
-                <a:uFill>
-                  <a:solidFill/>
-                </a:uFill>
-                <a:latin typeface="Arial Unicode MS" panose="020B0604020202020204" pitchFamily="34" charset="-128"/>
-                <a:ea typeface="Arial Unicode MS" panose="020B0604020202020204" pitchFamily="34" charset="-128"/>
-                <a:cs typeface="Arial Unicode MS" panose="020B0604020202020204" pitchFamily="34" charset="-128"/>
-                <a:sym typeface="Iowan Old Style Roman"/>
-              </a:rPr>
-              <a:t>FROM movies</a:t>
-            </a:r>
-          </a:p>
-          <a:p>
-            <a:pPr lvl="0">
-              <a:spcBef>
-                <a:spcPts val="700"/>
-              </a:spcBef>
-              <a:buSzPct val="100000"/>
-              <a:defRPr sz="1800">
-                <a:solidFill>
-                  <a:srgbClr val="000000"/>
-                </a:solidFill>
-                <a:uFillTx/>
-              </a:defRPr>
-            </a:pPr>
-            <a:r>
-              <a:rPr lang="en-US" sz="2000" dirty="0">
-                <a:uFill>
-                  <a:solidFill/>
-                </a:uFill>
-                <a:latin typeface="Arial Unicode MS" panose="020B0604020202020204" pitchFamily="34" charset="-128"/>
-                <a:ea typeface="Arial Unicode MS" panose="020B0604020202020204" pitchFamily="34" charset="-128"/>
-                <a:cs typeface="Arial Unicode MS" panose="020B0604020202020204" pitchFamily="34" charset="-128"/>
-                <a:sym typeface="Iowan Old Style Roman"/>
-              </a:rPr>
-              <a:t>WHERE rank = NULL;</a:t>
-            </a:r>
+            <a:endParaRPr lang="en-US" sz="2000" dirty="0">
+              <a:uFill>
+                <a:solidFill/>
+              </a:uFill>
+              <a:latin typeface="Arial Unicode MS" panose="020B0604020202020204" pitchFamily="34" charset="-128"/>
+              <a:ea typeface="Arial Unicode MS" panose="020B0604020202020204" pitchFamily="34" charset="-128"/>
+              <a:cs typeface="Arial Unicode MS" panose="020B0604020202020204" pitchFamily="34" charset="-128"/>
+              <a:sym typeface="Iowan Old Style Roman"/>
+            </a:endParaRPr>
           </a:p>
         </p:txBody>
       </p:sp>
@@ -6607,7 +6785,7 @@
           </a:ln>
           <a:extLst>
             <a:ext uri="{C572A759-6A51-4108-AA02-DFA0A04FC94B}">
-              <ma14:wrappingTextBoxFlag xmlns="" xmlns:ma14="http://schemas.microsoft.com/office/mac/drawingml/2011/main" val="1"/>
+              <ma14:wrappingTextBoxFlag xmlns:ma14="http://schemas.microsoft.com/office/mac/drawingml/2011/main" xmlns="" val="1"/>
             </a:ext>
           </a:extLst>
         </p:spPr>
@@ -6644,7 +6822,7 @@
                 </a:uFill>
                 <a:latin typeface="Arial Unicode MS" panose="020B0604020202020204" pitchFamily="34" charset="-128"/>
               </a:rPr>
-              <a:t>Floating Point Bizarreness</a:t>
+              <a:t>Incorrect approaches when using NULL</a:t>
             </a:r>
             <a:endParaRPr sz="3000" b="1" dirty="0">
               <a:uFill>
@@ -6666,7 +6844,7 @@
         <p:spPr>
           <a:xfrm>
             <a:off x="469899" y="1324179"/>
-            <a:ext cx="8432657" cy="5252720"/>
+            <a:ext cx="8489165" cy="4721805"/>
           </a:xfrm>
           <a:prstGeom prst="rect">
             <a:avLst/>
@@ -6676,7 +6854,7 @@
           </a:ln>
           <a:extLst>
             <a:ext uri="{C572A759-6A51-4108-AA02-DFA0A04FC94B}">
-              <ma14:wrappingTextBoxFlag xmlns="" xmlns:ma14="http://schemas.microsoft.com/office/mac/drawingml/2011/main" val="1"/>
+              <ma14:wrappingTextBoxFlag xmlns:ma14="http://schemas.microsoft.com/office/mac/drawingml/2011/main" xmlns="" val="1"/>
             </a:ext>
           </a:extLst>
         </p:spPr>
@@ -6686,7 +6864,7 @@
           </a:bodyPr>
           <a:lstStyle/>
           <a:p>
-            <a:pPr>
+            <a:pPr lvl="0">
               <a:spcBef>
                 <a:spcPts val="700"/>
               </a:spcBef>
@@ -6699,18 +6877,53 @@
               </a:defRPr>
             </a:pPr>
             <a:r>
-              <a:rPr lang="en-US" sz="2400" dirty="0">
-                <a:uFill>
-                  <a:solidFill/>
-                </a:uFill>
-                <a:latin typeface="Arial Unicode MS" panose="020B0604020202020204" pitchFamily="34" charset="-128"/>
-                <a:ea typeface="Arial Unicode MS" panose="020B0604020202020204" pitchFamily="34" charset="-128"/>
-                <a:cs typeface="Arial Unicode MS" panose="020B0604020202020204" pitchFamily="34" charset="-128"/>
-                <a:sym typeface="Iowan Old Style Roman"/>
-              </a:rPr>
-              <a:t>In SQL, and in many computer languages, handling decimal numbers tends to be strange, due to the limited accuracy when storing floating point numbers.</a:t>
-            </a:r>
-            <a:endParaRPr lang="el-GR" sz="2400" dirty="0">
+              <a:rPr lang="en-US" sz="2000" i="1" dirty="0">
+                <a:uFill>
+                  <a:solidFill/>
+                </a:uFill>
+                <a:latin typeface="Arial Unicode MS" panose="020B0604020202020204" pitchFamily="34" charset="-128"/>
+                <a:ea typeface="Arial Unicode MS" panose="020B0604020202020204" pitchFamily="34" charset="-128"/>
+                <a:cs typeface="Arial Unicode MS" panose="020B0604020202020204" pitchFamily="34" charset="-128"/>
+                <a:sym typeface="Iowan Old Style Roman"/>
+              </a:rPr>
+              <a:t>We do not use = to compare with NULL</a:t>
+            </a:r>
+            <a:r>
+              <a:rPr lang="en-US" sz="2000" dirty="0">
+                <a:uFill>
+                  <a:solidFill/>
+                </a:uFill>
+                <a:latin typeface="Arial Unicode MS" panose="020B0604020202020204" pitchFamily="34" charset="-128"/>
+                <a:ea typeface="Arial Unicode MS" panose="020B0604020202020204" pitchFamily="34" charset="-128"/>
+                <a:cs typeface="Arial Unicode MS" panose="020B0604020202020204" pitchFamily="34" charset="-128"/>
+                <a:sym typeface="Iowan Old Style Roman"/>
+              </a:rPr>
+              <a:t>. </a:t>
+            </a:r>
+            <a:r>
+              <a:rPr lang="en-US" sz="2000" i="1" dirty="0">
+                <a:uFill>
+                  <a:solidFill/>
+                </a:uFill>
+                <a:latin typeface="Arial Unicode MS" panose="020B0604020202020204" pitchFamily="34" charset="-128"/>
+                <a:ea typeface="Arial Unicode MS" panose="020B0604020202020204" pitchFamily="34" charset="-128"/>
+                <a:cs typeface="Arial Unicode MS" panose="020B0604020202020204" pitchFamily="34" charset="-128"/>
+                <a:sym typeface="Iowan Old Style Roman"/>
+              </a:rPr>
+              <a:t>The query below will NOT work:</a:t>
+            </a:r>
+            <a:br>
+              <a:rPr lang="en-US" sz="2000" i="1" dirty="0">
+                <a:uFill>
+                  <a:solidFill/>
+                </a:uFill>
+                <a:latin typeface="Arial Unicode MS" panose="020B0604020202020204" pitchFamily="34" charset="-128"/>
+                <a:ea typeface="Arial Unicode MS" panose="020B0604020202020204" pitchFamily="34" charset="-128"/>
+                <a:cs typeface="Arial Unicode MS" panose="020B0604020202020204" pitchFamily="34" charset="-128"/>
+                <a:sym typeface="Iowan Old Style Roman"/>
+              </a:rPr>
+            </a:br>
+            <a:endParaRPr lang="en-US" sz="2000" dirty="0">
               <a:uFill>
                 <a:solidFill/>
               </a:uFill>
@@ -6721,7 +6934,7 @@
             </a:endParaRPr>
           </a:p>
           <a:p>
-            <a:pPr>
+            <a:pPr lvl="0">
               <a:spcBef>
                 <a:spcPts val="700"/>
               </a:spcBef>
@@ -6733,7 +6946,93 @@
                 <a:uFillTx/>
               </a:defRPr>
             </a:pPr>
-            <a:endParaRPr lang="el-GR" sz="2400" dirty="0">
+            <a:r>
+              <a:rPr lang="en-US" sz="2000" dirty="0">
+                <a:uFill>
+                  <a:solidFill/>
+                </a:uFill>
+                <a:latin typeface="Arial Unicode MS" panose="020B0604020202020204" pitchFamily="34" charset="-128"/>
+                <a:ea typeface="Arial Unicode MS" panose="020B0604020202020204" pitchFamily="34" charset="-128"/>
+                <a:cs typeface="Arial Unicode MS" panose="020B0604020202020204" pitchFamily="34" charset="-128"/>
+                <a:sym typeface="Iowan Old Style Roman"/>
+              </a:rPr>
+              <a:t>SELECT * </a:t>
+            </a:r>
+          </a:p>
+          <a:p>
+            <a:pPr lvl="0">
+              <a:spcBef>
+                <a:spcPts val="700"/>
+              </a:spcBef>
+              <a:buSzPct val="100000"/>
+              <a:defRPr sz="1800">
+                <a:solidFill>
+                  <a:srgbClr val="000000"/>
+                </a:solidFill>
+                <a:uFillTx/>
+              </a:defRPr>
+            </a:pPr>
+            <a:r>
+              <a:rPr lang="en-US" sz="2000" dirty="0">
+                <a:uFill>
+                  <a:solidFill/>
+                </a:uFill>
+                <a:latin typeface="Arial Unicode MS" panose="020B0604020202020204" pitchFamily="34" charset="-128"/>
+                <a:ea typeface="Arial Unicode MS" panose="020B0604020202020204" pitchFamily="34" charset="-128"/>
+                <a:cs typeface="Arial Unicode MS" panose="020B0604020202020204" pitchFamily="34" charset="-128"/>
+                <a:sym typeface="Iowan Old Style Roman"/>
+              </a:rPr>
+              <a:t>FROM movies</a:t>
+            </a:r>
+          </a:p>
+          <a:p>
+            <a:pPr lvl="0">
+              <a:spcBef>
+                <a:spcPts val="700"/>
+              </a:spcBef>
+              <a:buSzPct val="100000"/>
+              <a:defRPr sz="1800">
+                <a:solidFill>
+                  <a:srgbClr val="000000"/>
+                </a:solidFill>
+                <a:uFillTx/>
+              </a:defRPr>
+            </a:pPr>
+            <a:r>
+              <a:rPr lang="en-US" sz="2000" dirty="0">
+                <a:uFill>
+                  <a:solidFill/>
+                </a:uFill>
+                <a:latin typeface="Arial Unicode MS" panose="020B0604020202020204" pitchFamily="34" charset="-128"/>
+                <a:ea typeface="Arial Unicode MS" panose="020B0604020202020204" pitchFamily="34" charset="-128"/>
+                <a:cs typeface="Arial Unicode MS" panose="020B0604020202020204" pitchFamily="34" charset="-128"/>
+                <a:sym typeface="Iowan Old Style Roman"/>
+              </a:rPr>
+              <a:t>WHERE rank = NULL;</a:t>
+            </a:r>
+            <a:br>
+              <a:rPr lang="en-US" sz="2000" dirty="0">
+                <a:uFill>
+                  <a:solidFill/>
+                </a:uFill>
+                <a:latin typeface="Arial Unicode MS" panose="020B0604020202020204" pitchFamily="34" charset="-128"/>
+                <a:ea typeface="Arial Unicode MS" panose="020B0604020202020204" pitchFamily="34" charset="-128"/>
+                <a:cs typeface="Arial Unicode MS" panose="020B0604020202020204" pitchFamily="34" charset="-128"/>
+                <a:sym typeface="Iowan Old Style Roman"/>
+              </a:rPr>
+            </a:br>
+            <a:br>
+              <a:rPr lang="en-US" sz="2000" dirty="0">
+                <a:uFill>
+                  <a:solidFill/>
+                </a:uFill>
+                <a:latin typeface="Arial Unicode MS" panose="020B0604020202020204" pitchFamily="34" charset="-128"/>
+                <a:ea typeface="Arial Unicode MS" panose="020B0604020202020204" pitchFamily="34" charset="-128"/>
+                <a:cs typeface="Arial Unicode MS" panose="020B0604020202020204" pitchFamily="34" charset="-128"/>
+                <a:sym typeface="Iowan Old Style Roman"/>
+              </a:rPr>
+            </a:br>
+            <a:endParaRPr lang="en-US" sz="2000" dirty="0">
               <a:uFill>
                 <a:solidFill/>
               </a:uFill>
@@ -6744,13 +7043,11 @@
             </a:endParaRPr>
           </a:p>
           <a:p>
-            <a:pPr marL="342900" indent="-342900">
+            <a:pPr lvl="0">
               <a:spcBef>
                 <a:spcPts val="700"/>
               </a:spcBef>
               <a:buSzPct val="100000"/>
-              <a:buFont typeface="Arial" panose="020B0604020202020204" pitchFamily="34" charset="0"/>
-              <a:buChar char="•"/>
               <a:defRPr sz="1800">
                 <a:solidFill>
                   <a:srgbClr val="000000"/>
@@ -6759,19 +7056,43 @@
               </a:defRPr>
             </a:pPr>
             <a:r>
-              <a:rPr lang="en-US" sz="2400" dirty="0">
-                <a:uFill>
-                  <a:solidFill/>
-                </a:uFill>
-                <a:latin typeface="Arial Unicode MS" panose="020B0604020202020204" pitchFamily="34" charset="-128"/>
-                <a:ea typeface="Arial Unicode MS" panose="020B0604020202020204" pitchFamily="34" charset="-128"/>
-                <a:cs typeface="Arial Unicode MS" panose="020B0604020202020204" pitchFamily="34" charset="-128"/>
-                <a:sym typeface="Iowan Old Style Roman"/>
-              </a:rPr>
-              <a:t>SELECT *</a:t>
+              <a:rPr lang="en-US" sz="2000" i="1" dirty="0">
+                <a:uFill>
+                  <a:solidFill/>
+                </a:uFill>
+                <a:latin typeface="Arial Unicode MS" panose="020B0604020202020204" pitchFamily="34" charset="-128"/>
+                <a:ea typeface="Arial Unicode MS" panose="020B0604020202020204" pitchFamily="34" charset="-128"/>
+                <a:cs typeface="Arial Unicode MS" panose="020B0604020202020204" pitchFamily="34" charset="-128"/>
+                <a:sym typeface="Iowan Old Style Roman"/>
+              </a:rPr>
+              <a:t>We do not use ANY operator (except for IS and IS NOT) to compare with NULL</a:t>
+            </a:r>
+            <a:r>
+              <a:rPr lang="en-US" sz="2000" dirty="0">
+                <a:uFill>
+                  <a:solidFill/>
+                </a:uFill>
+                <a:latin typeface="Arial Unicode MS" panose="020B0604020202020204" pitchFamily="34" charset="-128"/>
+                <a:ea typeface="Arial Unicode MS" panose="020B0604020202020204" pitchFamily="34" charset="-128"/>
+                <a:cs typeface="Arial Unicode MS" panose="020B0604020202020204" pitchFamily="34" charset="-128"/>
+                <a:sym typeface="Iowan Old Style Roman"/>
+              </a:rPr>
+              <a:t>. </a:t>
+            </a:r>
+            <a:r>
+              <a:rPr lang="en-US" sz="2000" i="1" dirty="0">
+                <a:uFill>
+                  <a:solidFill/>
+                </a:uFill>
+                <a:latin typeface="Arial Unicode MS" panose="020B0604020202020204" pitchFamily="34" charset="-128"/>
+                <a:ea typeface="Arial Unicode MS" panose="020B0604020202020204" pitchFamily="34" charset="-128"/>
+                <a:cs typeface="Arial Unicode MS" panose="020B0604020202020204" pitchFamily="34" charset="-128"/>
+                <a:sym typeface="Iowan Old Style Roman"/>
+              </a:rPr>
+              <a:t>The query below ALSO will NOT work</a:t>
             </a:r>
             <a:br>
-              <a:rPr lang="en-US" sz="2400" dirty="0">
+              <a:rPr lang="en-US" sz="2000" i="1" dirty="0">
                 <a:uFill>
                   <a:solidFill/>
                 </a:uFill>
@@ -6781,50 +7102,22 @@
                 <a:sym typeface="Iowan Old Style Roman"/>
               </a:rPr>
             </a:br>
-            <a:r>
-              <a:rPr lang="en-US" sz="2400" dirty="0">
-                <a:uFill>
-                  <a:solidFill/>
-                </a:uFill>
-                <a:latin typeface="Arial Unicode MS" panose="020B0604020202020204" pitchFamily="34" charset="-128"/>
-                <a:ea typeface="Arial Unicode MS" panose="020B0604020202020204" pitchFamily="34" charset="-128"/>
-                <a:cs typeface="Arial Unicode MS" panose="020B0604020202020204" pitchFamily="34" charset="-128"/>
-                <a:sym typeface="Iowan Old Style Roman"/>
-              </a:rPr>
-              <a:t>FROM movies</a:t>
-            </a:r>
-            <a:br>
-              <a:rPr lang="en-US" sz="2400" dirty="0">
-                <a:uFill>
-                  <a:solidFill/>
-                </a:uFill>
-                <a:latin typeface="Arial Unicode MS" panose="020B0604020202020204" pitchFamily="34" charset="-128"/>
-                <a:ea typeface="Arial Unicode MS" panose="020B0604020202020204" pitchFamily="34" charset="-128"/>
-                <a:cs typeface="Arial Unicode MS" panose="020B0604020202020204" pitchFamily="34" charset="-128"/>
-                <a:sym typeface="Iowan Old Style Roman"/>
-              </a:rPr>
-            </a:br>
-            <a:r>
-              <a:rPr lang="en-US" sz="2400" dirty="0">
-                <a:uFill>
-                  <a:solidFill/>
-                </a:uFill>
-                <a:latin typeface="Arial Unicode MS" panose="020B0604020202020204" pitchFamily="34" charset="-128"/>
-                <a:ea typeface="Arial Unicode MS" panose="020B0604020202020204" pitchFamily="34" charset="-128"/>
-                <a:cs typeface="Arial Unicode MS" panose="020B0604020202020204" pitchFamily="34" charset="-128"/>
-                <a:sym typeface="Iowan Old Style Roman"/>
-              </a:rPr>
-              <a:t>WHERE rank &gt; 7.8</a:t>
-            </a:r>
-          </a:p>
-          <a:p>
-            <a:pPr marL="342900" indent="-342900">
+            <a:endParaRPr lang="en-US" sz="2000" dirty="0">
+              <a:uFill>
+                <a:solidFill/>
+              </a:uFill>
+              <a:latin typeface="Arial Unicode MS" panose="020B0604020202020204" pitchFamily="34" charset="-128"/>
+              <a:ea typeface="Arial Unicode MS" panose="020B0604020202020204" pitchFamily="34" charset="-128"/>
+              <a:cs typeface="Arial Unicode MS" panose="020B0604020202020204" pitchFamily="34" charset="-128"/>
+              <a:sym typeface="Iowan Old Style Roman"/>
+            </a:endParaRPr>
+          </a:p>
+          <a:p>
+            <a:pPr lvl="0">
               <a:spcBef>
                 <a:spcPts val="700"/>
               </a:spcBef>
               <a:buSzPct val="100000"/>
-              <a:buFont typeface="Arial" panose="020B0604020202020204" pitchFamily="34" charset="0"/>
-              <a:buChar char="•"/>
               <a:defRPr sz="1800">
                 <a:solidFill>
                   <a:srgbClr val="000000"/>
@@ -6833,72 +7126,24 @@
               </a:defRPr>
             </a:pPr>
             <a:r>
-              <a:rPr lang="en-US" sz="2400" dirty="0">
-                <a:uFill>
-                  <a:solidFill/>
-                </a:uFill>
-                <a:latin typeface="Arial Unicode MS" panose="020B0604020202020204" pitchFamily="34" charset="-128"/>
-                <a:ea typeface="Arial Unicode MS" panose="020B0604020202020204" pitchFamily="34" charset="-128"/>
-                <a:cs typeface="Arial Unicode MS" panose="020B0604020202020204" pitchFamily="34" charset="-128"/>
-                <a:sym typeface="Iowan Old Style Roman"/>
-              </a:rPr>
-              <a:t>SELECT *</a:t>
-            </a:r>
-            <a:br>
-              <a:rPr lang="en-US" sz="2400" dirty="0">
-                <a:uFill>
-                  <a:solidFill/>
-                </a:uFill>
-                <a:latin typeface="Arial Unicode MS" panose="020B0604020202020204" pitchFamily="34" charset="-128"/>
-                <a:ea typeface="Arial Unicode MS" panose="020B0604020202020204" pitchFamily="34" charset="-128"/>
-                <a:cs typeface="Arial Unicode MS" panose="020B0604020202020204" pitchFamily="34" charset="-128"/>
-                <a:sym typeface="Iowan Old Style Roman"/>
-              </a:rPr>
-            </a:br>
-            <a:r>
-              <a:rPr lang="en-US" sz="2400" dirty="0">
-                <a:uFill>
-                  <a:solidFill/>
-                </a:uFill>
-                <a:latin typeface="Arial Unicode MS" panose="020B0604020202020204" pitchFamily="34" charset="-128"/>
-                <a:ea typeface="Arial Unicode MS" panose="020B0604020202020204" pitchFamily="34" charset="-128"/>
-                <a:cs typeface="Arial Unicode MS" panose="020B0604020202020204" pitchFamily="34" charset="-128"/>
-                <a:sym typeface="Iowan Old Style Roman"/>
-              </a:rPr>
-              <a:t>FROM movies</a:t>
-            </a:r>
-            <a:br>
-              <a:rPr lang="en-US" sz="2400" dirty="0">
-                <a:uFill>
-                  <a:solidFill/>
-                </a:uFill>
-                <a:latin typeface="Arial Unicode MS" panose="020B0604020202020204" pitchFamily="34" charset="-128"/>
-                <a:ea typeface="Arial Unicode MS" panose="020B0604020202020204" pitchFamily="34" charset="-128"/>
-                <a:cs typeface="Arial Unicode MS" panose="020B0604020202020204" pitchFamily="34" charset="-128"/>
-                <a:sym typeface="Iowan Old Style Roman"/>
-              </a:rPr>
-            </a:br>
-            <a:r>
-              <a:rPr lang="en-US" sz="2400" dirty="0">
-                <a:uFill>
-                  <a:solidFill/>
-                </a:uFill>
-                <a:latin typeface="Arial Unicode MS" panose="020B0604020202020204" pitchFamily="34" charset="-128"/>
-                <a:ea typeface="Arial Unicode MS" panose="020B0604020202020204" pitchFamily="34" charset="-128"/>
-                <a:cs typeface="Arial Unicode MS" panose="020B0604020202020204" pitchFamily="34" charset="-128"/>
-                <a:sym typeface="Iowan Old Style Roman"/>
-              </a:rPr>
-              <a:t>WHERE rank = 7.8</a:t>
-            </a:r>
-          </a:p>
-          <a:p>
-            <a:pPr marL="342900" indent="-342900">
+              <a:rPr lang="en-US" sz="2000" dirty="0">
+                <a:uFill>
+                  <a:solidFill/>
+                </a:uFill>
+                <a:latin typeface="Arial Unicode MS" panose="020B0604020202020204" pitchFamily="34" charset="-128"/>
+                <a:ea typeface="Arial Unicode MS" panose="020B0604020202020204" pitchFamily="34" charset="-128"/>
+                <a:cs typeface="Arial Unicode MS" panose="020B0604020202020204" pitchFamily="34" charset="-128"/>
+                <a:sym typeface="Iowan Old Style Roman"/>
+              </a:rPr>
+              <a:t>SELECT * </a:t>
+            </a:r>
+          </a:p>
+          <a:p>
+            <a:pPr lvl="0">
               <a:spcBef>
                 <a:spcPts val="700"/>
               </a:spcBef>
               <a:buSzPct val="100000"/>
-              <a:buFont typeface="Arial" panose="020B0604020202020204" pitchFamily="34" charset="0"/>
-              <a:buChar char="•"/>
               <a:defRPr sz="1800">
                 <a:solidFill>
                   <a:srgbClr val="000000"/>
@@ -6907,30 +7152,7 @@
               </a:defRPr>
             </a:pPr>
             <a:r>
-              <a:rPr lang="en-US" sz="2400" dirty="0">
-                <a:uFill>
-                  <a:solidFill/>
-                </a:uFill>
-                <a:latin typeface="Arial Unicode MS" panose="020B0604020202020204" pitchFamily="34" charset="-128"/>
-                <a:ea typeface="Arial Unicode MS" panose="020B0604020202020204" pitchFamily="34" charset="-128"/>
-                <a:cs typeface="Arial Unicode MS" panose="020B0604020202020204" pitchFamily="34" charset="-128"/>
-                <a:sym typeface="Iowan Old Style Roman"/>
-              </a:rPr>
-              <a:t>SELECT *</a:t>
-            </a:r>
-            <a:br>
-              <a:rPr lang="en-US" sz="2400" dirty="0">
-                <a:uFill>
-                  <a:solidFill/>
-                </a:uFill>
-                <a:latin typeface="Arial Unicode MS" panose="020B0604020202020204" pitchFamily="34" charset="-128"/>
-                <a:ea typeface="Arial Unicode MS" panose="020B0604020202020204" pitchFamily="34" charset="-128"/>
-                <a:cs typeface="Arial Unicode MS" panose="020B0604020202020204" pitchFamily="34" charset="-128"/>
-                <a:sym typeface="Iowan Old Style Roman"/>
-              </a:rPr>
-            </a:br>
-            <a:r>
-              <a:rPr lang="en-US" sz="2400" dirty="0">
+              <a:rPr lang="en-US" sz="2000" dirty="0">
                 <a:uFill>
                   <a:solidFill/>
                 </a:uFill>
@@ -6941,28 +7163,31 @@
               </a:rPr>
               <a:t>FROM movies</a:t>
             </a:r>
-            <a:br>
-              <a:rPr lang="en-US" sz="2400" dirty="0">
-                <a:uFill>
-                  <a:solidFill/>
-                </a:uFill>
-                <a:latin typeface="Arial Unicode MS" panose="020B0604020202020204" pitchFamily="34" charset="-128"/>
-                <a:ea typeface="Arial Unicode MS" panose="020B0604020202020204" pitchFamily="34" charset="-128"/>
-                <a:cs typeface="Arial Unicode MS" panose="020B0604020202020204" pitchFamily="34" charset="-128"/>
-                <a:sym typeface="Iowan Old Style Roman"/>
-              </a:rPr>
-            </a:br>
-            <a:r>
-              <a:rPr lang="en-US" sz="2400" dirty="0">
-                <a:uFill>
-                  <a:solidFill/>
-                </a:uFill>
-                <a:latin typeface="Arial Unicode MS" panose="020B0604020202020204" pitchFamily="34" charset="-128"/>
-                <a:ea typeface="Arial Unicode MS" panose="020B0604020202020204" pitchFamily="34" charset="-128"/>
-                <a:cs typeface="Arial Unicode MS" panose="020B0604020202020204" pitchFamily="34" charset="-128"/>
-                <a:sym typeface="Iowan Old Style Roman"/>
-              </a:rPr>
-              <a:t>WHERE rank LIKE 7.8</a:t>
+          </a:p>
+          <a:p>
+            <a:pPr lvl="0">
+              <a:spcBef>
+                <a:spcPts val="700"/>
+              </a:spcBef>
+              <a:buSzPct val="100000"/>
+              <a:defRPr sz="1800">
+                <a:solidFill>
+                  <a:srgbClr val="000000"/>
+                </a:solidFill>
+                <a:uFillTx/>
+              </a:defRPr>
+            </a:pPr>
+            <a:r>
+              <a:rPr lang="en-US" sz="2000" dirty="0">
+                <a:uFill>
+                  <a:solidFill/>
+                </a:uFill>
+                <a:latin typeface="Arial Unicode MS" panose="020B0604020202020204" pitchFamily="34" charset="-128"/>
+                <a:ea typeface="Arial Unicode MS" panose="020B0604020202020204" pitchFamily="34" charset="-128"/>
+                <a:cs typeface="Arial Unicode MS" panose="020B0604020202020204" pitchFamily="34" charset="-128"/>
+                <a:sym typeface="Iowan Old Style Roman"/>
+              </a:rPr>
+              <a:t>WHERE rank &lt;&gt; NULL;</a:t>
             </a:r>
           </a:p>
         </p:txBody>
@@ -6970,7 +7195,7 @@
     </p:spTree>
     <p:extLst>
       <p:ext uri="{BB962C8B-B14F-4D97-AF65-F5344CB8AC3E}">
-        <p14:creationId xmlns:p14="http://schemas.microsoft.com/office/powerpoint/2010/main" val="2304433161"/>
+        <p14:creationId xmlns:p14="http://schemas.microsoft.com/office/powerpoint/2010/main" val="2111723704"/>
       </p:ext>
     </p:extLst>
   </p:cSld>
@@ -7017,7 +7242,417 @@
           </a:ln>
           <a:extLst>
             <a:ext uri="{C572A759-6A51-4108-AA02-DFA0A04FC94B}">
-              <ma14:wrappingTextBoxFlag xmlns="" xmlns:ma14="http://schemas.microsoft.com/office/mac/drawingml/2011/main" val="1"/>
+              <ma14:wrappingTextBoxFlag xmlns:ma14="http://schemas.microsoft.com/office/mac/drawingml/2011/main" xmlns="" val="1"/>
+            </a:ext>
+          </a:extLst>
+        </p:spPr>
+        <p:txBody>
+          <a:bodyPr lIns="45719" rIns="45719">
+            <a:spAutoFit/>
+          </a:bodyPr>
+          <a:lstStyle>
+            <a:lvl1pPr>
+              <a:defRPr sz="3000" b="1">
+                <a:uFill>
+                  <a:solidFill>
+                    <a:srgbClr val="FFFFFF"/>
+                  </a:solidFill>
+                </a:uFill>
+              </a:defRPr>
+            </a:lvl1pPr>
+          </a:lstStyle>
+          <a:p>
+            <a:pPr lvl="0">
+              <a:defRPr sz="1800" b="0">
+                <a:solidFill>
+                  <a:srgbClr val="000000"/>
+                </a:solidFill>
+                <a:uFillTx/>
+              </a:defRPr>
+            </a:pPr>
+            <a:r>
+              <a:rPr lang="en-US" sz="3000" b="1" dirty="0">
+                <a:uFill>
+                  <a:solidFill>
+                    <a:srgbClr val="FFFFFF"/>
+                  </a:solidFill>
+                </a:uFill>
+                <a:latin typeface="Arial Unicode MS" panose="020B0604020202020204" pitchFamily="34" charset="-128"/>
+              </a:rPr>
+              <a:t>Floating Point Bizarreness</a:t>
+            </a:r>
+            <a:endParaRPr sz="3000" b="1" dirty="0">
+              <a:uFill>
+                <a:solidFill>
+                  <a:srgbClr val="FFFFFF"/>
+                </a:solidFill>
+              </a:uFill>
+              <a:latin typeface="Arial Unicode MS" panose="020B0604020202020204" pitchFamily="34" charset="-128"/>
+            </a:endParaRPr>
+          </a:p>
+        </p:txBody>
+      </p:sp>
+      <p:sp>
+        <p:nvSpPr>
+          <p:cNvPr id="45" name="Shape 45"/>
+          <p:cNvSpPr/>
+          <p:nvPr/>
+        </p:nvSpPr>
+        <p:spPr>
+          <a:xfrm>
+            <a:off x="469899" y="1324179"/>
+            <a:ext cx="8432657" cy="5252720"/>
+          </a:xfrm>
+          <a:prstGeom prst="rect">
+            <a:avLst/>
+          </a:prstGeom>
+          <a:ln w="12700">
+            <a:miter lim="400000"/>
+          </a:ln>
+          <a:extLst>
+            <a:ext uri="{C572A759-6A51-4108-AA02-DFA0A04FC94B}">
+              <ma14:wrappingTextBoxFlag xmlns:ma14="http://schemas.microsoft.com/office/mac/drawingml/2011/main" xmlns="" val="1"/>
+            </a:ext>
+          </a:extLst>
+        </p:spPr>
+        <p:txBody>
+          <a:bodyPr wrap="square" lIns="45719" rIns="45719">
+            <a:spAutoFit/>
+          </a:bodyPr>
+          <a:lstStyle/>
+          <a:p>
+            <a:pPr>
+              <a:spcBef>
+                <a:spcPts val="700"/>
+              </a:spcBef>
+              <a:buSzPct val="100000"/>
+              <a:defRPr sz="1800">
+                <a:solidFill>
+                  <a:srgbClr val="000000"/>
+                </a:solidFill>
+                <a:uFillTx/>
+              </a:defRPr>
+            </a:pPr>
+            <a:r>
+              <a:rPr lang="en-US" sz="2400" dirty="0">
+                <a:uFill>
+                  <a:solidFill/>
+                </a:uFill>
+                <a:latin typeface="Arial Unicode MS" panose="020B0604020202020204" pitchFamily="34" charset="-128"/>
+                <a:ea typeface="Arial Unicode MS" panose="020B0604020202020204" pitchFamily="34" charset="-128"/>
+                <a:cs typeface="Arial Unicode MS" panose="020B0604020202020204" pitchFamily="34" charset="-128"/>
+                <a:sym typeface="Iowan Old Style Roman"/>
+              </a:rPr>
+              <a:t>In SQL, and in many computer languages, handling decimal numbers tends to be strange, due to the limited accuracy when storing floating point numbers.</a:t>
+            </a:r>
+            <a:endParaRPr lang="el-GR" sz="2400" dirty="0">
+              <a:uFill>
+                <a:solidFill/>
+              </a:uFill>
+              <a:latin typeface="Arial Unicode MS" panose="020B0604020202020204" pitchFamily="34" charset="-128"/>
+              <a:ea typeface="Arial Unicode MS" panose="020B0604020202020204" pitchFamily="34" charset="-128"/>
+              <a:cs typeface="Arial Unicode MS" panose="020B0604020202020204" pitchFamily="34" charset="-128"/>
+              <a:sym typeface="Iowan Old Style Roman"/>
+            </a:endParaRPr>
+          </a:p>
+          <a:p>
+            <a:pPr>
+              <a:spcBef>
+                <a:spcPts val="700"/>
+              </a:spcBef>
+              <a:buSzPct val="100000"/>
+              <a:defRPr sz="1800">
+                <a:solidFill>
+                  <a:srgbClr val="000000"/>
+                </a:solidFill>
+                <a:uFillTx/>
+              </a:defRPr>
+            </a:pPr>
+            <a:endParaRPr lang="el-GR" sz="2400" dirty="0">
+              <a:uFill>
+                <a:solidFill/>
+              </a:uFill>
+              <a:latin typeface="Arial Unicode MS" panose="020B0604020202020204" pitchFamily="34" charset="-128"/>
+              <a:ea typeface="Arial Unicode MS" panose="020B0604020202020204" pitchFamily="34" charset="-128"/>
+              <a:cs typeface="Arial Unicode MS" panose="020B0604020202020204" pitchFamily="34" charset="-128"/>
+              <a:sym typeface="Iowan Old Style Roman"/>
+            </a:endParaRPr>
+          </a:p>
+          <a:p>
+            <a:pPr marL="342900" indent="-342900">
+              <a:spcBef>
+                <a:spcPts val="700"/>
+              </a:spcBef>
+              <a:buSzPct val="100000"/>
+              <a:buFont typeface="Arial" panose="020B0604020202020204" pitchFamily="34" charset="0"/>
+              <a:buChar char="•"/>
+              <a:defRPr sz="1800">
+                <a:solidFill>
+                  <a:srgbClr val="000000"/>
+                </a:solidFill>
+                <a:uFillTx/>
+              </a:defRPr>
+            </a:pPr>
+            <a:r>
+              <a:rPr lang="en-US" sz="2400" dirty="0">
+                <a:uFill>
+                  <a:solidFill/>
+                </a:uFill>
+                <a:latin typeface="Arial Unicode MS" panose="020B0604020202020204" pitchFamily="34" charset="-128"/>
+                <a:ea typeface="Arial Unicode MS" panose="020B0604020202020204" pitchFamily="34" charset="-128"/>
+                <a:cs typeface="Arial Unicode MS" panose="020B0604020202020204" pitchFamily="34" charset="-128"/>
+                <a:sym typeface="Iowan Old Style Roman"/>
+              </a:rPr>
+              <a:t>SELECT *</a:t>
+            </a:r>
+            <a:br>
+              <a:rPr lang="en-US" sz="2400" dirty="0">
+                <a:uFill>
+                  <a:solidFill/>
+                </a:uFill>
+                <a:latin typeface="Arial Unicode MS" panose="020B0604020202020204" pitchFamily="34" charset="-128"/>
+                <a:ea typeface="Arial Unicode MS" panose="020B0604020202020204" pitchFamily="34" charset="-128"/>
+                <a:cs typeface="Arial Unicode MS" panose="020B0604020202020204" pitchFamily="34" charset="-128"/>
+                <a:sym typeface="Iowan Old Style Roman"/>
+              </a:rPr>
+            </a:br>
+            <a:r>
+              <a:rPr lang="en-US" sz="2400" dirty="0">
+                <a:uFill>
+                  <a:solidFill/>
+                </a:uFill>
+                <a:latin typeface="Arial Unicode MS" panose="020B0604020202020204" pitchFamily="34" charset="-128"/>
+                <a:ea typeface="Arial Unicode MS" panose="020B0604020202020204" pitchFamily="34" charset="-128"/>
+                <a:cs typeface="Arial Unicode MS" panose="020B0604020202020204" pitchFamily="34" charset="-128"/>
+                <a:sym typeface="Iowan Old Style Roman"/>
+              </a:rPr>
+              <a:t>FROM movies</a:t>
+            </a:r>
+            <a:br>
+              <a:rPr lang="en-US" sz="2400" dirty="0">
+                <a:uFill>
+                  <a:solidFill/>
+                </a:uFill>
+                <a:latin typeface="Arial Unicode MS" panose="020B0604020202020204" pitchFamily="34" charset="-128"/>
+                <a:ea typeface="Arial Unicode MS" panose="020B0604020202020204" pitchFamily="34" charset="-128"/>
+                <a:cs typeface="Arial Unicode MS" panose="020B0604020202020204" pitchFamily="34" charset="-128"/>
+                <a:sym typeface="Iowan Old Style Roman"/>
+              </a:rPr>
+            </a:br>
+            <a:r>
+              <a:rPr lang="en-US" sz="2400" dirty="0">
+                <a:uFill>
+                  <a:solidFill/>
+                </a:uFill>
+                <a:latin typeface="Arial Unicode MS" panose="020B0604020202020204" pitchFamily="34" charset="-128"/>
+                <a:ea typeface="Arial Unicode MS" panose="020B0604020202020204" pitchFamily="34" charset="-128"/>
+                <a:cs typeface="Arial Unicode MS" panose="020B0604020202020204" pitchFamily="34" charset="-128"/>
+                <a:sym typeface="Iowan Old Style Roman"/>
+              </a:rPr>
+              <a:t>WHERE rank &gt; 7.8</a:t>
+            </a:r>
+          </a:p>
+          <a:p>
+            <a:pPr marL="342900" indent="-342900">
+              <a:spcBef>
+                <a:spcPts val="700"/>
+              </a:spcBef>
+              <a:buSzPct val="100000"/>
+              <a:buFont typeface="Arial" panose="020B0604020202020204" pitchFamily="34" charset="0"/>
+              <a:buChar char="•"/>
+              <a:defRPr sz="1800">
+                <a:solidFill>
+                  <a:srgbClr val="000000"/>
+                </a:solidFill>
+                <a:uFillTx/>
+              </a:defRPr>
+            </a:pPr>
+            <a:r>
+              <a:rPr lang="en-US" sz="2400" dirty="0">
+                <a:uFill>
+                  <a:solidFill/>
+                </a:uFill>
+                <a:latin typeface="Arial Unicode MS" panose="020B0604020202020204" pitchFamily="34" charset="-128"/>
+                <a:ea typeface="Arial Unicode MS" panose="020B0604020202020204" pitchFamily="34" charset="-128"/>
+                <a:cs typeface="Arial Unicode MS" panose="020B0604020202020204" pitchFamily="34" charset="-128"/>
+                <a:sym typeface="Iowan Old Style Roman"/>
+              </a:rPr>
+              <a:t>SELECT *</a:t>
+            </a:r>
+            <a:br>
+              <a:rPr lang="en-US" sz="2400" dirty="0">
+                <a:uFill>
+                  <a:solidFill/>
+                </a:uFill>
+                <a:latin typeface="Arial Unicode MS" panose="020B0604020202020204" pitchFamily="34" charset="-128"/>
+                <a:ea typeface="Arial Unicode MS" panose="020B0604020202020204" pitchFamily="34" charset="-128"/>
+                <a:cs typeface="Arial Unicode MS" panose="020B0604020202020204" pitchFamily="34" charset="-128"/>
+                <a:sym typeface="Iowan Old Style Roman"/>
+              </a:rPr>
+            </a:br>
+            <a:r>
+              <a:rPr lang="en-US" sz="2400" dirty="0">
+                <a:uFill>
+                  <a:solidFill/>
+                </a:uFill>
+                <a:latin typeface="Arial Unicode MS" panose="020B0604020202020204" pitchFamily="34" charset="-128"/>
+                <a:ea typeface="Arial Unicode MS" panose="020B0604020202020204" pitchFamily="34" charset="-128"/>
+                <a:cs typeface="Arial Unicode MS" panose="020B0604020202020204" pitchFamily="34" charset="-128"/>
+                <a:sym typeface="Iowan Old Style Roman"/>
+              </a:rPr>
+              <a:t>FROM movies</a:t>
+            </a:r>
+            <a:br>
+              <a:rPr lang="en-US" sz="2400" dirty="0">
+                <a:uFill>
+                  <a:solidFill/>
+                </a:uFill>
+                <a:latin typeface="Arial Unicode MS" panose="020B0604020202020204" pitchFamily="34" charset="-128"/>
+                <a:ea typeface="Arial Unicode MS" panose="020B0604020202020204" pitchFamily="34" charset="-128"/>
+                <a:cs typeface="Arial Unicode MS" panose="020B0604020202020204" pitchFamily="34" charset="-128"/>
+                <a:sym typeface="Iowan Old Style Roman"/>
+              </a:rPr>
+            </a:br>
+            <a:r>
+              <a:rPr lang="en-US" sz="2400" dirty="0">
+                <a:uFill>
+                  <a:solidFill/>
+                </a:uFill>
+                <a:latin typeface="Arial Unicode MS" panose="020B0604020202020204" pitchFamily="34" charset="-128"/>
+                <a:ea typeface="Arial Unicode MS" panose="020B0604020202020204" pitchFamily="34" charset="-128"/>
+                <a:cs typeface="Arial Unicode MS" panose="020B0604020202020204" pitchFamily="34" charset="-128"/>
+                <a:sym typeface="Iowan Old Style Roman"/>
+              </a:rPr>
+              <a:t>WHERE rank = 7.8</a:t>
+            </a:r>
+          </a:p>
+          <a:p>
+            <a:pPr marL="342900" indent="-342900">
+              <a:spcBef>
+                <a:spcPts val="700"/>
+              </a:spcBef>
+              <a:buSzPct val="100000"/>
+              <a:buFont typeface="Arial" panose="020B0604020202020204" pitchFamily="34" charset="0"/>
+              <a:buChar char="•"/>
+              <a:defRPr sz="1800">
+                <a:solidFill>
+                  <a:srgbClr val="000000"/>
+                </a:solidFill>
+                <a:uFillTx/>
+              </a:defRPr>
+            </a:pPr>
+            <a:r>
+              <a:rPr lang="en-US" sz="2400" dirty="0">
+                <a:uFill>
+                  <a:solidFill/>
+                </a:uFill>
+                <a:latin typeface="Arial Unicode MS" panose="020B0604020202020204" pitchFamily="34" charset="-128"/>
+                <a:ea typeface="Arial Unicode MS" panose="020B0604020202020204" pitchFamily="34" charset="-128"/>
+                <a:cs typeface="Arial Unicode MS" panose="020B0604020202020204" pitchFamily="34" charset="-128"/>
+                <a:sym typeface="Iowan Old Style Roman"/>
+              </a:rPr>
+              <a:t>SELECT *</a:t>
+            </a:r>
+            <a:br>
+              <a:rPr lang="en-US" sz="2400" dirty="0">
+                <a:uFill>
+                  <a:solidFill/>
+                </a:uFill>
+                <a:latin typeface="Arial Unicode MS" panose="020B0604020202020204" pitchFamily="34" charset="-128"/>
+                <a:ea typeface="Arial Unicode MS" panose="020B0604020202020204" pitchFamily="34" charset="-128"/>
+                <a:cs typeface="Arial Unicode MS" panose="020B0604020202020204" pitchFamily="34" charset="-128"/>
+                <a:sym typeface="Iowan Old Style Roman"/>
+              </a:rPr>
+            </a:br>
+            <a:r>
+              <a:rPr lang="en-US" sz="2400" dirty="0">
+                <a:uFill>
+                  <a:solidFill/>
+                </a:uFill>
+                <a:latin typeface="Arial Unicode MS" panose="020B0604020202020204" pitchFamily="34" charset="-128"/>
+                <a:ea typeface="Arial Unicode MS" panose="020B0604020202020204" pitchFamily="34" charset="-128"/>
+                <a:cs typeface="Arial Unicode MS" panose="020B0604020202020204" pitchFamily="34" charset="-128"/>
+                <a:sym typeface="Iowan Old Style Roman"/>
+              </a:rPr>
+              <a:t>FROM movies</a:t>
+            </a:r>
+            <a:br>
+              <a:rPr lang="en-US" sz="2400" dirty="0">
+                <a:uFill>
+                  <a:solidFill/>
+                </a:uFill>
+                <a:latin typeface="Arial Unicode MS" panose="020B0604020202020204" pitchFamily="34" charset="-128"/>
+                <a:ea typeface="Arial Unicode MS" panose="020B0604020202020204" pitchFamily="34" charset="-128"/>
+                <a:cs typeface="Arial Unicode MS" panose="020B0604020202020204" pitchFamily="34" charset="-128"/>
+                <a:sym typeface="Iowan Old Style Roman"/>
+              </a:rPr>
+            </a:br>
+            <a:r>
+              <a:rPr lang="en-US" sz="2400" dirty="0">
+                <a:uFill>
+                  <a:solidFill/>
+                </a:uFill>
+                <a:latin typeface="Arial Unicode MS" panose="020B0604020202020204" pitchFamily="34" charset="-128"/>
+                <a:ea typeface="Arial Unicode MS" panose="020B0604020202020204" pitchFamily="34" charset="-128"/>
+                <a:cs typeface="Arial Unicode MS" panose="020B0604020202020204" pitchFamily="34" charset="-128"/>
+                <a:sym typeface="Iowan Old Style Roman"/>
+              </a:rPr>
+              <a:t>WHERE rank LIKE 7.8</a:t>
+            </a:r>
+          </a:p>
+        </p:txBody>
+      </p:sp>
+    </p:spTree>
+    <p:extLst>
+      <p:ext uri="{BB962C8B-B14F-4D97-AF65-F5344CB8AC3E}">
+        <p14:creationId xmlns:p14="http://schemas.microsoft.com/office/powerpoint/2010/main" val="2304433161"/>
+      </p:ext>
+    </p:extLst>
+  </p:cSld>
+  <p:clrMapOvr>
+    <a:masterClrMapping/>
+  </p:clrMapOvr>
+  <p:transition spd="med"/>
+</p:sld>
+</file>
+
+<file path=ppt/slides/slide18.xml><?xml version="1.0" encoding="utf-8"?>
+<p:sld xmlns:a="http://schemas.openxmlformats.org/drawingml/2006/main" xmlns:r="http://schemas.openxmlformats.org/officeDocument/2006/relationships" xmlns:p="http://schemas.openxmlformats.org/presentationml/2006/main">
+  <p:cSld>
+    <p:spTree>
+      <p:nvGrpSpPr>
+        <p:cNvPr id="1" name=""/>
+        <p:cNvGrpSpPr/>
+        <p:nvPr/>
+      </p:nvGrpSpPr>
+      <p:grpSpPr>
+        <a:xfrm>
+          <a:off x="0" y="0"/>
+          <a:ext cx="0" cy="0"/>
+          <a:chOff x="0" y="0"/>
+          <a:chExt cx="0" cy="0"/>
+        </a:xfrm>
+      </p:grpSpPr>
+      <p:sp>
+        <p:nvSpPr>
+          <p:cNvPr id="44" name="Shape 44"/>
+          <p:cNvSpPr/>
+          <p:nvPr/>
+        </p:nvSpPr>
+        <p:spPr>
+          <a:xfrm>
+            <a:off x="386308" y="147496"/>
+            <a:ext cx="7757379" cy="553998"/>
+          </a:xfrm>
+          <a:prstGeom prst="rect">
+            <a:avLst/>
+          </a:prstGeom>
+          <a:ln w="12700">
+            <a:miter lim="400000"/>
+          </a:ln>
+          <a:extLst>
+            <a:ext uri="{C572A759-6A51-4108-AA02-DFA0A04FC94B}">
+              <ma14:wrappingTextBoxFlag xmlns:ma14="http://schemas.microsoft.com/office/mac/drawingml/2011/main" xmlns="" val="1"/>
             </a:ext>
           </a:extLst>
         </p:spPr>
@@ -7086,7 +7721,7 @@
           </a:ln>
           <a:extLst>
             <a:ext uri="{C572A759-6A51-4108-AA02-DFA0A04FC94B}">
-              <ma14:wrappingTextBoxFlag xmlns="" xmlns:ma14="http://schemas.microsoft.com/office/mac/drawingml/2011/main" val="1"/>
+              <ma14:wrappingTextBoxFlag xmlns:ma14="http://schemas.microsoft.com/office/mac/drawingml/2011/main" xmlns="" val="1"/>
             </a:ext>
           </a:extLst>
         </p:spPr>
@@ -7290,7 +7925,7 @@
 </p:sld>
 </file>
 
-<file path=ppt/slides/slide18.xml><?xml version="1.0" encoding="utf-8"?>
+<file path=ppt/slides/slide19.xml><?xml version="1.0" encoding="utf-8"?>
 <p:sld xmlns:a="http://schemas.openxmlformats.org/drawingml/2006/main" xmlns:r="http://schemas.openxmlformats.org/officeDocument/2006/relationships" xmlns:p="http://schemas.openxmlformats.org/presentationml/2006/main">
   <p:cSld>
     <p:spTree>
@@ -7326,7 +7961,7 @@
           </a:ln>
           <a:extLst>
             <a:ext uri="{C572A759-6A51-4108-AA02-DFA0A04FC94B}">
-              <ma14:wrappingTextBoxFlag xmlns:ma14="http://schemas.microsoft.com/office/mac/drawingml/2011/main" xmlns="" val="1"/>
+              <ma14:wrappingTextBoxFlag xmlns="" xmlns:ma14="http://schemas.microsoft.com/office/mac/drawingml/2011/main" val="1"/>
             </a:ext>
           </a:extLst>
         </p:spPr>
@@ -7380,435 +8015,6 @@
     <p:extLst>
       <p:ext uri="{BB962C8B-B14F-4D97-AF65-F5344CB8AC3E}">
         <p14:creationId xmlns:p14="http://schemas.microsoft.com/office/powerpoint/2010/main" val="1524365267"/>
-      </p:ext>
-    </p:extLst>
-  </p:cSld>
-  <p:clrMapOvr>
-    <a:masterClrMapping/>
-  </p:clrMapOvr>
-  <p:transition spd="med"/>
-</p:sld>
-</file>
-
-<file path=ppt/slides/slide19.xml><?xml version="1.0" encoding="utf-8"?>
-<p:sld xmlns:a="http://schemas.openxmlformats.org/drawingml/2006/main" xmlns:r="http://schemas.openxmlformats.org/officeDocument/2006/relationships" xmlns:p="http://schemas.openxmlformats.org/presentationml/2006/main">
-  <p:cSld>
-    <p:spTree>
-      <p:nvGrpSpPr>
-        <p:cNvPr id="1" name=""/>
-        <p:cNvGrpSpPr/>
-        <p:nvPr/>
-      </p:nvGrpSpPr>
-      <p:grpSpPr>
-        <a:xfrm>
-          <a:off x="0" y="0"/>
-          <a:ext cx="0" cy="0"/>
-          <a:chOff x="0" y="0"/>
-          <a:chExt cx="0" cy="0"/>
-        </a:xfrm>
-      </p:grpSpPr>
-      <p:sp>
-        <p:nvSpPr>
-          <p:cNvPr id="189" name="Shape 189"/>
-          <p:cNvSpPr/>
-          <p:nvPr/>
-        </p:nvSpPr>
-        <p:spPr>
-          <a:xfrm>
-            <a:off x="386308" y="147496"/>
-            <a:ext cx="7757379" cy="553998"/>
-          </a:xfrm>
-          <a:prstGeom prst="rect">
-            <a:avLst/>
-          </a:prstGeom>
-          <a:ln w="12700">
-            <a:miter lim="400000"/>
-          </a:ln>
-          <a:extLst>
-            <a:ext uri="{C572A759-6A51-4108-AA02-DFA0A04FC94B}">
-              <ma14:wrappingTextBoxFlag xmlns:ma14="http://schemas.microsoft.com/office/mac/drawingml/2011/main" xmlns="" val="1"/>
-            </a:ext>
-          </a:extLst>
-        </p:spPr>
-        <p:txBody>
-          <a:bodyPr lIns="45719" rIns="45719">
-            <a:spAutoFit/>
-          </a:bodyPr>
-          <a:lstStyle>
-            <a:lvl1pPr>
-              <a:defRPr sz="3000" b="1">
-                <a:uFill>
-                  <a:solidFill>
-                    <a:srgbClr val="FFFFFF"/>
-                  </a:solidFill>
-                </a:uFill>
-              </a:defRPr>
-            </a:lvl1pPr>
-          </a:lstStyle>
-          <a:p>
-            <a:pPr lvl="0">
-              <a:defRPr sz="1800" b="0">
-                <a:solidFill>
-                  <a:srgbClr val="000000"/>
-                </a:solidFill>
-                <a:uFillTx/>
-              </a:defRPr>
-            </a:pPr>
-            <a:r>
-              <a:rPr lang="en-US" sz="3000" b="1" dirty="0">
-                <a:uFill>
-                  <a:solidFill>
-                    <a:srgbClr val="FFFFFF"/>
-                  </a:solidFill>
-                </a:uFill>
-                <a:latin typeface="Arial Unicode MS" panose="020B0604020202020204" pitchFamily="34" charset="-128"/>
-              </a:rPr>
-              <a:t>Conditional Construct: CASE</a:t>
-            </a:r>
-            <a:endParaRPr sz="3000" b="1" dirty="0">
-              <a:uFill>
-                <a:solidFill>
-                  <a:srgbClr val="FFFFFF"/>
-                </a:solidFill>
-              </a:uFill>
-              <a:latin typeface="Arial Unicode MS" panose="020B0604020202020204" pitchFamily="34" charset="-128"/>
-            </a:endParaRPr>
-          </a:p>
-        </p:txBody>
-      </p:sp>
-      <p:sp>
-        <p:nvSpPr>
-          <p:cNvPr id="190" name="Shape 190"/>
-          <p:cNvSpPr/>
-          <p:nvPr/>
-        </p:nvSpPr>
-        <p:spPr>
-          <a:xfrm>
-            <a:off x="469900" y="1324179"/>
-            <a:ext cx="8204200" cy="307777"/>
-          </a:xfrm>
-          <a:prstGeom prst="rect">
-            <a:avLst/>
-          </a:prstGeom>
-          <a:ln w="12700">
-            <a:miter lim="400000"/>
-          </a:ln>
-          <a:extLst>
-            <a:ext uri="{C572A759-6A51-4108-AA02-DFA0A04FC94B}">
-              <ma14:wrappingTextBoxFlag xmlns:ma14="http://schemas.microsoft.com/office/mac/drawingml/2011/main" xmlns="" val="1"/>
-            </a:ext>
-          </a:extLst>
-        </p:spPr>
-        <p:txBody>
-          <a:bodyPr lIns="0" tIns="0" rIns="0" bIns="0">
-            <a:spAutoFit/>
-          </a:bodyPr>
-          <a:lstStyle/>
-          <a:p>
-            <a:pPr lvl="0">
-              <a:spcBef>
-                <a:spcPts val="700"/>
-              </a:spcBef>
-              <a:buSzPct val="100000"/>
-              <a:defRPr sz="1800">
-                <a:solidFill>
-                  <a:srgbClr val="000000"/>
-                </a:solidFill>
-                <a:uFillTx/>
-              </a:defRPr>
-            </a:pPr>
-            <a:endParaRPr sz="2000" dirty="0">
-              <a:uFill>
-                <a:solidFill/>
-              </a:uFill>
-              <a:latin typeface="Arial Unicode MS" panose="020B0604020202020204" pitchFamily="34" charset="-128"/>
-              <a:ea typeface="Arial Unicode MS" panose="020B0604020202020204" pitchFamily="34" charset="-128"/>
-              <a:cs typeface="Arial Unicode MS" panose="020B0604020202020204" pitchFamily="34" charset="-128"/>
-              <a:sym typeface="Iowan Old Style Roman"/>
-            </a:endParaRPr>
-          </a:p>
-        </p:txBody>
-      </p:sp>
-      <p:sp>
-        <p:nvSpPr>
-          <p:cNvPr id="2" name="TextBox 1"/>
-          <p:cNvSpPr txBox="1"/>
-          <p:nvPr/>
-        </p:nvSpPr>
-        <p:spPr>
-          <a:xfrm>
-            <a:off x="529119" y="1376737"/>
-            <a:ext cx="7870005" cy="2031325"/>
-          </a:xfrm>
-          <a:prstGeom prst="rect">
-            <a:avLst/>
-          </a:prstGeom>
-          <a:noFill/>
-        </p:spPr>
-        <p:txBody>
-          <a:bodyPr wrap="square" rtlCol="0">
-            <a:spAutoFit/>
-          </a:bodyPr>
-          <a:lstStyle/>
-          <a:p>
-            <a:r>
-              <a:rPr lang="en-US" b="1" dirty="0"/>
-              <a:t>Syntax </a:t>
-            </a:r>
-          </a:p>
-          <a:p>
-            <a:endParaRPr lang="en-US" b="1" dirty="0"/>
-          </a:p>
-          <a:p>
-            <a:r>
-              <a:rPr lang="en-US" b="1" dirty="0"/>
-              <a:t>CASE </a:t>
-            </a:r>
-          </a:p>
-          <a:p>
-            <a:r>
-              <a:rPr lang="en-US" b="1" dirty="0"/>
-              <a:t>	WHEN </a:t>
-            </a:r>
-            <a:r>
-              <a:rPr lang="en-US" b="1" i="1" dirty="0"/>
-              <a:t>condition</a:t>
-            </a:r>
-            <a:r>
-              <a:rPr lang="en-US" b="1" dirty="0"/>
-              <a:t> THEN </a:t>
-            </a:r>
-            <a:r>
-              <a:rPr lang="en-US" b="1" i="1" dirty="0"/>
-              <a:t>result</a:t>
-            </a:r>
-            <a:r>
-              <a:rPr lang="en-US" b="1" dirty="0"/>
-              <a:t> </a:t>
-            </a:r>
-          </a:p>
-          <a:p>
-            <a:r>
-              <a:rPr lang="en-US" b="1" dirty="0"/>
-              <a:t>	[WHEN </a:t>
-            </a:r>
-            <a:r>
-              <a:rPr lang="en-US" b="1" i="1" dirty="0"/>
-              <a:t>condition</a:t>
-            </a:r>
-            <a:r>
-              <a:rPr lang="en-US" b="1" dirty="0"/>
-              <a:t> THEN </a:t>
-            </a:r>
-            <a:r>
-              <a:rPr lang="en-US" b="1" i="1" dirty="0"/>
-              <a:t>result</a:t>
-            </a:r>
-            <a:r>
-              <a:rPr lang="en-US" b="1" dirty="0"/>
-              <a:t>] ... </a:t>
-            </a:r>
-          </a:p>
-          <a:p>
-            <a:r>
-              <a:rPr lang="en-US" b="1" dirty="0"/>
-              <a:t>	[ELSE </a:t>
-            </a:r>
-            <a:r>
-              <a:rPr lang="en-US" b="1" i="1" dirty="0"/>
-              <a:t>result</a:t>
-            </a:r>
-            <a:r>
-              <a:rPr lang="en-US" b="1" dirty="0"/>
-              <a:t>] </a:t>
-            </a:r>
-          </a:p>
-          <a:p>
-            <a:r>
-              <a:rPr lang="en-US" b="1" dirty="0"/>
-              <a:t>END</a:t>
-            </a:r>
-          </a:p>
-        </p:txBody>
-      </p:sp>
-      <p:sp>
-        <p:nvSpPr>
-          <p:cNvPr id="5" name="TextBox 4">
-            <a:extLst>
-              <a:ext uri="{FF2B5EF4-FFF2-40B4-BE49-F238E27FC236}">
-                <a16:creationId xmlns:a16="http://schemas.microsoft.com/office/drawing/2014/main" id="{4D386248-2CE1-40E5-A7F3-AB625F7D29C7}"/>
-              </a:ext>
-            </a:extLst>
-          </p:cNvPr>
-          <p:cNvSpPr txBox="1"/>
-          <p:nvPr/>
-        </p:nvSpPr>
-        <p:spPr>
-          <a:xfrm>
-            <a:off x="202623" y="3773573"/>
-            <a:ext cx="8738753" cy="2585323"/>
-          </a:xfrm>
-          <a:prstGeom prst="rect">
-            <a:avLst/>
-          </a:prstGeom>
-          <a:noFill/>
-        </p:spPr>
-        <p:txBody>
-          <a:bodyPr wrap="square" rtlCol="0">
-            <a:spAutoFit/>
-          </a:bodyPr>
-          <a:lstStyle/>
-          <a:p>
-            <a:r>
-              <a:rPr lang="en-US" dirty="0"/>
-              <a:t>Example: Send targeted ads to Single Females. Do not show ads to Males. Others TBD</a:t>
-            </a:r>
-          </a:p>
-          <a:p>
-            <a:endParaRPr lang="en-US" dirty="0"/>
-          </a:p>
-          <a:p>
-            <a:r>
-              <a:rPr lang="en-US" dirty="0"/>
-              <a:t>SELECT 	</a:t>
-            </a:r>
-            <a:r>
-              <a:rPr lang="en-US" dirty="0" err="1"/>
-              <a:t>P.ProfileID</a:t>
-            </a:r>
-            <a:r>
-              <a:rPr lang="en-US" dirty="0"/>
-              <a:t>, </a:t>
-            </a:r>
-            <a:r>
-              <a:rPr lang="en-US" dirty="0" err="1"/>
-              <a:t>P.Name</a:t>
-            </a:r>
-            <a:r>
-              <a:rPr lang="en-US" dirty="0"/>
-              <a:t>, </a:t>
-            </a:r>
-            <a:r>
-              <a:rPr lang="en-US" dirty="0" err="1"/>
-              <a:t>P.Sex</a:t>
-            </a:r>
-            <a:r>
-              <a:rPr lang="en-US" dirty="0"/>
-              <a:t>, </a:t>
-            </a:r>
-            <a:r>
-              <a:rPr lang="en-US" dirty="0" err="1"/>
-              <a:t>R.Status</a:t>
-            </a:r>
-            <a:r>
-              <a:rPr lang="en-US" dirty="0"/>
-              <a:t>,	</a:t>
-            </a:r>
-          </a:p>
-          <a:p>
-            <a:r>
-              <a:rPr lang="en-US" dirty="0"/>
-              <a:t>	</a:t>
-            </a:r>
-            <a:r>
-              <a:rPr lang="en-US" b="1" dirty="0"/>
-              <a:t>CASE		</a:t>
-            </a:r>
-          </a:p>
-          <a:p>
-            <a:r>
-              <a:rPr lang="en-US" b="1" dirty="0"/>
-              <a:t>	WHEN </a:t>
-            </a:r>
-            <a:r>
-              <a:rPr lang="en-US" b="1" dirty="0" err="1"/>
-              <a:t>P.Sex</a:t>
-            </a:r>
-            <a:r>
-              <a:rPr lang="en-US" b="1" dirty="0"/>
-              <a:t> = 'Female' AND </a:t>
-            </a:r>
-            <a:r>
-              <a:rPr lang="en-US" b="1" dirty="0" err="1"/>
-              <a:t>R.Status</a:t>
-            </a:r>
-            <a:r>
-              <a:rPr lang="en-US" b="1" dirty="0"/>
-              <a:t> = 'Single' THEN `</a:t>
-            </a:r>
-            <a:r>
-              <a:rPr lang="en-US" b="1" dirty="0" err="1"/>
-              <a:t>TargetAd</a:t>
-            </a:r>
-            <a:r>
-              <a:rPr lang="en-US" b="1" dirty="0"/>
-              <a:t>’</a:t>
-            </a:r>
-          </a:p>
-          <a:p>
-            <a:r>
-              <a:rPr lang="en-US" b="1" dirty="0"/>
-              <a:t>	WHEN </a:t>
-            </a:r>
-            <a:r>
-              <a:rPr lang="en-US" b="1" dirty="0" err="1"/>
-              <a:t>P.Sex</a:t>
-            </a:r>
-            <a:r>
-              <a:rPr lang="en-US" b="1" dirty="0"/>
-              <a:t> = 'Male' THEN ‘</a:t>
-            </a:r>
-            <a:r>
-              <a:rPr lang="en-US" b="1" dirty="0" err="1"/>
-              <a:t>NoAd</a:t>
-            </a:r>
-            <a:r>
-              <a:rPr lang="en-US" b="1" dirty="0"/>
-              <a:t>’        </a:t>
-            </a:r>
-          </a:p>
-          <a:p>
-            <a:r>
-              <a:rPr lang="en-US" b="1" dirty="0"/>
-              <a:t>	ELSE 'TBD'    </a:t>
-            </a:r>
-          </a:p>
-          <a:p>
-            <a:r>
-              <a:rPr lang="en-US" b="1" dirty="0"/>
-              <a:t>	END AS </a:t>
-            </a:r>
-            <a:r>
-              <a:rPr lang="en-US" b="1" dirty="0" err="1"/>
-              <a:t>AdTargeting</a:t>
-            </a:r>
-            <a:endParaRPr lang="en-US" b="1" dirty="0"/>
-          </a:p>
-          <a:p>
-            <a:r>
-              <a:rPr lang="en-US" dirty="0"/>
-              <a:t>FROM 	Profiles P JOIN Relationship R ON </a:t>
-            </a:r>
-            <a:r>
-              <a:rPr lang="en-US" dirty="0" err="1"/>
-              <a:t>R.ProfileID</a:t>
-            </a:r>
-            <a:r>
-              <a:rPr lang="en-US" dirty="0"/>
-              <a:t> = </a:t>
-            </a:r>
-            <a:r>
-              <a:rPr lang="en-US" dirty="0" err="1"/>
-              <a:t>P.ProfileID</a:t>
-            </a:r>
-            <a:endParaRPr lang="en-US" dirty="0"/>
-          </a:p>
-        </p:txBody>
-      </p:sp>
-    </p:spTree>
-    <p:extLst>
-      <p:ext uri="{BB962C8B-B14F-4D97-AF65-F5344CB8AC3E}">
-        <p14:creationId xmlns:p14="http://schemas.microsoft.com/office/powerpoint/2010/main" val="3097890677"/>
       </p:ext>
     </p:extLst>
   </p:cSld>
@@ -7855,7 +8061,7 @@
           </a:ln>
           <a:extLst>
             <a:ext uri="{C572A759-6A51-4108-AA02-DFA0A04FC94B}">
-              <ma14:wrappingTextBoxFlag xmlns="" xmlns:ma14="http://schemas.microsoft.com/office/mac/drawingml/2011/main" val="1"/>
+              <ma14:wrappingTextBoxFlag xmlns:ma14="http://schemas.microsoft.com/office/mac/drawingml/2011/main" xmlns="" val="1"/>
             </a:ext>
           </a:extLst>
         </p:spPr>
@@ -7935,7 +8141,7 @@
           </a:ln>
           <a:extLst>
             <a:ext uri="{C572A759-6A51-4108-AA02-DFA0A04FC94B}">
-              <ma14:wrappingTextBoxFlag xmlns="" xmlns:ma14="http://schemas.microsoft.com/office/mac/drawingml/2011/main" val="1"/>
+              <ma14:wrappingTextBoxFlag xmlns:ma14="http://schemas.microsoft.com/office/mac/drawingml/2011/main" xmlns="" val="1"/>
             </a:ext>
           </a:extLst>
         </p:spPr>
@@ -8343,7 +8549,7 @@
           </a:ln>
           <a:extLst>
             <a:ext uri="{C572A759-6A51-4108-AA02-DFA0A04FC94B}">
-              <ma14:wrappingTextBoxFlag xmlns="" xmlns:ma14="http://schemas.microsoft.com/office/mac/drawingml/2011/main" val="1"/>
+              <ma14:wrappingTextBoxFlag xmlns:ma14="http://schemas.microsoft.com/office/mac/drawingml/2011/main" xmlns="" val="1"/>
             </a:ext>
           </a:extLst>
         </p:spPr>
@@ -8567,7 +8773,7 @@
           </a:ln>
           <a:extLst>
             <a:ext uri="{C572A759-6A51-4108-AA02-DFA0A04FC94B}">
-              <ma14:wrappingTextBoxFlag xmlns:ma14="http://schemas.microsoft.com/office/mac/drawingml/2011/main" xmlns="" val="1"/>
+              <ma14:wrappingTextBoxFlag xmlns="" xmlns:ma14="http://schemas.microsoft.com/office/mac/drawingml/2011/main" val="1"/>
             </a:ext>
           </a:extLst>
         </p:spPr>
@@ -8604,7 +8810,7 @@
                 </a:uFill>
                 <a:latin typeface="Arial Unicode MS" panose="020B0604020202020204" pitchFamily="34" charset="-128"/>
               </a:rPr>
-              <a:t>CASE, alternatives</a:t>
+              <a:t>Conditional Construct: CASE</a:t>
             </a:r>
             <a:endParaRPr sz="3000" b="1" dirty="0">
               <a:uFill>
@@ -8636,7 +8842,7 @@
           </a:ln>
           <a:extLst>
             <a:ext uri="{C572A759-6A51-4108-AA02-DFA0A04FC94B}">
-              <ma14:wrappingTextBoxFlag xmlns:ma14="http://schemas.microsoft.com/office/mac/drawingml/2011/main" xmlns="" val="1"/>
+              <ma14:wrappingTextBoxFlag xmlns="" xmlns:ma14="http://schemas.microsoft.com/office/mac/drawingml/2011/main" val="1"/>
             </a:ext>
           </a:extLst>
         </p:spPr>
@@ -8693,17 +8899,17 @@
           <a:lstStyle/>
           <a:p>
             <a:r>
-              <a:rPr lang="en-US" dirty="0"/>
+              <a:rPr lang="en-US" b="1" dirty="0"/>
               <a:t>Syntax </a:t>
             </a:r>
           </a:p>
           <a:p>
-            <a:endParaRPr lang="en-US" dirty="0"/>
+            <a:endParaRPr lang="en-US" b="1" dirty="0"/>
           </a:p>
           <a:p>
             <a:r>
               <a:rPr lang="en-US" b="1" dirty="0"/>
-              <a:t>CASE value</a:t>
+              <a:t>CASE </a:t>
             </a:r>
           </a:p>
           <a:p>
@@ -8712,8 +8918,8 @@
               <a:t>	WHEN </a:t>
             </a:r>
             <a:r>
-              <a:rPr lang="en-US" b="1" i="1" dirty="0" err="1"/>
-              <a:t>compare_value</a:t>
+              <a:rPr lang="en-US" b="1" i="1" dirty="0"/>
+              <a:t>condition</a:t>
             </a:r>
             <a:r>
               <a:rPr lang="en-US" b="1" dirty="0"/>
@@ -8734,8 +8940,8 @@
               <a:t>	[WHEN </a:t>
             </a:r>
             <a:r>
-              <a:rPr lang="en-US" b="1" i="1" dirty="0" err="1"/>
-              <a:t>compare_value</a:t>
+              <a:rPr lang="en-US" b="1" i="1" dirty="0"/>
+              <a:t>condition</a:t>
             </a:r>
             <a:r>
               <a:rPr lang="en-US" b="1" dirty="0"/>
@@ -8786,8 +8992,8 @@
         </p:nvSpPr>
         <p:spPr>
           <a:xfrm>
-            <a:off x="432137" y="3763182"/>
-            <a:ext cx="8241963" cy="2862322"/>
+            <a:off x="202623" y="3773573"/>
+            <a:ext cx="8738753" cy="2585323"/>
           </a:xfrm>
           <a:prstGeom prst="rect">
             <a:avLst/>
@@ -8802,7 +9008,7 @@
           <a:p>
             <a:r>
               <a:rPr lang="en-US" dirty="0"/>
-              <a:t>Example: Is the student at Stern or not?</a:t>
+              <a:t>Example: Send targeted ads to Single Females. Do not show ads to Males. Others TBD</a:t>
             </a:r>
           </a:p>
           <a:p>
@@ -8839,11 +9045,11 @@
             </a:r>
             <a:r>
               <a:rPr lang="en-US" dirty="0" err="1"/>
-              <a:t>C.Concentration</a:t>
+              <a:t>R.Status</a:t>
             </a:r>
             <a:r>
               <a:rPr lang="en-US" dirty="0"/>
-              <a:t>,		</a:t>
+              <a:t>,	</a:t>
             </a:r>
           </a:p>
           <a:p>
@@ -8853,71 +9059,65 @@
             </a:r>
             <a:r>
               <a:rPr lang="en-US" b="1" dirty="0"/>
-              <a:t>CASE </a:t>
+              <a:t>CASE		</a:t>
+            </a:r>
+          </a:p>
+          <a:p>
+            <a:r>
+              <a:rPr lang="en-US" b="1" dirty="0"/>
+              <a:t>	WHEN </a:t>
             </a:r>
             <a:r>
               <a:rPr lang="en-US" b="1" dirty="0" err="1"/>
-              <a:t>C.Concentration</a:t>
+              <a:t>P.Sex</a:t>
             </a:r>
             <a:r>
               <a:rPr lang="en-US" b="1" dirty="0"/>
-              <a:t> 			</a:t>
-            </a:r>
-          </a:p>
-          <a:p>
+              <a:t> = 'Female' AND </a:t>
+            </a:r>
+            <a:r>
+              <a:rPr lang="en-US" b="1" dirty="0" err="1"/>
+              <a:t>R.Status</a:t>
+            </a:r>
             <a:r>
               <a:rPr lang="en-US" b="1" dirty="0"/>
-              <a:t>	WHEN 'Finance' THEN '</a:t>
+              <a:t> = 'Single' THEN `</a:t>
             </a:r>
             <a:r>
               <a:rPr lang="en-US" b="1" dirty="0" err="1"/>
-              <a:t>Sternie</a:t>
+              <a:t>TargetAd</a:t>
             </a:r>
             <a:r>
               <a:rPr lang="en-US" b="1" dirty="0"/>
-              <a:t>’	</a:t>
+              <a:t>’</a:t>
             </a:r>
           </a:p>
           <a:p>
             <a:r>
               <a:rPr lang="en-US" b="1" dirty="0"/>
-              <a:t>	WHEN 'Accounting' THEN '</a:t>
+              <a:t>	WHEN </a:t>
             </a:r>
             <a:r>
               <a:rPr lang="en-US" b="1" dirty="0" err="1"/>
-              <a:t>Sternie</a:t>
+              <a:t>P.Sex</a:t>
             </a:r>
             <a:r>
               <a:rPr lang="en-US" b="1" dirty="0"/>
-              <a:t>'    </a:t>
-            </a:r>
-          </a:p>
-          <a:p>
+              <a:t> = 'Male' THEN ‘</a:t>
+            </a:r>
+            <a:r>
+              <a:rPr lang="en-US" b="1" dirty="0" err="1"/>
+              <a:t>NoAd</a:t>
+            </a:r>
             <a:r>
               <a:rPr lang="en-US" b="1" dirty="0"/>
-              <a:t>	WHEN 'Marketing' THEN '</a:t>
-            </a:r>
-            <a:r>
-              <a:rPr lang="en-US" b="1" dirty="0" err="1"/>
-              <a:t>Sternie</a:t>
-            </a:r>
+              <a:t>’        </a:t>
+            </a:r>
+          </a:p>
+          <a:p>
             <a:r>
               <a:rPr lang="en-US" b="1" dirty="0"/>
-              <a:t>’	</a:t>
-            </a:r>
-          </a:p>
-          <a:p>
-            <a:r>
-              <a:rPr lang="en-US" b="1" dirty="0"/>
-              <a:t>	ELSE 'Not a </a:t>
-            </a:r>
-            <a:r>
-              <a:rPr lang="en-US" b="1" dirty="0" err="1"/>
-              <a:t>Sternie</a:t>
-            </a:r>
-            <a:r>
-              <a:rPr lang="en-US" b="1" dirty="0"/>
-              <a:t>'    	</a:t>
+              <a:t>	ELSE 'TBD'    </a:t>
             </a:r>
           </a:p>
           <a:p>
@@ -8927,18 +9127,18 @@
             </a:r>
             <a:r>
               <a:rPr lang="en-US" b="1" dirty="0" err="1"/>
-              <a:t>SternieOrNot</a:t>
+              <a:t>AdTargeting</a:t>
             </a:r>
             <a:endParaRPr lang="en-US" b="1" dirty="0"/>
           </a:p>
           <a:p>
             <a:r>
               <a:rPr lang="en-US" dirty="0"/>
-              <a:t>FROM 	Profiles P JOIN Concentration C ON </a:t>
+              <a:t>FROM 	Profiles P JOIN Relationship R ON </a:t>
             </a:r>
             <a:r>
               <a:rPr lang="en-US" dirty="0" err="1"/>
-              <a:t>C.ProfileID</a:t>
+              <a:t>R.ProfileID</a:t>
             </a:r>
             <a:r>
               <a:rPr lang="en-US" dirty="0"/>
@@ -8955,7 +9155,7 @@
     </p:spTree>
     <p:extLst>
       <p:ext uri="{BB962C8B-B14F-4D97-AF65-F5344CB8AC3E}">
-        <p14:creationId xmlns:p14="http://schemas.microsoft.com/office/powerpoint/2010/main" val="2749116236"/>
+        <p14:creationId xmlns:p14="http://schemas.microsoft.com/office/powerpoint/2010/main" val="3097890677"/>
       </p:ext>
     </p:extLst>
   </p:cSld>
@@ -9002,7 +9202,7 @@
           </a:ln>
           <a:extLst>
             <a:ext uri="{C572A759-6A51-4108-AA02-DFA0A04FC94B}">
-              <ma14:wrappingTextBoxFlag xmlns:ma14="http://schemas.microsoft.com/office/mac/drawingml/2011/main" xmlns="" val="1"/>
+              <ma14:wrappingTextBoxFlag xmlns="" xmlns:ma14="http://schemas.microsoft.com/office/mac/drawingml/2011/main" val="1"/>
             </a:ext>
           </a:extLst>
         </p:spPr>
@@ -9039,7 +9239,7 @@
                 </a:uFill>
                 <a:latin typeface="Arial Unicode MS" panose="020B0604020202020204" pitchFamily="34" charset="-128"/>
               </a:rPr>
-              <a:t>Practice Query</a:t>
+              <a:t>CASE, alternatives</a:t>
             </a:r>
             <a:endParaRPr sz="3000" b="1" dirty="0">
               <a:uFill>
@@ -9071,7 +9271,442 @@
           </a:ln>
           <a:extLst>
             <a:ext uri="{C572A759-6A51-4108-AA02-DFA0A04FC94B}">
-              <ma14:wrappingTextBoxFlag xmlns:ma14="http://schemas.microsoft.com/office/mac/drawingml/2011/main" xmlns="" val="1"/>
+              <ma14:wrappingTextBoxFlag xmlns="" xmlns:ma14="http://schemas.microsoft.com/office/mac/drawingml/2011/main" val="1"/>
+            </a:ext>
+          </a:extLst>
+        </p:spPr>
+        <p:txBody>
+          <a:bodyPr lIns="0" tIns="0" rIns="0" bIns="0">
+            <a:spAutoFit/>
+          </a:bodyPr>
+          <a:lstStyle/>
+          <a:p>
+            <a:pPr lvl="0">
+              <a:spcBef>
+                <a:spcPts val="700"/>
+              </a:spcBef>
+              <a:buSzPct val="100000"/>
+              <a:defRPr sz="1800">
+                <a:solidFill>
+                  <a:srgbClr val="000000"/>
+                </a:solidFill>
+                <a:uFillTx/>
+              </a:defRPr>
+            </a:pPr>
+            <a:endParaRPr sz="2000" dirty="0">
+              <a:uFill>
+                <a:solidFill/>
+              </a:uFill>
+              <a:latin typeface="Arial Unicode MS" panose="020B0604020202020204" pitchFamily="34" charset="-128"/>
+              <a:ea typeface="Arial Unicode MS" panose="020B0604020202020204" pitchFamily="34" charset="-128"/>
+              <a:cs typeface="Arial Unicode MS" panose="020B0604020202020204" pitchFamily="34" charset="-128"/>
+              <a:sym typeface="Iowan Old Style Roman"/>
+            </a:endParaRPr>
+          </a:p>
+        </p:txBody>
+      </p:sp>
+      <p:sp>
+        <p:nvSpPr>
+          <p:cNvPr id="2" name="TextBox 1"/>
+          <p:cNvSpPr txBox="1"/>
+          <p:nvPr/>
+        </p:nvSpPr>
+        <p:spPr>
+          <a:xfrm>
+            <a:off x="529119" y="1376737"/>
+            <a:ext cx="7870005" cy="2031325"/>
+          </a:xfrm>
+          <a:prstGeom prst="rect">
+            <a:avLst/>
+          </a:prstGeom>
+          <a:noFill/>
+        </p:spPr>
+        <p:txBody>
+          <a:bodyPr wrap="square" rtlCol="0">
+            <a:spAutoFit/>
+          </a:bodyPr>
+          <a:lstStyle/>
+          <a:p>
+            <a:r>
+              <a:rPr lang="en-US" dirty="0"/>
+              <a:t>Syntax </a:t>
+            </a:r>
+          </a:p>
+          <a:p>
+            <a:endParaRPr lang="en-US" dirty="0"/>
+          </a:p>
+          <a:p>
+            <a:r>
+              <a:rPr lang="en-US" b="1" dirty="0"/>
+              <a:t>CASE value</a:t>
+            </a:r>
+          </a:p>
+          <a:p>
+            <a:r>
+              <a:rPr lang="en-US" b="1" dirty="0"/>
+              <a:t>	WHEN </a:t>
+            </a:r>
+            <a:r>
+              <a:rPr lang="en-US" b="1" i="1" dirty="0" err="1"/>
+              <a:t>compare_value</a:t>
+            </a:r>
+            <a:r>
+              <a:rPr lang="en-US" b="1" dirty="0"/>
+              <a:t> THEN </a:t>
+            </a:r>
+            <a:r>
+              <a:rPr lang="en-US" b="1" i="1" dirty="0"/>
+              <a:t>result</a:t>
+            </a:r>
+            <a:r>
+              <a:rPr lang="en-US" b="1" dirty="0"/>
+              <a:t> </a:t>
+            </a:r>
+          </a:p>
+          <a:p>
+            <a:r>
+              <a:rPr lang="en-US" b="1" dirty="0"/>
+              <a:t>	[WHEN </a:t>
+            </a:r>
+            <a:r>
+              <a:rPr lang="en-US" b="1" i="1" dirty="0" err="1"/>
+              <a:t>compare_value</a:t>
+            </a:r>
+            <a:r>
+              <a:rPr lang="en-US" b="1" dirty="0"/>
+              <a:t> THEN </a:t>
+            </a:r>
+            <a:r>
+              <a:rPr lang="en-US" b="1" i="1" dirty="0"/>
+              <a:t>result</a:t>
+            </a:r>
+            <a:r>
+              <a:rPr lang="en-US" b="1" dirty="0"/>
+              <a:t>] ... </a:t>
+            </a:r>
+          </a:p>
+          <a:p>
+            <a:r>
+              <a:rPr lang="en-US" b="1" dirty="0"/>
+              <a:t>	[ELSE </a:t>
+            </a:r>
+            <a:r>
+              <a:rPr lang="en-US" b="1" i="1" dirty="0"/>
+              <a:t>result</a:t>
+            </a:r>
+            <a:r>
+              <a:rPr lang="en-US" b="1" dirty="0"/>
+              <a:t>] </a:t>
+            </a:r>
+          </a:p>
+          <a:p>
+            <a:r>
+              <a:rPr lang="en-US" b="1" dirty="0"/>
+              <a:t>END</a:t>
+            </a:r>
+          </a:p>
+        </p:txBody>
+      </p:sp>
+      <p:sp>
+        <p:nvSpPr>
+          <p:cNvPr id="5" name="TextBox 4">
+            <a:extLst>
+              <a:ext uri="{FF2B5EF4-FFF2-40B4-BE49-F238E27FC236}">
+                <a16:creationId xmlns:a16="http://schemas.microsoft.com/office/drawing/2014/main" id="{4D386248-2CE1-40E5-A7F3-AB625F7D29C7}"/>
+              </a:ext>
+            </a:extLst>
+          </p:cNvPr>
+          <p:cNvSpPr txBox="1"/>
+          <p:nvPr/>
+        </p:nvSpPr>
+        <p:spPr>
+          <a:xfrm>
+            <a:off x="432137" y="3763182"/>
+            <a:ext cx="8241963" cy="2862322"/>
+          </a:xfrm>
+          <a:prstGeom prst="rect">
+            <a:avLst/>
+          </a:prstGeom>
+          <a:noFill/>
+        </p:spPr>
+        <p:txBody>
+          <a:bodyPr wrap="square" rtlCol="0">
+            <a:spAutoFit/>
+          </a:bodyPr>
+          <a:lstStyle/>
+          <a:p>
+            <a:r>
+              <a:rPr lang="en-US" dirty="0"/>
+              <a:t>Example: Is the student at Stern or not?</a:t>
+            </a:r>
+          </a:p>
+          <a:p>
+            <a:endParaRPr lang="en-US" dirty="0"/>
+          </a:p>
+          <a:p>
+            <a:r>
+              <a:rPr lang="en-US" dirty="0"/>
+              <a:t>SELECT 	</a:t>
+            </a:r>
+            <a:r>
+              <a:rPr lang="en-US" dirty="0" err="1"/>
+              <a:t>P.ProfileID</a:t>
+            </a:r>
+            <a:r>
+              <a:rPr lang="en-US" dirty="0"/>
+              <a:t>, </a:t>
+            </a:r>
+            <a:r>
+              <a:rPr lang="en-US" dirty="0" err="1"/>
+              <a:t>P.Name</a:t>
+            </a:r>
+            <a:r>
+              <a:rPr lang="en-US" dirty="0"/>
+              <a:t>, </a:t>
+            </a:r>
+            <a:r>
+              <a:rPr lang="en-US" dirty="0" err="1"/>
+              <a:t>P.Sex</a:t>
+            </a:r>
+            <a:r>
+              <a:rPr lang="en-US" dirty="0"/>
+              <a:t>, </a:t>
+            </a:r>
+            <a:r>
+              <a:rPr lang="en-US" dirty="0" err="1"/>
+              <a:t>C.Concentration</a:t>
+            </a:r>
+            <a:r>
+              <a:rPr lang="en-US" dirty="0"/>
+              <a:t>,		</a:t>
+            </a:r>
+          </a:p>
+          <a:p>
+            <a:r>
+              <a:rPr lang="en-US" dirty="0"/>
+              <a:t>	</a:t>
+            </a:r>
+            <a:r>
+              <a:rPr lang="en-US" b="1" dirty="0"/>
+              <a:t>CASE </a:t>
+            </a:r>
+            <a:r>
+              <a:rPr lang="en-US" b="1" dirty="0" err="1"/>
+              <a:t>C.Concentration</a:t>
+            </a:r>
+            <a:r>
+              <a:rPr lang="en-US" b="1" dirty="0"/>
+              <a:t> 			</a:t>
+            </a:r>
+          </a:p>
+          <a:p>
+            <a:r>
+              <a:rPr lang="en-US" b="1" dirty="0"/>
+              <a:t>	WHEN 'Finance' THEN '</a:t>
+            </a:r>
+            <a:r>
+              <a:rPr lang="en-US" b="1" dirty="0" err="1"/>
+              <a:t>Sternie</a:t>
+            </a:r>
+            <a:r>
+              <a:rPr lang="en-US" b="1" dirty="0"/>
+              <a:t>’	</a:t>
+            </a:r>
+          </a:p>
+          <a:p>
+            <a:r>
+              <a:rPr lang="en-US" b="1" dirty="0"/>
+              <a:t>	WHEN 'Accounting' THEN '</a:t>
+            </a:r>
+            <a:r>
+              <a:rPr lang="en-US" b="1" dirty="0" err="1"/>
+              <a:t>Sternie</a:t>
+            </a:r>
+            <a:r>
+              <a:rPr lang="en-US" b="1" dirty="0"/>
+              <a:t>'    </a:t>
+            </a:r>
+          </a:p>
+          <a:p>
+            <a:r>
+              <a:rPr lang="en-US" b="1" dirty="0"/>
+              <a:t>	WHEN 'Marketing' THEN '</a:t>
+            </a:r>
+            <a:r>
+              <a:rPr lang="en-US" b="1" dirty="0" err="1"/>
+              <a:t>Sternie</a:t>
+            </a:r>
+            <a:r>
+              <a:rPr lang="en-US" b="1" dirty="0"/>
+              <a:t>’	</a:t>
+            </a:r>
+          </a:p>
+          <a:p>
+            <a:r>
+              <a:rPr lang="en-US" b="1" dirty="0"/>
+              <a:t>	ELSE 'Not a </a:t>
+            </a:r>
+            <a:r>
+              <a:rPr lang="en-US" b="1" dirty="0" err="1"/>
+              <a:t>Sternie</a:t>
+            </a:r>
+            <a:r>
+              <a:rPr lang="en-US" b="1" dirty="0"/>
+              <a:t>'    	</a:t>
+            </a:r>
+          </a:p>
+          <a:p>
+            <a:r>
+              <a:rPr lang="en-US" b="1" dirty="0"/>
+              <a:t>	END AS </a:t>
+            </a:r>
+            <a:r>
+              <a:rPr lang="en-US" b="1" dirty="0" err="1"/>
+              <a:t>SternieOrNot</a:t>
+            </a:r>
+            <a:endParaRPr lang="en-US" b="1" dirty="0"/>
+          </a:p>
+          <a:p>
+            <a:r>
+              <a:rPr lang="en-US" dirty="0"/>
+              <a:t>FROM 	Profiles P JOIN Concentration C ON </a:t>
+            </a:r>
+            <a:r>
+              <a:rPr lang="en-US" dirty="0" err="1"/>
+              <a:t>C.ProfileID</a:t>
+            </a:r>
+            <a:r>
+              <a:rPr lang="en-US" dirty="0"/>
+              <a:t> = </a:t>
+            </a:r>
+            <a:r>
+              <a:rPr lang="en-US" dirty="0" err="1"/>
+              <a:t>P.ProfileID</a:t>
+            </a:r>
+            <a:endParaRPr lang="en-US" dirty="0"/>
+          </a:p>
+        </p:txBody>
+      </p:sp>
+    </p:spTree>
+    <p:extLst>
+      <p:ext uri="{BB962C8B-B14F-4D97-AF65-F5344CB8AC3E}">
+        <p14:creationId xmlns:p14="http://schemas.microsoft.com/office/powerpoint/2010/main" val="2749116236"/>
+      </p:ext>
+    </p:extLst>
+  </p:cSld>
+  <p:clrMapOvr>
+    <a:masterClrMapping/>
+  </p:clrMapOvr>
+  <p:transition spd="med"/>
+</p:sld>
+</file>
+
+<file path=ppt/slides/slide22.xml><?xml version="1.0" encoding="utf-8"?>
+<p:sld xmlns:a="http://schemas.openxmlformats.org/drawingml/2006/main" xmlns:r="http://schemas.openxmlformats.org/officeDocument/2006/relationships" xmlns:p="http://schemas.openxmlformats.org/presentationml/2006/main">
+  <p:cSld>
+    <p:spTree>
+      <p:nvGrpSpPr>
+        <p:cNvPr id="1" name=""/>
+        <p:cNvGrpSpPr/>
+        <p:nvPr/>
+      </p:nvGrpSpPr>
+      <p:grpSpPr>
+        <a:xfrm>
+          <a:off x="0" y="0"/>
+          <a:ext cx="0" cy="0"/>
+          <a:chOff x="0" y="0"/>
+          <a:chExt cx="0" cy="0"/>
+        </a:xfrm>
+      </p:grpSpPr>
+      <p:sp>
+        <p:nvSpPr>
+          <p:cNvPr id="189" name="Shape 189"/>
+          <p:cNvSpPr/>
+          <p:nvPr/>
+        </p:nvSpPr>
+        <p:spPr>
+          <a:xfrm>
+            <a:off x="386308" y="147496"/>
+            <a:ext cx="7757379" cy="553998"/>
+          </a:xfrm>
+          <a:prstGeom prst="rect">
+            <a:avLst/>
+          </a:prstGeom>
+          <a:ln w="12700">
+            <a:miter lim="400000"/>
+          </a:ln>
+          <a:extLst>
+            <a:ext uri="{C572A759-6A51-4108-AA02-DFA0A04FC94B}">
+              <ma14:wrappingTextBoxFlag xmlns="" xmlns:ma14="http://schemas.microsoft.com/office/mac/drawingml/2011/main" val="1"/>
+            </a:ext>
+          </a:extLst>
+        </p:spPr>
+        <p:txBody>
+          <a:bodyPr lIns="45719" rIns="45719">
+            <a:spAutoFit/>
+          </a:bodyPr>
+          <a:lstStyle>
+            <a:lvl1pPr>
+              <a:defRPr sz="3000" b="1">
+                <a:uFill>
+                  <a:solidFill>
+                    <a:srgbClr val="FFFFFF"/>
+                  </a:solidFill>
+                </a:uFill>
+              </a:defRPr>
+            </a:lvl1pPr>
+          </a:lstStyle>
+          <a:p>
+            <a:pPr lvl="0">
+              <a:defRPr sz="1800" b="0">
+                <a:solidFill>
+                  <a:srgbClr val="000000"/>
+                </a:solidFill>
+                <a:uFillTx/>
+              </a:defRPr>
+            </a:pPr>
+            <a:r>
+              <a:rPr lang="en-US" sz="3000" b="1" dirty="0">
+                <a:uFill>
+                  <a:solidFill>
+                    <a:srgbClr val="FFFFFF"/>
+                  </a:solidFill>
+                </a:uFill>
+                <a:latin typeface="Arial Unicode MS" panose="020B0604020202020204" pitchFamily="34" charset="-128"/>
+              </a:rPr>
+              <a:t>Practice Query</a:t>
+            </a:r>
+            <a:endParaRPr sz="3000" b="1" dirty="0">
+              <a:uFill>
+                <a:solidFill>
+                  <a:srgbClr val="FFFFFF"/>
+                </a:solidFill>
+              </a:uFill>
+              <a:latin typeface="Arial Unicode MS" panose="020B0604020202020204" pitchFamily="34" charset="-128"/>
+            </a:endParaRPr>
+          </a:p>
+        </p:txBody>
+      </p:sp>
+      <p:sp>
+        <p:nvSpPr>
+          <p:cNvPr id="190" name="Shape 190"/>
+          <p:cNvSpPr/>
+          <p:nvPr/>
+        </p:nvSpPr>
+        <p:spPr>
+          <a:xfrm>
+            <a:off x="469900" y="1324179"/>
+            <a:ext cx="8204200" cy="307777"/>
+          </a:xfrm>
+          <a:prstGeom prst="rect">
+            <a:avLst/>
+          </a:prstGeom>
+          <a:ln w="12700">
+            <a:miter lim="400000"/>
+          </a:ln>
+          <a:extLst>
+            <a:ext uri="{C572A759-6A51-4108-AA02-DFA0A04FC94B}">
+              <ma14:wrappingTextBoxFlag xmlns="" xmlns:ma14="http://schemas.microsoft.com/office/mac/drawingml/2011/main" val="1"/>
             </a:ext>
           </a:extLst>
         </p:spPr>
@@ -9165,7 +9800,7 @@
 </p:sld>
 </file>
 
-<file path=ppt/slides/slide22.xml><?xml version="1.0" encoding="utf-8"?>
+<file path=ppt/slides/slide23.xml><?xml version="1.0" encoding="utf-8"?>
 <p:sld xmlns:a="http://schemas.openxmlformats.org/drawingml/2006/main" xmlns:r="http://schemas.openxmlformats.org/officeDocument/2006/relationships" xmlns:p="http://schemas.openxmlformats.org/presentationml/2006/main">
   <p:cSld>
     <p:spTree>
@@ -9201,7 +9836,7 @@
           </a:ln>
           <a:extLst>
             <a:ext uri="{C572A759-6A51-4108-AA02-DFA0A04FC94B}">
-              <ma14:wrappingTextBoxFlag xmlns:ma14="http://schemas.microsoft.com/office/mac/drawingml/2011/main" xmlns="" val="1"/>
+              <ma14:wrappingTextBoxFlag xmlns="" xmlns:ma14="http://schemas.microsoft.com/office/mac/drawingml/2011/main" val="1"/>
             </a:ext>
           </a:extLst>
         </p:spPr>
@@ -9265,7 +9900,7 @@
 </p:sld>
 </file>
 
-<file path=ppt/slides/slide23.xml><?xml version="1.0" encoding="utf-8"?>
+<file path=ppt/slides/slide24.xml><?xml version="1.0" encoding="utf-8"?>
 <p:sld xmlns:a="http://schemas.openxmlformats.org/drawingml/2006/main" xmlns:r="http://schemas.openxmlformats.org/officeDocument/2006/relationships" xmlns:p="http://schemas.openxmlformats.org/presentationml/2006/main">
   <p:cSld>
     <p:spTree>
@@ -9301,7 +9936,7 @@
           </a:ln>
           <a:extLst>
             <a:ext uri="{C572A759-6A51-4108-AA02-DFA0A04FC94B}">
-              <ma14:wrappingTextBoxFlag xmlns:ma14="http://schemas.microsoft.com/office/mac/drawingml/2011/main" xmlns="" val="1"/>
+              <ma14:wrappingTextBoxFlag xmlns="" xmlns:ma14="http://schemas.microsoft.com/office/mac/drawingml/2011/main" val="1"/>
             </a:ext>
           </a:extLst>
         </p:spPr>
@@ -9381,7 +10016,7 @@
           </a:ln>
           <a:extLst>
             <a:ext uri="{C572A759-6A51-4108-AA02-DFA0A04FC94B}">
-              <ma14:wrappingTextBoxFlag xmlns:ma14="http://schemas.microsoft.com/office/mac/drawingml/2011/main" xmlns="" val="1"/>
+              <ma14:wrappingTextBoxFlag xmlns="" xmlns:ma14="http://schemas.microsoft.com/office/mac/drawingml/2011/main" val="1"/>
             </a:ext>
           </a:extLst>
         </p:spPr>
@@ -9434,7 +10069,7 @@
           </a:ln>
           <a:extLst>
             <a:ext uri="{C572A759-6A51-4108-AA02-DFA0A04FC94B}">
-              <ma14:wrappingTextBoxFlag xmlns:ma14="http://schemas.microsoft.com/office/mac/drawingml/2011/main" xmlns="" val="1"/>
+              <ma14:wrappingTextBoxFlag xmlns="" xmlns:ma14="http://schemas.microsoft.com/office/mac/drawingml/2011/main" val="1"/>
             </a:ext>
           </a:extLst>
         </p:spPr>
@@ -9939,7 +10574,7 @@
 </p:sld>
 </file>
 
-<file path=ppt/slides/slide24.xml><?xml version="1.0" encoding="utf-8"?>
+<file path=ppt/slides/slide25.xml><?xml version="1.0" encoding="utf-8"?>
 <p:sld xmlns:a="http://schemas.openxmlformats.org/drawingml/2006/main" xmlns:r="http://schemas.openxmlformats.org/officeDocument/2006/relationships" xmlns:p="http://schemas.openxmlformats.org/presentationml/2006/main">
   <p:cSld>
     <p:spTree>
@@ -10066,7 +10701,7 @@
           </a:ln>
           <a:extLst>
             <a:ext uri="{C572A759-6A51-4108-AA02-DFA0A04FC94B}">
-              <ma14:wrappingTextBoxFlag xmlns="" xmlns:ma14="http://schemas.microsoft.com/office/mac/drawingml/2011/main" val="1"/>
+              <ma14:wrappingTextBoxFlag xmlns:ma14="http://schemas.microsoft.com/office/mac/drawingml/2011/main" xmlns="" val="1"/>
             </a:ext>
           </a:extLst>
         </p:spPr>
@@ -10377,7 +11012,7 @@
           </a:ln>
           <a:extLst>
             <a:ext uri="{C572A759-6A51-4108-AA02-DFA0A04FC94B}">
-              <ma14:wrappingTextBoxFlag xmlns="" xmlns:ma14="http://schemas.microsoft.com/office/mac/drawingml/2011/main" val="1"/>
+              <ma14:wrappingTextBoxFlag xmlns:ma14="http://schemas.microsoft.com/office/mac/drawingml/2011/main" xmlns="" val="1"/>
             </a:ext>
           </a:extLst>
         </p:spPr>
@@ -10479,7 +11114,7 @@
           </a:ln>
           <a:extLst>
             <a:ext uri="{C572A759-6A51-4108-AA02-DFA0A04FC94B}">
-              <ma14:wrappingTextBoxFlag xmlns="" xmlns:ma14="http://schemas.microsoft.com/office/mac/drawingml/2011/main" val="1"/>
+              <ma14:wrappingTextBoxFlag xmlns:ma14="http://schemas.microsoft.com/office/mac/drawingml/2011/main" xmlns="" val="1"/>
             </a:ext>
           </a:extLst>
         </p:spPr>
@@ -10771,7 +11406,7 @@
           </a:ln>
           <a:extLst>
             <a:ext uri="{C572A759-6A51-4108-AA02-DFA0A04FC94B}">
-              <ma14:wrappingTextBoxFlag xmlns="" xmlns:ma14="http://schemas.microsoft.com/office/mac/drawingml/2011/main" val="1"/>
+              <ma14:wrappingTextBoxFlag xmlns:ma14="http://schemas.microsoft.com/office/mac/drawingml/2011/main" xmlns="" val="1"/>
             </a:ext>
           </a:extLst>
         </p:spPr>
@@ -11261,7 +11896,7 @@
           </a:ln>
           <a:extLst>
             <a:ext uri="{C572A759-6A51-4108-AA02-DFA0A04FC94B}">
-              <ma14:wrappingTextBoxFlag xmlns="" xmlns:ma14="http://schemas.microsoft.com/office/mac/drawingml/2011/main" val="1"/>
+              <ma14:wrappingTextBoxFlag xmlns:ma14="http://schemas.microsoft.com/office/mac/drawingml/2011/main" xmlns="" val="1"/>
             </a:ext>
           </a:extLst>
         </p:spPr>
@@ -11363,7 +11998,7 @@
           </a:ln>
           <a:extLst>
             <a:ext uri="{C572A759-6A51-4108-AA02-DFA0A04FC94B}">
-              <ma14:wrappingTextBoxFlag xmlns="" xmlns:ma14="http://schemas.microsoft.com/office/mac/drawingml/2011/main" val="1"/>
+              <ma14:wrappingTextBoxFlag xmlns:ma14="http://schemas.microsoft.com/office/mac/drawingml/2011/main" xmlns="" val="1"/>
             </a:ext>
           </a:extLst>
         </p:spPr>
@@ -11812,7 +12447,7 @@
           </a:ln>
           <a:extLst>
             <a:ext uri="{C572A759-6A51-4108-AA02-DFA0A04FC94B}">
-              <ma14:wrappingTextBoxFlag xmlns="" xmlns:ma14="http://schemas.microsoft.com/office/mac/drawingml/2011/main" val="1"/>
+              <ma14:wrappingTextBoxFlag xmlns:ma14="http://schemas.microsoft.com/office/mac/drawingml/2011/main" xmlns="" val="1"/>
             </a:ext>
           </a:extLst>
         </p:spPr>
@@ -12766,7 +13401,7 @@
           </a:ln>
           <a:extLst>
             <a:ext uri="{C572A759-6A51-4108-AA02-DFA0A04FC94B}">
-              <ma14:wrappingTextBoxFlag xmlns="" xmlns:ma14="http://schemas.microsoft.com/office/mac/drawingml/2011/main" val="1"/>
+              <ma14:wrappingTextBoxFlag xmlns:ma14="http://schemas.microsoft.com/office/mac/drawingml/2011/main" xmlns="" val="1"/>
             </a:ext>
           </a:extLst>
         </p:spPr>
@@ -12868,7 +13503,7 @@
           </a:ln>
           <a:extLst>
             <a:ext uri="{C572A759-6A51-4108-AA02-DFA0A04FC94B}">
-              <ma14:wrappingTextBoxFlag xmlns="" xmlns:ma14="http://schemas.microsoft.com/office/mac/drawingml/2011/main" val="1"/>
+              <ma14:wrappingTextBoxFlag xmlns:ma14="http://schemas.microsoft.com/office/mac/drawingml/2011/main" xmlns="" val="1"/>
             </a:ext>
           </a:extLst>
         </p:spPr>
@@ -13173,7 +13808,7 @@
           </a:ln>
           <a:extLst>
             <a:ext uri="{C572A759-6A51-4108-AA02-DFA0A04FC94B}">
-              <ma14:wrappingTextBoxFlag xmlns="" xmlns:ma14="http://schemas.microsoft.com/office/mac/drawingml/2011/main" val="1"/>
+              <ma14:wrappingTextBoxFlag xmlns:ma14="http://schemas.microsoft.com/office/mac/drawingml/2011/main" xmlns="" val="1"/>
             </a:ext>
           </a:extLst>
         </p:spPr>

--- a/session3/B3-SQL_Filtering.pptx
+++ b/session3/B3-SQL_Filtering.pptx
@@ -328,7 +328,7 @@
             <a:fld id="{0F6AC800-BF99-41BB-8DE5-8FC7E09D6C23}" type="datetimeFigureOut">
               <a:rPr lang="en-US" smtClean="0"/>
               <a:pPr/>
-              <a:t>5/24/2021</a:t>
+              <a:t>1/20/2023</a:t>
             </a:fld>
             <a:endParaRPr lang="en-US" dirty="0"/>
           </a:p>
@@ -732,7 +732,7 @@
           <a:p>
             <a:fld id="{5F4C8C79-FAFE-4D56-A4D5-361B65C3B3FA}" type="datetimeFigureOut">
               <a:rPr lang="en-US" smtClean="0"/>
-              <a:t>5/24/2021</a:t>
+              <a:t>1/20/2023</a:t>
             </a:fld>
             <a:endParaRPr lang="en-US"/>
           </a:p>
@@ -902,7 +902,7 @@
           <a:p>
             <a:fld id="{5F4C8C79-FAFE-4D56-A4D5-361B65C3B3FA}" type="datetimeFigureOut">
               <a:rPr lang="en-US" smtClean="0"/>
-              <a:t>5/24/2021</a:t>
+              <a:t>1/20/2023</a:t>
             </a:fld>
             <a:endParaRPr lang="en-US"/>
           </a:p>
@@ -1082,7 +1082,7 @@
           <a:p>
             <a:fld id="{5F4C8C79-FAFE-4D56-A4D5-361B65C3B3FA}" type="datetimeFigureOut">
               <a:rPr lang="en-US" smtClean="0"/>
-              <a:t>5/24/2021</a:t>
+              <a:t>1/20/2023</a:t>
             </a:fld>
             <a:endParaRPr lang="en-US"/>
           </a:p>
@@ -1283,7 +1283,7 @@
           <a:p>
             <a:fld id="{5F4C8C79-FAFE-4D56-A4D5-361B65C3B3FA}" type="datetimeFigureOut">
               <a:rPr lang="en-US" smtClean="0"/>
-              <a:t>5/24/2021</a:t>
+              <a:t>1/20/2023</a:t>
             </a:fld>
             <a:endParaRPr lang="en-US"/>
           </a:p>
@@ -1527,7 +1527,7 @@
           <a:p>
             <a:fld id="{5F4C8C79-FAFE-4D56-A4D5-361B65C3B3FA}" type="datetimeFigureOut">
               <a:rPr lang="en-US" smtClean="0"/>
-              <a:t>5/24/2021</a:t>
+              <a:t>1/20/2023</a:t>
             </a:fld>
             <a:endParaRPr lang="en-US"/>
           </a:p>
@@ -1759,7 +1759,7 @@
           <a:p>
             <a:fld id="{5F4C8C79-FAFE-4D56-A4D5-361B65C3B3FA}" type="datetimeFigureOut">
               <a:rPr lang="en-US" smtClean="0"/>
-              <a:t>5/24/2021</a:t>
+              <a:t>1/20/2023</a:t>
             </a:fld>
             <a:endParaRPr lang="en-US"/>
           </a:p>
@@ -2126,7 +2126,7 @@
           <a:p>
             <a:fld id="{5F4C8C79-FAFE-4D56-A4D5-361B65C3B3FA}" type="datetimeFigureOut">
               <a:rPr lang="en-US" smtClean="0"/>
-              <a:t>5/24/2021</a:t>
+              <a:t>1/20/2023</a:t>
             </a:fld>
             <a:endParaRPr lang="en-US"/>
           </a:p>
@@ -2244,7 +2244,7 @@
           <a:p>
             <a:fld id="{5F4C8C79-FAFE-4D56-A4D5-361B65C3B3FA}" type="datetimeFigureOut">
               <a:rPr lang="en-US" smtClean="0"/>
-              <a:t>5/24/2021</a:t>
+              <a:t>1/20/2023</a:t>
             </a:fld>
             <a:endParaRPr lang="en-US"/>
           </a:p>
@@ -2339,7 +2339,7 @@
           <a:p>
             <a:fld id="{5F4C8C79-FAFE-4D56-A4D5-361B65C3B3FA}" type="datetimeFigureOut">
               <a:rPr lang="en-US" smtClean="0"/>
-              <a:t>5/24/2021</a:t>
+              <a:t>1/20/2023</a:t>
             </a:fld>
             <a:endParaRPr lang="en-US"/>
           </a:p>
@@ -2616,7 +2616,7 @@
           <a:p>
             <a:fld id="{5F4C8C79-FAFE-4D56-A4D5-361B65C3B3FA}" type="datetimeFigureOut">
               <a:rPr lang="en-US" smtClean="0"/>
-              <a:t>5/24/2021</a:t>
+              <a:t>1/20/2023</a:t>
             </a:fld>
             <a:endParaRPr lang="en-US"/>
           </a:p>
@@ -2873,7 +2873,7 @@
           <a:p>
             <a:fld id="{5F4C8C79-FAFE-4D56-A4D5-361B65C3B3FA}" type="datetimeFigureOut">
               <a:rPr lang="en-US" smtClean="0"/>
-              <a:t>5/24/2021</a:t>
+              <a:t>1/20/2023</a:t>
             </a:fld>
             <a:endParaRPr lang="en-US"/>
           </a:p>
@@ -3086,7 +3086,7 @@
             <a:fld id="{5F4C8C79-FAFE-4D56-A4D5-361B65C3B3FA}" type="datetimeFigureOut">
               <a:rPr lang="en-US" smtClean="0"/>
               <a:pPr/>
-              <a:t>5/24/2021</a:t>
+              <a:t>1/20/2023</a:t>
             </a:fld>
             <a:endParaRPr lang="en-US" dirty="0"/>
           </a:p>
@@ -3573,7 +3573,7 @@
           </a:ln>
           <a:extLst>
             <a:ext uri="{C572A759-6A51-4108-AA02-DFA0A04FC94B}">
-              <ma14:wrappingTextBoxFlag xmlns:ma14="http://schemas.microsoft.com/office/mac/drawingml/2011/main" xmlns="" val="1"/>
+              <ma14:wrappingTextBoxFlag xmlns="" xmlns:ma14="http://schemas.microsoft.com/office/mac/drawingml/2011/main" val="1"/>
             </a:ext>
           </a:extLst>
         </p:spPr>
@@ -3675,7 +3675,7 @@
           </a:ln>
           <a:extLst>
             <a:ext uri="{C572A759-6A51-4108-AA02-DFA0A04FC94B}">
-              <ma14:wrappingTextBoxFlag xmlns:ma14="http://schemas.microsoft.com/office/mac/drawingml/2011/main" xmlns="" val="1"/>
+              <ma14:wrappingTextBoxFlag xmlns="" xmlns:ma14="http://schemas.microsoft.com/office/mac/drawingml/2011/main" val="1"/>
             </a:ext>
           </a:extLst>
         </p:spPr>
@@ -4613,7 +4613,7 @@
           </a:ln>
           <a:extLst>
             <a:ext uri="{C572A759-6A51-4108-AA02-DFA0A04FC94B}">
-              <ma14:wrappingTextBoxFlag xmlns:ma14="http://schemas.microsoft.com/office/mac/drawingml/2011/main" xmlns="" val="1"/>
+              <ma14:wrappingTextBoxFlag xmlns="" xmlns:ma14="http://schemas.microsoft.com/office/mac/drawingml/2011/main" val="1"/>
             </a:ext>
           </a:extLst>
         </p:spPr>
@@ -4685,7 +4685,7 @@
           </a:ln>
           <a:extLst>
             <a:ext uri="{C572A759-6A51-4108-AA02-DFA0A04FC94B}">
-              <ma14:wrappingTextBoxFlag xmlns:ma14="http://schemas.microsoft.com/office/mac/drawingml/2011/main" xmlns="" val="1"/>
+              <ma14:wrappingTextBoxFlag xmlns="" xmlns:ma14="http://schemas.microsoft.com/office/mac/drawingml/2011/main" val="1"/>
             </a:ext>
           </a:extLst>
         </p:spPr>
@@ -5013,7 +5013,7 @@
           </a:ln>
           <a:extLst>
             <a:ext uri="{C572A759-6A51-4108-AA02-DFA0A04FC94B}">
-              <ma14:wrappingTextBoxFlag xmlns:ma14="http://schemas.microsoft.com/office/mac/drawingml/2011/main" xmlns="" val="1"/>
+              <ma14:wrappingTextBoxFlag xmlns="" xmlns:ma14="http://schemas.microsoft.com/office/mac/drawingml/2011/main" val="1"/>
             </a:ext>
           </a:extLst>
         </p:spPr>
@@ -5082,7 +5082,7 @@
           </a:ln>
           <a:extLst>
             <a:ext uri="{C572A759-6A51-4108-AA02-DFA0A04FC94B}">
-              <ma14:wrappingTextBoxFlag xmlns:ma14="http://schemas.microsoft.com/office/mac/drawingml/2011/main" xmlns="" val="1"/>
+              <ma14:wrappingTextBoxFlag xmlns="" xmlns:ma14="http://schemas.microsoft.com/office/mac/drawingml/2011/main" val="1"/>
             </a:ext>
           </a:extLst>
         </p:spPr>
@@ -5458,7 +5458,7 @@
           </a:ln>
           <a:extLst>
             <a:ext uri="{C572A759-6A51-4108-AA02-DFA0A04FC94B}">
-              <ma14:wrappingTextBoxFlag xmlns:ma14="http://schemas.microsoft.com/office/mac/drawingml/2011/main" xmlns="" val="1"/>
+              <ma14:wrappingTextBoxFlag xmlns="" xmlns:ma14="http://schemas.microsoft.com/office/mac/drawingml/2011/main" val="1"/>
             </a:ext>
           </a:extLst>
         </p:spPr>
@@ -5527,7 +5527,7 @@
           </a:ln>
           <a:extLst>
             <a:ext uri="{C572A759-6A51-4108-AA02-DFA0A04FC94B}">
-              <ma14:wrappingTextBoxFlag xmlns:ma14="http://schemas.microsoft.com/office/mac/drawingml/2011/main" xmlns="" val="1"/>
+              <ma14:wrappingTextBoxFlag xmlns="" xmlns:ma14="http://schemas.microsoft.com/office/mac/drawingml/2011/main" val="1"/>
             </a:ext>
           </a:extLst>
         </p:spPr>
@@ -5744,7 +5744,7 @@
           </a:ln>
           <a:extLst>
             <a:ext uri="{C572A759-6A51-4108-AA02-DFA0A04FC94B}">
-              <ma14:wrappingTextBoxFlag xmlns:ma14="http://schemas.microsoft.com/office/mac/drawingml/2011/main" xmlns="" val="1"/>
+              <ma14:wrappingTextBoxFlag xmlns="" xmlns:ma14="http://schemas.microsoft.com/office/mac/drawingml/2011/main" val="1"/>
             </a:ext>
           </a:extLst>
         </p:spPr>
@@ -5813,7 +5813,7 @@
           </a:ln>
           <a:extLst>
             <a:ext uri="{C572A759-6A51-4108-AA02-DFA0A04FC94B}">
-              <ma14:wrappingTextBoxFlag xmlns:ma14="http://schemas.microsoft.com/office/mac/drawingml/2011/main" xmlns="" val="1"/>
+              <ma14:wrappingTextBoxFlag xmlns="" xmlns:ma14="http://schemas.microsoft.com/office/mac/drawingml/2011/main" val="1"/>
             </a:ext>
           </a:extLst>
         </p:spPr>
@@ -6053,7 +6053,7 @@
           </a:ln>
           <a:extLst>
             <a:ext uri="{C572A759-6A51-4108-AA02-DFA0A04FC94B}">
-              <ma14:wrappingTextBoxFlag xmlns:ma14="http://schemas.microsoft.com/office/mac/drawingml/2011/main" xmlns="" val="1"/>
+              <ma14:wrappingTextBoxFlag xmlns="" xmlns:ma14="http://schemas.microsoft.com/office/mac/drawingml/2011/main" val="1"/>
             </a:ext>
           </a:extLst>
         </p:spPr>
@@ -6122,7 +6122,7 @@
           </a:ln>
           <a:extLst>
             <a:ext uri="{C572A759-6A51-4108-AA02-DFA0A04FC94B}">
-              <ma14:wrappingTextBoxFlag xmlns:ma14="http://schemas.microsoft.com/office/mac/drawingml/2011/main" xmlns="" val="1"/>
+              <ma14:wrappingTextBoxFlag xmlns="" xmlns:ma14="http://schemas.microsoft.com/office/mac/drawingml/2011/main" val="1"/>
             </a:ext>
           </a:extLst>
         </p:spPr>
@@ -6553,7 +6553,7 @@
           </a:ln>
           <a:extLst>
             <a:ext uri="{C572A759-6A51-4108-AA02-DFA0A04FC94B}">
-              <ma14:wrappingTextBoxFlag xmlns:ma14="http://schemas.microsoft.com/office/mac/drawingml/2011/main" xmlns="" val="1"/>
+              <ma14:wrappingTextBoxFlag xmlns="" xmlns:ma14="http://schemas.microsoft.com/office/mac/drawingml/2011/main" val="1"/>
             </a:ext>
           </a:extLst>
         </p:spPr>
@@ -6622,7 +6622,7 @@
           </a:ln>
           <a:extLst>
             <a:ext uri="{C572A759-6A51-4108-AA02-DFA0A04FC94B}">
-              <ma14:wrappingTextBoxFlag xmlns:ma14="http://schemas.microsoft.com/office/mac/drawingml/2011/main" xmlns="" val="1"/>
+              <ma14:wrappingTextBoxFlag xmlns="" xmlns:ma14="http://schemas.microsoft.com/office/mac/drawingml/2011/main" val="1"/>
             </a:ext>
           </a:extLst>
         </p:spPr>
@@ -6750,7 +6750,7 @@
                 <a:cs typeface="Arial Unicode MS" panose="020B0604020202020204" pitchFamily="34" charset="-128"/>
                 <a:sym typeface="Iowan Old Style Roman"/>
               </a:rPr>
-              <a:t>WHERE rank = ‘’;</a:t>
+              <a:t>WHERE rating = ‘’;</a:t>
             </a:r>
           </a:p>
           <a:p>
@@ -6895,7 +6895,7 @@
                 <a:cs typeface="Arial Unicode MS" panose="020B0604020202020204" pitchFamily="34" charset="-128"/>
                 <a:sym typeface="Iowan Old Style Roman"/>
               </a:rPr>
-              <a:t>WHERE rank = ‘NULL’;</a:t>
+              <a:t>WHERE rating = ‘NULL’;</a:t>
             </a:r>
           </a:p>
           <a:p>
@@ -7016,7 +7016,7 @@
                 <a:cs typeface="Arial Unicode MS" panose="020B0604020202020204" pitchFamily="34" charset="-128"/>
                 <a:sym typeface="Iowan Old Style Roman"/>
               </a:rPr>
-              <a:t>WHERE rank &lt;&gt; ‘NULL’;</a:t>
+              <a:t>WHERE rating &lt;&gt; ‘NULL’;</a:t>
             </a:r>
           </a:p>
           <a:p>
@@ -7094,7 +7094,7 @@
           </a:ln>
           <a:extLst>
             <a:ext uri="{C572A759-6A51-4108-AA02-DFA0A04FC94B}">
-              <ma14:wrappingTextBoxFlag xmlns:ma14="http://schemas.microsoft.com/office/mac/drawingml/2011/main" xmlns="" val="1"/>
+              <ma14:wrappingTextBoxFlag xmlns="" xmlns:ma14="http://schemas.microsoft.com/office/mac/drawingml/2011/main" val="1"/>
             </a:ext>
           </a:extLst>
         </p:spPr>
@@ -7163,7 +7163,7 @@
           </a:ln>
           <a:extLst>
             <a:ext uri="{C572A759-6A51-4108-AA02-DFA0A04FC94B}">
-              <ma14:wrappingTextBoxFlag xmlns:ma14="http://schemas.microsoft.com/office/mac/drawingml/2011/main" xmlns="" val="1"/>
+              <ma14:wrappingTextBoxFlag xmlns="" xmlns:ma14="http://schemas.microsoft.com/office/mac/drawingml/2011/main" val="1"/>
             </a:ext>
           </a:extLst>
         </p:spPr>
@@ -7317,7 +7317,7 @@
                 <a:cs typeface="Arial Unicode MS" panose="020B0604020202020204" pitchFamily="34" charset="-128"/>
                 <a:sym typeface="Iowan Old Style Roman"/>
               </a:rPr>
-              <a:t>WHERE rank = NULL;</a:t>
+              <a:t>WHERE rating = NULL;</a:t>
             </a:r>
             <a:br>
               <a:rPr lang="en-US" sz="2000" dirty="0">
@@ -7496,7 +7496,7 @@
                 <a:cs typeface="Arial Unicode MS" panose="020B0604020202020204" pitchFamily="34" charset="-128"/>
                 <a:sym typeface="Iowan Old Style Roman"/>
               </a:rPr>
-              <a:t>WHERE rank &lt;&gt; NULL;</a:t>
+              <a:t>WHERE rating &lt;&gt; NULL;</a:t>
             </a:r>
           </a:p>
         </p:txBody>
@@ -7551,7 +7551,7 @@
           </a:ln>
           <a:extLst>
             <a:ext uri="{C572A759-6A51-4108-AA02-DFA0A04FC94B}">
-              <ma14:wrappingTextBoxFlag xmlns:ma14="http://schemas.microsoft.com/office/mac/drawingml/2011/main" xmlns="" val="1"/>
+              <ma14:wrappingTextBoxFlag xmlns="" xmlns:ma14="http://schemas.microsoft.com/office/mac/drawingml/2011/main" val="1"/>
             </a:ext>
           </a:extLst>
         </p:spPr>
@@ -7620,7 +7620,7 @@
           </a:ln>
           <a:extLst>
             <a:ext uri="{C572A759-6A51-4108-AA02-DFA0A04FC94B}">
-              <ma14:wrappingTextBoxFlag xmlns:ma14="http://schemas.microsoft.com/office/mac/drawingml/2011/main" xmlns="" val="1"/>
+              <ma14:wrappingTextBoxFlag xmlns="" xmlns:ma14="http://schemas.microsoft.com/office/mac/drawingml/2011/main" val="1"/>
             </a:ext>
           </a:extLst>
         </p:spPr>
@@ -7758,7 +7758,7 @@
                 <a:cs typeface="Arial Unicode MS" panose="020B0604020202020204" pitchFamily="34" charset="-128"/>
                 <a:sym typeface="Iowan Old Style Roman"/>
               </a:rPr>
-              <a:t>WHERE rank &gt; 7.8</a:t>
+              <a:t>WHERE rating &gt; 7.8</a:t>
             </a:r>
           </a:p>
           <a:p>
@@ -7832,7 +7832,7 @@
                 <a:cs typeface="Arial Unicode MS" panose="020B0604020202020204" pitchFamily="34" charset="-128"/>
                 <a:sym typeface="Iowan Old Style Roman"/>
               </a:rPr>
-              <a:t>WHERE rank = 7.8</a:t>
+              <a:t>WHERE rating = 7.8</a:t>
             </a:r>
           </a:p>
           <a:p>
@@ -7906,7 +7906,7 @@
                 <a:cs typeface="Arial Unicode MS" panose="020B0604020202020204" pitchFamily="34" charset="-128"/>
                 <a:sym typeface="Iowan Old Style Roman"/>
               </a:rPr>
-              <a:t>WHERE rank LIKE 7.8</a:t>
+              <a:t>WHERE rating LIKE 7.8</a:t>
             </a:r>
           </a:p>
         </p:txBody>
@@ -7961,7 +7961,7 @@
           </a:ln>
           <a:extLst>
             <a:ext uri="{C572A759-6A51-4108-AA02-DFA0A04FC94B}">
-              <ma14:wrappingTextBoxFlag xmlns="" xmlns:ma14="http://schemas.microsoft.com/office/mac/drawingml/2011/main" val="1"/>
+              <ma14:wrappingTextBoxFlag xmlns:ma14="http://schemas.microsoft.com/office/mac/drawingml/2011/main" xmlns="" val="1"/>
             </a:ext>
           </a:extLst>
         </p:spPr>
@@ -8061,7 +8061,7 @@
           </a:ln>
           <a:extLst>
             <a:ext uri="{C572A759-6A51-4108-AA02-DFA0A04FC94B}">
-              <ma14:wrappingTextBoxFlag xmlns:ma14="http://schemas.microsoft.com/office/mac/drawingml/2011/main" xmlns="" val="1"/>
+              <ma14:wrappingTextBoxFlag xmlns="" xmlns:ma14="http://schemas.microsoft.com/office/mac/drawingml/2011/main" val="1"/>
             </a:ext>
           </a:extLst>
         </p:spPr>
@@ -8141,7 +8141,7 @@
           </a:ln>
           <a:extLst>
             <a:ext uri="{C572A759-6A51-4108-AA02-DFA0A04FC94B}">
-              <ma14:wrappingTextBoxFlag xmlns:ma14="http://schemas.microsoft.com/office/mac/drawingml/2011/main" xmlns="" val="1"/>
+              <ma14:wrappingTextBoxFlag xmlns="" xmlns:ma14="http://schemas.microsoft.com/office/mac/drawingml/2011/main" val="1"/>
             </a:ext>
           </a:extLst>
         </p:spPr>
@@ -8549,7 +8549,7 @@
           </a:ln>
           <a:extLst>
             <a:ext uri="{C572A759-6A51-4108-AA02-DFA0A04FC94B}">
-              <ma14:wrappingTextBoxFlag xmlns:ma14="http://schemas.microsoft.com/office/mac/drawingml/2011/main" xmlns="" val="1"/>
+              <ma14:wrappingTextBoxFlag xmlns="" xmlns:ma14="http://schemas.microsoft.com/office/mac/drawingml/2011/main" val="1"/>
             </a:ext>
           </a:extLst>
         </p:spPr>
@@ -8773,7 +8773,7 @@
           </a:ln>
           <a:extLst>
             <a:ext uri="{C572A759-6A51-4108-AA02-DFA0A04FC94B}">
-              <ma14:wrappingTextBoxFlag xmlns="" xmlns:ma14="http://schemas.microsoft.com/office/mac/drawingml/2011/main" val="1"/>
+              <ma14:wrappingTextBoxFlag xmlns:ma14="http://schemas.microsoft.com/office/mac/drawingml/2011/main" xmlns="" val="1"/>
             </a:ext>
           </a:extLst>
         </p:spPr>
@@ -8842,7 +8842,7 @@
           </a:ln>
           <a:extLst>
             <a:ext uri="{C572A759-6A51-4108-AA02-DFA0A04FC94B}">
-              <ma14:wrappingTextBoxFlag xmlns="" xmlns:ma14="http://schemas.microsoft.com/office/mac/drawingml/2011/main" val="1"/>
+              <ma14:wrappingTextBoxFlag xmlns:ma14="http://schemas.microsoft.com/office/mac/drawingml/2011/main" xmlns="" val="1"/>
             </a:ext>
           </a:extLst>
         </p:spPr>
@@ -9207,7 +9207,7 @@
           </a:ln>
           <a:extLst>
             <a:ext uri="{C572A759-6A51-4108-AA02-DFA0A04FC94B}">
-              <ma14:wrappingTextBoxFlag xmlns="" xmlns:ma14="http://schemas.microsoft.com/office/mac/drawingml/2011/main" val="1"/>
+              <ma14:wrappingTextBoxFlag xmlns:ma14="http://schemas.microsoft.com/office/mac/drawingml/2011/main" xmlns="" val="1"/>
             </a:ext>
           </a:extLst>
         </p:spPr>
@@ -9276,7 +9276,7 @@
           </a:ln>
           <a:extLst>
             <a:ext uri="{C572A759-6A51-4108-AA02-DFA0A04FC94B}">
-              <ma14:wrappingTextBoxFlag xmlns="" xmlns:ma14="http://schemas.microsoft.com/office/mac/drawingml/2011/main" val="1"/>
+              <ma14:wrappingTextBoxFlag xmlns:ma14="http://schemas.microsoft.com/office/mac/drawingml/2011/main" xmlns="" val="1"/>
             </a:ext>
           </a:extLst>
         </p:spPr>
@@ -9642,7 +9642,7 @@
           </a:ln>
           <a:extLst>
             <a:ext uri="{C572A759-6A51-4108-AA02-DFA0A04FC94B}">
-              <ma14:wrappingTextBoxFlag xmlns="" xmlns:ma14="http://schemas.microsoft.com/office/mac/drawingml/2011/main" val="1"/>
+              <ma14:wrappingTextBoxFlag xmlns:ma14="http://schemas.microsoft.com/office/mac/drawingml/2011/main" xmlns="" val="1"/>
             </a:ext>
           </a:extLst>
         </p:spPr>
@@ -9711,7 +9711,7 @@
           </a:ln>
           <a:extLst>
             <a:ext uri="{C572A759-6A51-4108-AA02-DFA0A04FC94B}">
-              <ma14:wrappingTextBoxFlag xmlns="" xmlns:ma14="http://schemas.microsoft.com/office/mac/drawingml/2011/main" val="1"/>
+              <ma14:wrappingTextBoxFlag xmlns:ma14="http://schemas.microsoft.com/office/mac/drawingml/2011/main" xmlns="" val="1"/>
             </a:ext>
           </a:extLst>
         </p:spPr>
@@ -9841,7 +9841,7 @@
           </a:ln>
           <a:extLst>
             <a:ext uri="{C572A759-6A51-4108-AA02-DFA0A04FC94B}">
-              <ma14:wrappingTextBoxFlag xmlns="" xmlns:ma14="http://schemas.microsoft.com/office/mac/drawingml/2011/main" val="1"/>
+              <ma14:wrappingTextBoxFlag xmlns:ma14="http://schemas.microsoft.com/office/mac/drawingml/2011/main" xmlns="" val="1"/>
             </a:ext>
           </a:extLst>
         </p:spPr>
@@ -9941,7 +9941,7 @@
           </a:ln>
           <a:extLst>
             <a:ext uri="{C572A759-6A51-4108-AA02-DFA0A04FC94B}">
-              <ma14:wrappingTextBoxFlag xmlns="" xmlns:ma14="http://schemas.microsoft.com/office/mac/drawingml/2011/main" val="1"/>
+              <ma14:wrappingTextBoxFlag xmlns:ma14="http://schemas.microsoft.com/office/mac/drawingml/2011/main" xmlns="" val="1"/>
             </a:ext>
           </a:extLst>
         </p:spPr>
@@ -10021,7 +10021,7 @@
           </a:ln>
           <a:extLst>
             <a:ext uri="{C572A759-6A51-4108-AA02-DFA0A04FC94B}">
-              <ma14:wrappingTextBoxFlag xmlns="" xmlns:ma14="http://schemas.microsoft.com/office/mac/drawingml/2011/main" val="1"/>
+              <ma14:wrappingTextBoxFlag xmlns:ma14="http://schemas.microsoft.com/office/mac/drawingml/2011/main" xmlns="" val="1"/>
             </a:ext>
           </a:extLst>
         </p:spPr>
@@ -10074,7 +10074,7 @@
           </a:ln>
           <a:extLst>
             <a:ext uri="{C572A759-6A51-4108-AA02-DFA0A04FC94B}">
-              <ma14:wrappingTextBoxFlag xmlns="" xmlns:ma14="http://schemas.microsoft.com/office/mac/drawingml/2011/main" val="1"/>
+              <ma14:wrappingTextBoxFlag xmlns:ma14="http://schemas.microsoft.com/office/mac/drawingml/2011/main" xmlns="" val="1"/>
             </a:ext>
           </a:extLst>
         </p:spPr>
@@ -10706,7 +10706,7 @@
           </a:ln>
           <a:extLst>
             <a:ext uri="{C572A759-6A51-4108-AA02-DFA0A04FC94B}">
-              <ma14:wrappingTextBoxFlag xmlns:ma14="http://schemas.microsoft.com/office/mac/drawingml/2011/main" xmlns="" val="1"/>
+              <ma14:wrappingTextBoxFlag xmlns="" xmlns:ma14="http://schemas.microsoft.com/office/mac/drawingml/2011/main" val="1"/>
             </a:ext>
           </a:extLst>
         </p:spPr>
@@ -11017,7 +11017,7 @@
           </a:ln>
           <a:extLst>
             <a:ext uri="{C572A759-6A51-4108-AA02-DFA0A04FC94B}">
-              <ma14:wrappingTextBoxFlag xmlns:ma14="http://schemas.microsoft.com/office/mac/drawingml/2011/main" xmlns="" val="1"/>
+              <ma14:wrappingTextBoxFlag xmlns="" xmlns:ma14="http://schemas.microsoft.com/office/mac/drawingml/2011/main" val="1"/>
             </a:ext>
           </a:extLst>
         </p:spPr>
@@ -11119,7 +11119,7 @@
           </a:ln>
           <a:extLst>
             <a:ext uri="{C572A759-6A51-4108-AA02-DFA0A04FC94B}">
-              <ma14:wrappingTextBoxFlag xmlns:ma14="http://schemas.microsoft.com/office/mac/drawingml/2011/main" xmlns="" val="1"/>
+              <ma14:wrappingTextBoxFlag xmlns="" xmlns:ma14="http://schemas.microsoft.com/office/mac/drawingml/2011/main" val="1"/>
             </a:ext>
           </a:extLst>
         </p:spPr>
@@ -11411,7 +11411,7 @@
           </a:ln>
           <a:extLst>
             <a:ext uri="{C572A759-6A51-4108-AA02-DFA0A04FC94B}">
-              <ma14:wrappingTextBoxFlag xmlns:ma14="http://schemas.microsoft.com/office/mac/drawingml/2011/main" xmlns="" val="1"/>
+              <ma14:wrappingTextBoxFlag xmlns="" xmlns:ma14="http://schemas.microsoft.com/office/mac/drawingml/2011/main" val="1"/>
             </a:ext>
           </a:extLst>
         </p:spPr>
@@ -11901,7 +11901,7 @@
           </a:ln>
           <a:extLst>
             <a:ext uri="{C572A759-6A51-4108-AA02-DFA0A04FC94B}">
-              <ma14:wrappingTextBoxFlag xmlns:ma14="http://schemas.microsoft.com/office/mac/drawingml/2011/main" xmlns="" val="1"/>
+              <ma14:wrappingTextBoxFlag xmlns="" xmlns:ma14="http://schemas.microsoft.com/office/mac/drawingml/2011/main" val="1"/>
             </a:ext>
           </a:extLst>
         </p:spPr>
@@ -12003,7 +12003,7 @@
           </a:ln>
           <a:extLst>
             <a:ext uri="{C572A759-6A51-4108-AA02-DFA0A04FC94B}">
-              <ma14:wrappingTextBoxFlag xmlns:ma14="http://schemas.microsoft.com/office/mac/drawingml/2011/main" xmlns="" val="1"/>
+              <ma14:wrappingTextBoxFlag xmlns="" xmlns:ma14="http://schemas.microsoft.com/office/mac/drawingml/2011/main" val="1"/>
             </a:ext>
           </a:extLst>
         </p:spPr>
@@ -12452,7 +12452,7 @@
           </a:ln>
           <a:extLst>
             <a:ext uri="{C572A759-6A51-4108-AA02-DFA0A04FC94B}">
-              <ma14:wrappingTextBoxFlag xmlns:ma14="http://schemas.microsoft.com/office/mac/drawingml/2011/main" xmlns="" val="1"/>
+              <ma14:wrappingTextBoxFlag xmlns="" xmlns:ma14="http://schemas.microsoft.com/office/mac/drawingml/2011/main" val="1"/>
             </a:ext>
           </a:extLst>
         </p:spPr>
@@ -13406,7 +13406,7 @@
           </a:ln>
           <a:extLst>
             <a:ext uri="{C572A759-6A51-4108-AA02-DFA0A04FC94B}">
-              <ma14:wrappingTextBoxFlag xmlns:ma14="http://schemas.microsoft.com/office/mac/drawingml/2011/main" xmlns="" val="1"/>
+              <ma14:wrappingTextBoxFlag xmlns="" xmlns:ma14="http://schemas.microsoft.com/office/mac/drawingml/2011/main" val="1"/>
             </a:ext>
           </a:extLst>
         </p:spPr>
@@ -13508,7 +13508,7 @@
           </a:ln>
           <a:extLst>
             <a:ext uri="{C572A759-6A51-4108-AA02-DFA0A04FC94B}">
-              <ma14:wrappingTextBoxFlag xmlns:ma14="http://schemas.microsoft.com/office/mac/drawingml/2011/main" xmlns="" val="1"/>
+              <ma14:wrappingTextBoxFlag xmlns="" xmlns:ma14="http://schemas.microsoft.com/office/mac/drawingml/2011/main" val="1"/>
             </a:ext>
           </a:extLst>
         </p:spPr>
@@ -13813,7 +13813,7 @@
           </a:ln>
           <a:extLst>
             <a:ext uri="{C572A759-6A51-4108-AA02-DFA0A04FC94B}">
-              <ma14:wrappingTextBoxFlag xmlns:ma14="http://schemas.microsoft.com/office/mac/drawingml/2011/main" xmlns="" val="1"/>
+              <ma14:wrappingTextBoxFlag xmlns="" xmlns:ma14="http://schemas.microsoft.com/office/mac/drawingml/2011/main" val="1"/>
             </a:ext>
           </a:extLst>
         </p:spPr>
